--- a/res/Smart Budget Presentation.pptx
+++ b/res/Smart Budget Presentation.pptx
@@ -5,10 +5,10 @@
     <p:sldMasterId id="2147483684" r:id="rId4"/>
   </p:sldMasterIdLst>
   <p:notesMasterIdLst>
-    <p:notesMasterId r:id="rId20"/>
+    <p:notesMasterId r:id="rId21"/>
   </p:notesMasterIdLst>
   <p:handoutMasterIdLst>
-    <p:handoutMasterId r:id="rId21"/>
+    <p:handoutMasterId r:id="rId22"/>
   </p:handoutMasterIdLst>
   <p:sldIdLst>
     <p:sldId id="257" r:id="rId5"/>
@@ -25,7 +25,8 @@
     <p:sldId id="278" r:id="rId16"/>
     <p:sldId id="281" r:id="rId17"/>
     <p:sldId id="321" r:id="rId18"/>
-    <p:sldId id="391" r:id="rId19"/>
+    <p:sldId id="398" r:id="rId19"/>
+    <p:sldId id="391" r:id="rId20"/>
   </p:sldIdLst>
   <p:sldSz cx="12192000" cy="6858000"/>
   <p:notesSz cx="6858000" cy="9144000"/>
@@ -18004,6 +18005,188 @@
   <p:cSld>
     <p:spTree>
       <p:nvGrpSpPr>
+        <p:cNvPr id="1" name="">
+          <a:extLst>
+            <a:ext uri="{FF2B5EF4-FFF2-40B4-BE49-F238E27FC236}">
+              <a16:creationId xmlns:a16="http://schemas.microsoft.com/office/drawing/2014/main" id="{E9101BDA-A86B-FC2C-F4BD-5E4F2058516C}"/>
+            </a:ext>
+          </a:extLst>
+        </p:cNvPr>
+        <p:cNvGrpSpPr/>
+        <p:nvPr/>
+      </p:nvGrpSpPr>
+      <p:grpSpPr>
+        <a:xfrm>
+          <a:off x="0" y="0"/>
+          <a:ext cx="0" cy="0"/>
+          <a:chOff x="0" y="0"/>
+          <a:chExt cx="0" cy="0"/>
+        </a:xfrm>
+      </p:grpSpPr>
+      <p:sp>
+        <p:nvSpPr>
+          <p:cNvPr id="7" name="Title 6">
+            <a:extLst>
+              <a:ext uri="{FF2B5EF4-FFF2-40B4-BE49-F238E27FC236}">
+                <a16:creationId xmlns:a16="http://schemas.microsoft.com/office/drawing/2014/main" id="{34355542-C6D8-99F4-4AE4-C3B89EBEF677}"/>
+              </a:ext>
+            </a:extLst>
+          </p:cNvPr>
+          <p:cNvSpPr>
+            <a:spLocks noGrp="1"/>
+          </p:cNvSpPr>
+          <p:nvPr>
+            <p:ph type="title"/>
+          </p:nvPr>
+        </p:nvSpPr>
+        <p:spPr>
+          <a:xfrm>
+            <a:off x="543586" y="2507284"/>
+            <a:ext cx="11097551" cy="1332000"/>
+          </a:xfrm>
+        </p:spPr>
+        <p:txBody>
+          <a:bodyPr rtlCol="0" anchor="ctr"/>
+          <a:lstStyle/>
+          <a:p>
+            <a:pPr algn="ctr" rtl="0"/>
+            <a:r>
+              <a:rPr lang="en-GB" sz="6600" dirty="0"/>
+              <a:t>Q&amp;A</a:t>
+            </a:r>
+          </a:p>
+        </p:txBody>
+      </p:sp>
+      <p:sp>
+        <p:nvSpPr>
+          <p:cNvPr id="14" name="Date Placeholder 13">
+            <a:extLst>
+              <a:ext uri="{FF2B5EF4-FFF2-40B4-BE49-F238E27FC236}">
+                <a16:creationId xmlns:a16="http://schemas.microsoft.com/office/drawing/2014/main" id="{80949217-56CC-C13F-4A9A-E12CB287A4A1}"/>
+              </a:ext>
+            </a:extLst>
+          </p:cNvPr>
+          <p:cNvSpPr>
+            <a:spLocks noGrp="1"/>
+          </p:cNvSpPr>
+          <p:nvPr>
+            <p:ph type="dt" sz="half" idx="10"/>
+          </p:nvPr>
+        </p:nvSpPr>
+        <p:spPr>
+          <a:xfrm>
+            <a:off x="550863" y="6507212"/>
+            <a:ext cx="2628900" cy="153888"/>
+          </a:xfrm>
+        </p:spPr>
+        <p:txBody>
+          <a:bodyPr rtlCol="0"/>
+          <a:lstStyle/>
+          <a:p>
+            <a:pPr rtl="0"/>
+            <a:r>
+              <a:rPr lang="en-GB" dirty="0"/>
+              <a:t>Tuesday, November 27</a:t>
+            </a:r>
+            <a:r>
+              <a:rPr lang="en-GB" baseline="30000" dirty="0"/>
+              <a:t>th</a:t>
+            </a:r>
+            <a:r>
+              <a:rPr lang="en-GB" dirty="0"/>
+              <a:t> , 2024</a:t>
+            </a:r>
+          </a:p>
+        </p:txBody>
+      </p:sp>
+      <p:sp>
+        <p:nvSpPr>
+          <p:cNvPr id="15" name="Footer Placeholder 14">
+            <a:extLst>
+              <a:ext uri="{FF2B5EF4-FFF2-40B4-BE49-F238E27FC236}">
+                <a16:creationId xmlns:a16="http://schemas.microsoft.com/office/drawing/2014/main" id="{79D08395-7FDA-AF91-DF47-BC670649F8E2}"/>
+              </a:ext>
+            </a:extLst>
+          </p:cNvPr>
+          <p:cNvSpPr>
+            <a:spLocks noGrp="1"/>
+          </p:cNvSpPr>
+          <p:nvPr>
+            <p:ph type="ftr" sz="quarter" idx="11"/>
+          </p:nvPr>
+        </p:nvSpPr>
+        <p:spPr>
+          <a:xfrm>
+            <a:off x="3359150" y="6507212"/>
+            <a:ext cx="6379210" cy="153888"/>
+          </a:xfrm>
+        </p:spPr>
+        <p:txBody>
+          <a:bodyPr rtlCol="0"/>
+          <a:lstStyle/>
+          <a:p>
+            <a:pPr rtl="0"/>
+            <a:r>
+              <a:rPr lang="en-GB"/>
+              <a:t>Sample Footer Text</a:t>
+            </a:r>
+          </a:p>
+        </p:txBody>
+      </p:sp>
+      <p:sp>
+        <p:nvSpPr>
+          <p:cNvPr id="16" name="Slide Number Placeholder 15">
+            <a:extLst>
+              <a:ext uri="{FF2B5EF4-FFF2-40B4-BE49-F238E27FC236}">
+                <a16:creationId xmlns:a16="http://schemas.microsoft.com/office/drawing/2014/main" id="{9F635FD4-C329-FB5A-5A10-C82067A810DB}"/>
+              </a:ext>
+            </a:extLst>
+          </p:cNvPr>
+          <p:cNvSpPr>
+            <a:spLocks noGrp="1"/>
+          </p:cNvSpPr>
+          <p:nvPr>
+            <p:ph type="sldNum" sz="quarter" idx="12"/>
+          </p:nvPr>
+        </p:nvSpPr>
+        <p:spPr>
+          <a:xfrm>
+            <a:off x="9948863" y="6507212"/>
+            <a:ext cx="1692274" cy="153888"/>
+          </a:xfrm>
+        </p:spPr>
+        <p:txBody>
+          <a:bodyPr rtlCol="0"/>
+          <a:lstStyle/>
+          <a:p>
+            <a:pPr rtl="0"/>
+            <a:fld id="{DBA1B0FB-D917-4C8C-928F-313BD683BF39}" type="slidenum">
+              <a:rPr lang="en-GB" smtClean="0"/>
+              <a:pPr rtl="0"/>
+              <a:t>15</a:t>
+            </a:fld>
+            <a:endParaRPr lang="en-GB"/>
+          </a:p>
+        </p:txBody>
+      </p:sp>
+    </p:spTree>
+    <p:extLst>
+      <p:ext uri="{BB962C8B-B14F-4D97-AF65-F5344CB8AC3E}">
+        <p14:creationId xmlns:p14="http://schemas.microsoft.com/office/powerpoint/2010/main" val="3985438535"/>
+      </p:ext>
+    </p:extLst>
+  </p:cSld>
+  <p:clrMapOvr>
+    <a:masterClrMapping/>
+  </p:clrMapOvr>
+</p:sld>
+</file>
+
+<file path=ppt/slides/slide16.xml><?xml version="1.0" encoding="utf-8"?>
+<p:sld xmlns:a="http://schemas.openxmlformats.org/drawingml/2006/main" xmlns:r="http://schemas.openxmlformats.org/officeDocument/2006/relationships" xmlns:p="http://schemas.openxmlformats.org/presentationml/2006/main">
+  <p:cSld>
+    <p:spTree>
+      <p:nvGrpSpPr>
         <p:cNvPr id="1" name=""/>
         <p:cNvGrpSpPr/>
         <p:nvPr/>
@@ -18224,7 +18407,7 @@
             <a:fld id="{DBA1B0FB-D917-4C8C-928F-313BD683BF39}" type="slidenum">
               <a:rPr lang="en-GB" smtClean="0"/>
               <a:pPr rtl="0"/>
-              <a:t>15</a:t>
+              <a:t>16</a:t>
             </a:fld>
             <a:endParaRPr lang="en-GB"/>
           </a:p>
@@ -23284,170 +23467,8 @@
             <a:pPr rtl="0"/>
             <a:r>
               <a:rPr lang="en-GB" dirty="0"/>
-              <a:t>Content </a:t>
-            </a:r>
-          </a:p>
-        </p:txBody>
-      </p:sp>
-      <p:sp>
-        <p:nvSpPr>
-          <p:cNvPr id="9" name="Text Placeholder 8">
-            <a:extLst>
-              <a:ext uri="{FF2B5EF4-FFF2-40B4-BE49-F238E27FC236}">
-                <a16:creationId xmlns:a16="http://schemas.microsoft.com/office/drawing/2014/main" id="{D81BE062-853C-7012-EDE5-029E62D23F1A}"/>
-              </a:ext>
-            </a:extLst>
-          </p:cNvPr>
-          <p:cNvSpPr>
-            <a:spLocks noGrp="1"/>
-          </p:cNvSpPr>
-          <p:nvPr>
-            <p:ph type="body" idx="1"/>
-          </p:nvPr>
-        </p:nvSpPr>
-        <p:spPr>
-          <a:xfrm>
-            <a:off x="550864" y="1731375"/>
-            <a:ext cx="5437186" cy="535354"/>
-          </a:xfrm>
-        </p:spPr>
-        <p:txBody>
-          <a:bodyPr rtlCol="0"/>
-          <a:lstStyle/>
-          <a:p>
-            <a:pPr rtl="0"/>
-            <a:r>
-              <a:rPr lang="en-GB"/>
-              <a:t>Subtitle</a:t>
-            </a:r>
-            <a:endParaRPr lang="en-GB" dirty="0"/>
-          </a:p>
-        </p:txBody>
-      </p:sp>
-      <p:sp>
-        <p:nvSpPr>
-          <p:cNvPr id="10" name="Content Placeholder 9">
-            <a:extLst>
-              <a:ext uri="{FF2B5EF4-FFF2-40B4-BE49-F238E27FC236}">
-                <a16:creationId xmlns:a16="http://schemas.microsoft.com/office/drawing/2014/main" id="{C0F0AA83-4B30-288B-4439-F6D05975A1B9}"/>
-              </a:ext>
-            </a:extLst>
-          </p:cNvPr>
-          <p:cNvSpPr>
-            <a:spLocks noGrp="1"/>
-          </p:cNvSpPr>
-          <p:nvPr>
-            <p:ph sz="half" idx="2"/>
-          </p:nvPr>
-        </p:nvSpPr>
-        <p:spPr>
-          <a:xfrm>
-            <a:off x="550863" y="2427370"/>
-            <a:ext cx="5429114" cy="3515555"/>
-          </a:xfrm>
-        </p:spPr>
-        <p:txBody>
-          <a:bodyPr rtlCol="0"/>
-          <a:lstStyle/>
-          <a:p>
-            <a:pPr rtl="0"/>
-            <a:r>
-              <a:rPr lang="en-GB" dirty="0"/>
-              <a:t>Add text, images, art, and videos. </a:t>
-            </a:r>
-          </a:p>
-          <a:p>
-            <a:pPr rtl="0"/>
-            <a:r>
-              <a:rPr lang="en-GB" dirty="0"/>
-              <a:t>Add transitions, animations, and motion. </a:t>
-            </a:r>
-          </a:p>
-          <a:p>
-            <a:pPr rtl="0"/>
-            <a:r>
-              <a:rPr lang="en-GB" dirty="0"/>
-              <a:t>Save to OneDrive, to get to your presentations from your computer, tablet, or phone. </a:t>
-            </a:r>
-          </a:p>
-        </p:txBody>
-      </p:sp>
-      <p:sp>
-        <p:nvSpPr>
-          <p:cNvPr id="11" name="Text Placeholder 10">
-            <a:extLst>
-              <a:ext uri="{FF2B5EF4-FFF2-40B4-BE49-F238E27FC236}">
-                <a16:creationId xmlns:a16="http://schemas.microsoft.com/office/drawing/2014/main" id="{556FA3F3-22B2-92E5-D4B8-BFE288B889B6}"/>
-              </a:ext>
-            </a:extLst>
-          </p:cNvPr>
-          <p:cNvSpPr>
-            <a:spLocks noGrp="1"/>
-          </p:cNvSpPr>
-          <p:nvPr>
-            <p:ph type="body" sz="quarter" idx="3"/>
-          </p:nvPr>
-        </p:nvSpPr>
-        <p:spPr>
-          <a:xfrm>
-            <a:off x="6212024" y="1731375"/>
-            <a:ext cx="5436392" cy="535354"/>
-          </a:xfrm>
-        </p:spPr>
-        <p:txBody>
-          <a:bodyPr rtlCol="0"/>
-          <a:lstStyle/>
-          <a:p>
-            <a:pPr rtl="0"/>
-            <a:r>
-              <a:rPr lang="en-GB"/>
-              <a:t>Subtitle</a:t>
-            </a:r>
-          </a:p>
-        </p:txBody>
-      </p:sp>
-      <p:sp>
-        <p:nvSpPr>
-          <p:cNvPr id="12" name="Content Placeholder 11">
-            <a:extLst>
-              <a:ext uri="{FF2B5EF4-FFF2-40B4-BE49-F238E27FC236}">
-                <a16:creationId xmlns:a16="http://schemas.microsoft.com/office/drawing/2014/main" id="{B84C941F-1A35-B4E8-8D46-DFC408280D0D}"/>
-              </a:ext>
-            </a:extLst>
-          </p:cNvPr>
-          <p:cNvSpPr>
-            <a:spLocks noGrp="1"/>
-          </p:cNvSpPr>
-          <p:nvPr>
-            <p:ph sz="quarter" idx="4"/>
-          </p:nvPr>
-        </p:nvSpPr>
-        <p:spPr>
-          <a:xfrm>
-            <a:off x="6212023" y="2427370"/>
-            <a:ext cx="5436391" cy="3515555"/>
-          </a:xfrm>
-        </p:spPr>
-        <p:txBody>
-          <a:bodyPr rtlCol="0"/>
-          <a:lstStyle/>
-          <a:p>
-            <a:pPr rtl="0"/>
-            <a:r>
-              <a:rPr lang="en-GB"/>
-              <a:t>Open the Design Ideas pane for instant slide makeovers. </a:t>
-            </a:r>
-          </a:p>
-          <a:p>
-            <a:pPr rtl="0"/>
-            <a:r>
-              <a:rPr lang="en-GB"/>
-              <a:t>When we have design ideas, we’ll show them to you right there. </a:t>
-            </a:r>
-          </a:p>
-          <a:p>
-            <a:pPr rtl="0"/>
-            <a:endParaRPr lang="en-GB" dirty="0"/>
+              <a:t>Diagram Design</a:t>
+            </a:r>
           </a:p>
         </p:txBody>
       </p:sp>
@@ -23724,6 +23745,36 @@
           </a:p>
         </p:txBody>
       </p:sp>
+      <p:pic>
+        <p:nvPicPr>
+          <p:cNvPr id="21" name="Picture 20" descr="A diagram of a project&#10;&#10;Description automatically generated with medium confidence">
+            <a:extLst>
+              <a:ext uri="{FF2B5EF4-FFF2-40B4-BE49-F238E27FC236}">
+                <a16:creationId xmlns:a16="http://schemas.microsoft.com/office/drawing/2014/main" id="{D386A193-2532-9EA1-468D-174D384E533D}"/>
+              </a:ext>
+            </a:extLst>
+          </p:cNvPr>
+          <p:cNvPicPr>
+            <a:picLocks noChangeAspect="1"/>
+          </p:cNvPicPr>
+          <p:nvPr/>
+        </p:nvPicPr>
+        <p:blipFill>
+          <a:blip r:embed="rId3"/>
+          <a:stretch>
+            <a:fillRect/>
+          </a:stretch>
+        </p:blipFill>
+        <p:spPr>
+          <a:xfrm>
+            <a:off x="890587" y="1426886"/>
+            <a:ext cx="10410825" cy="4600575"/>
+          </a:xfrm>
+          <a:prstGeom prst="rect">
+            <a:avLst/>
+          </a:prstGeom>
+        </p:spPr>
+      </p:pic>
     </p:spTree>
     <p:extLst>
       <p:ext uri="{BB962C8B-B14F-4D97-AF65-F5344CB8AC3E}">
@@ -24529,15 +24580,6 @@
 </file>
 
 <file path=customXml/item1.xml><?xml version="1.0" encoding="utf-8"?>
-<?mso-contentType ?>
-<FormTemplates xmlns="http://schemas.microsoft.com/sharepoint/v3/contenttype/forms">
-  <Display>DocumentLibraryForm</Display>
-  <Edit>DocumentLibraryForm</Edit>
-  <New>DocumentLibraryForm</New>
-</FormTemplates>
-</file>
-
-<file path=customXml/item2.xml><?xml version="1.0" encoding="utf-8"?>
 <p:properties xmlns:p="http://schemas.microsoft.com/office/2006/metadata/properties" xmlns:xsi="http://www.w3.org/2001/XMLSchema-instance" xmlns:pc="http://schemas.microsoft.com/office/infopath/2007/PartnerControls">
   <documentManagement>
     <_ip_UnifiedCompliancePolicyUIAction xmlns="http://schemas.microsoft.com/sharepoint/v3" xsi:nil="true"/>
@@ -24554,6 +24596,15 @@
     <MediaServiceKeyPoints xmlns="71af3243-3dd4-4a8d-8c0d-dd76da1f02a5" xsi:nil="true"/>
   </documentManagement>
 </p:properties>
+</file>
+
+<file path=customXml/item2.xml><?xml version="1.0" encoding="utf-8"?>
+<?mso-contentType ?>
+<FormTemplates xmlns="http://schemas.microsoft.com/sharepoint/v3/contenttype/forms">
+  <Display>DocumentLibraryForm</Display>
+  <Edit>DocumentLibraryForm</Edit>
+  <New>DocumentLibraryForm</New>
+</FormTemplates>
 </file>
 
 <file path=customXml/item3.xml><?xml version="1.0" encoding="utf-8"?>
@@ -24833,14 +24884,6 @@
 </file>
 
 <file path=customXml/itemProps1.xml><?xml version="1.0" encoding="utf-8"?>
-<ds:datastoreItem xmlns:ds="http://schemas.openxmlformats.org/officeDocument/2006/customXml" ds:itemID="{904751AB-E840-446F-8D49-E697067EC887}">
-  <ds:schemaRefs>
-    <ds:schemaRef ds:uri="http://schemas.microsoft.com/sharepoint/v3/contenttype/forms"/>
-  </ds:schemaRefs>
-</ds:datastoreItem>
-</file>
-
-<file path=customXml/itemProps2.xml><?xml version="1.0" encoding="utf-8"?>
 <ds:datastoreItem xmlns:ds="http://schemas.openxmlformats.org/officeDocument/2006/customXml" ds:itemID="{50811A92-D464-4AC4-A396-BA73B10CEEAC}">
   <ds:schemaRefs>
     <ds:schemaRef ds:uri="http://schemas.microsoft.com/office/2006/metadata/properties"/>
@@ -24848,6 +24891,14 @@
     <ds:schemaRef ds:uri="http://schemas.microsoft.com/sharepoint/v3"/>
     <ds:schemaRef ds:uri="71af3243-3dd4-4a8d-8c0d-dd76da1f02a5"/>
     <ds:schemaRef ds:uri="230e9df3-be65-4c73-a93b-d1236ebd677e"/>
+  </ds:schemaRefs>
+</ds:datastoreItem>
+</file>
+
+<file path=customXml/itemProps2.xml><?xml version="1.0" encoding="utf-8"?>
+<ds:datastoreItem xmlns:ds="http://schemas.openxmlformats.org/officeDocument/2006/customXml" ds:itemID="{904751AB-E840-446F-8D49-E697067EC887}">
+  <ds:schemaRefs>
+    <ds:schemaRef ds:uri="http://schemas.microsoft.com/sharepoint/v3/contenttype/forms"/>
   </ds:schemaRefs>
 </ds:datastoreItem>
 </file>

--- a/res/Smart Budget Presentation.pptx
+++ b/res/Smart Budget Presentation.pptx
@@ -5,10 +5,10 @@
     <p:sldMasterId id="2147483684" r:id="rId4"/>
   </p:sldMasterIdLst>
   <p:notesMasterIdLst>
-    <p:notesMasterId r:id="rId21"/>
+    <p:notesMasterId r:id="rId20"/>
   </p:notesMasterIdLst>
   <p:handoutMasterIdLst>
-    <p:handoutMasterId r:id="rId22"/>
+    <p:handoutMasterId r:id="rId21"/>
   </p:handoutMasterIdLst>
   <p:sldIdLst>
     <p:sldId id="257" r:id="rId5"/>
@@ -21,12 +21,11 @@
     <p:sldId id="392" r:id="rId12"/>
     <p:sldId id="394" r:id="rId13"/>
     <p:sldId id="393" r:id="rId14"/>
-    <p:sldId id="277" r:id="rId15"/>
-    <p:sldId id="278" r:id="rId16"/>
-    <p:sldId id="281" r:id="rId17"/>
-    <p:sldId id="321" r:id="rId18"/>
-    <p:sldId id="398" r:id="rId19"/>
-    <p:sldId id="391" r:id="rId20"/>
+    <p:sldId id="399" r:id="rId15"/>
+    <p:sldId id="400" r:id="rId16"/>
+    <p:sldId id="321" r:id="rId17"/>
+    <p:sldId id="398" r:id="rId18"/>
+    <p:sldId id="391" r:id="rId19"/>
   </p:sldIdLst>
   <p:sldSz cx="12192000" cy="6858000"/>
   <p:notesSz cx="6858000" cy="9144000"/>
@@ -145,1006 +144,6 @@
     </p:ext>
   </p:extLst>
 </p:presentation>
-</file>
-
-<file path=ppt/charts/chart1.xml><?xml version="1.0" encoding="utf-8"?>
-<c:chartSpace xmlns:c="http://schemas.openxmlformats.org/drawingml/2006/chart" xmlns:a="http://schemas.openxmlformats.org/drawingml/2006/main" xmlns:r="http://schemas.openxmlformats.org/officeDocument/2006/relationships" xmlns:c16r2="http://schemas.microsoft.com/office/drawing/2015/06/chart">
-  <c:date1904 val="0"/>
-  <c:lang val="en-GB"/>
-  <c:roundedCorners val="0"/>
-  <mc:AlternateContent xmlns:mc="http://schemas.openxmlformats.org/markup-compatibility/2006">
-    <mc:Choice xmlns:c14="http://schemas.microsoft.com/office/drawing/2007/8/2/chart" Requires="c14">
-      <c14:style val="102"/>
-    </mc:Choice>
-    <mc:Fallback>
-      <c:style val="2"/>
-    </mc:Fallback>
-  </mc:AlternateContent>
-  <c:chart>
-    <c:title>
-      <c:overlay val="0"/>
-      <c:spPr>
-        <a:noFill/>
-        <a:ln>
-          <a:noFill/>
-        </a:ln>
-        <a:effectLst/>
-      </c:spPr>
-      <c:txPr>
-        <a:bodyPr rot="0" spcFirstLastPara="1" vertOverflow="ellipsis" vert="horz" wrap="square" anchor="ctr" anchorCtr="1"/>
-        <a:lstStyle/>
-        <a:p>
-          <a:pPr>
-            <a:defRPr sz="1862" b="0" i="0" u="none" strike="noStrike" kern="1200" spc="0" baseline="0">
-              <a:solidFill>
-                <a:schemeClr val="tx1">
-                  <a:lumMod val="65000"/>
-                  <a:lumOff val="35000"/>
-                </a:schemeClr>
-              </a:solidFill>
-              <a:latin typeface="+mn-lt"/>
-              <a:ea typeface="+mn-ea"/>
-              <a:cs typeface="+mn-cs"/>
-            </a:defRPr>
-          </a:pPr>
-          <a:endParaRPr lang="en-US"/>
-        </a:p>
-      </c:txPr>
-    </c:title>
-    <c:autoTitleDeleted val="0"/>
-    <c:plotArea>
-      <c:layout/>
-      <c:barChart>
-        <c:barDir val="col"/>
-        <c:grouping val="clustered"/>
-        <c:varyColors val="0"/>
-        <c:ser>
-          <c:idx val="0"/>
-          <c:order val="0"/>
-          <c:tx>
-            <c:strRef>
-              <c:f>Sheet1!$B$1</c:f>
-              <c:strCache>
-                <c:ptCount val="1"/>
-                <c:pt idx="0">
-                  <c:v>Series 1</c:v>
-                </c:pt>
-              </c:strCache>
-            </c:strRef>
-          </c:tx>
-          <c:spPr>
-            <a:solidFill>
-              <a:schemeClr val="accent1"/>
-            </a:solidFill>
-            <a:ln>
-              <a:noFill/>
-            </a:ln>
-            <a:effectLst/>
-          </c:spPr>
-          <c:invertIfNegative val="0"/>
-          <c:cat>
-            <c:strRef>
-              <c:f>Sheet1!$A$2:$A$5</c:f>
-              <c:strCache>
-                <c:ptCount val="4"/>
-                <c:pt idx="0">
-                  <c:v>Category 1</c:v>
-                </c:pt>
-                <c:pt idx="1">
-                  <c:v>Category 2</c:v>
-                </c:pt>
-                <c:pt idx="2">
-                  <c:v>Category 3</c:v>
-                </c:pt>
-                <c:pt idx="3">
-                  <c:v>Category 4</c:v>
-                </c:pt>
-              </c:strCache>
-            </c:strRef>
-          </c:cat>
-          <c:val>
-            <c:numRef>
-              <c:f>Sheet1!$B$2:$B$5</c:f>
-              <c:numCache>
-                <c:formatCode>General</c:formatCode>
-                <c:ptCount val="4"/>
-                <c:pt idx="0">
-                  <c:v>4.3</c:v>
-                </c:pt>
-                <c:pt idx="1">
-                  <c:v>2.5</c:v>
-                </c:pt>
-                <c:pt idx="2">
-                  <c:v>3.5</c:v>
-                </c:pt>
-                <c:pt idx="3">
-                  <c:v>4.5</c:v>
-                </c:pt>
-              </c:numCache>
-            </c:numRef>
-          </c:val>
-          <c:extLst>
-            <c:ext xmlns:c16="http://schemas.microsoft.com/office/drawing/2014/chart" uri="{C3380CC4-5D6E-409C-BE32-E72D297353CC}">
-              <c16:uniqueId val="{00000000-7ECE-42EF-9EA5-4148A3E70204}"/>
-            </c:ext>
-          </c:extLst>
-        </c:ser>
-        <c:ser>
-          <c:idx val="1"/>
-          <c:order val="1"/>
-          <c:tx>
-            <c:strRef>
-              <c:f>Sheet1!$C$1</c:f>
-              <c:strCache>
-                <c:ptCount val="1"/>
-                <c:pt idx="0">
-                  <c:v>Series 2</c:v>
-                </c:pt>
-              </c:strCache>
-            </c:strRef>
-          </c:tx>
-          <c:spPr>
-            <a:solidFill>
-              <a:schemeClr val="accent2"/>
-            </a:solidFill>
-            <a:ln>
-              <a:noFill/>
-            </a:ln>
-            <a:effectLst/>
-          </c:spPr>
-          <c:invertIfNegative val="0"/>
-          <c:cat>
-            <c:strRef>
-              <c:f>Sheet1!$A$2:$A$5</c:f>
-              <c:strCache>
-                <c:ptCount val="4"/>
-                <c:pt idx="0">
-                  <c:v>Category 1</c:v>
-                </c:pt>
-                <c:pt idx="1">
-                  <c:v>Category 2</c:v>
-                </c:pt>
-                <c:pt idx="2">
-                  <c:v>Category 3</c:v>
-                </c:pt>
-                <c:pt idx="3">
-                  <c:v>Category 4</c:v>
-                </c:pt>
-              </c:strCache>
-            </c:strRef>
-          </c:cat>
-          <c:val>
-            <c:numRef>
-              <c:f>Sheet1!$C$2:$C$5</c:f>
-              <c:numCache>
-                <c:formatCode>General</c:formatCode>
-                <c:ptCount val="4"/>
-                <c:pt idx="0">
-                  <c:v>2.4</c:v>
-                </c:pt>
-                <c:pt idx="1">
-                  <c:v>4.4000000000000004</c:v>
-                </c:pt>
-                <c:pt idx="2">
-                  <c:v>1.8</c:v>
-                </c:pt>
-                <c:pt idx="3">
-                  <c:v>2.8</c:v>
-                </c:pt>
-              </c:numCache>
-            </c:numRef>
-          </c:val>
-          <c:extLst>
-            <c:ext xmlns:c16="http://schemas.microsoft.com/office/drawing/2014/chart" uri="{C3380CC4-5D6E-409C-BE32-E72D297353CC}">
-              <c16:uniqueId val="{00000001-7ECE-42EF-9EA5-4148A3E70204}"/>
-            </c:ext>
-          </c:extLst>
-        </c:ser>
-        <c:ser>
-          <c:idx val="2"/>
-          <c:order val="2"/>
-          <c:tx>
-            <c:strRef>
-              <c:f>Sheet1!$D$1</c:f>
-              <c:strCache>
-                <c:ptCount val="1"/>
-                <c:pt idx="0">
-                  <c:v>Series 3</c:v>
-                </c:pt>
-              </c:strCache>
-            </c:strRef>
-          </c:tx>
-          <c:spPr>
-            <a:solidFill>
-              <a:schemeClr val="accent3"/>
-            </a:solidFill>
-            <a:ln>
-              <a:noFill/>
-            </a:ln>
-            <a:effectLst/>
-          </c:spPr>
-          <c:invertIfNegative val="0"/>
-          <c:cat>
-            <c:strRef>
-              <c:f>Sheet1!$A$2:$A$5</c:f>
-              <c:strCache>
-                <c:ptCount val="4"/>
-                <c:pt idx="0">
-                  <c:v>Category 1</c:v>
-                </c:pt>
-                <c:pt idx="1">
-                  <c:v>Category 2</c:v>
-                </c:pt>
-                <c:pt idx="2">
-                  <c:v>Category 3</c:v>
-                </c:pt>
-                <c:pt idx="3">
-                  <c:v>Category 4</c:v>
-                </c:pt>
-              </c:strCache>
-            </c:strRef>
-          </c:cat>
-          <c:val>
-            <c:numRef>
-              <c:f>Sheet1!$D$2:$D$5</c:f>
-              <c:numCache>
-                <c:formatCode>General</c:formatCode>
-                <c:ptCount val="4"/>
-                <c:pt idx="0">
-                  <c:v>2</c:v>
-                </c:pt>
-                <c:pt idx="1">
-                  <c:v>2</c:v>
-                </c:pt>
-                <c:pt idx="2">
-                  <c:v>3</c:v>
-                </c:pt>
-                <c:pt idx="3">
-                  <c:v>5</c:v>
-                </c:pt>
-              </c:numCache>
-            </c:numRef>
-          </c:val>
-          <c:extLst>
-            <c:ext xmlns:c16="http://schemas.microsoft.com/office/drawing/2014/chart" uri="{C3380CC4-5D6E-409C-BE32-E72D297353CC}">
-              <c16:uniqueId val="{00000002-7ECE-42EF-9EA5-4148A3E70204}"/>
-            </c:ext>
-          </c:extLst>
-        </c:ser>
-        <c:dLbls>
-          <c:showLegendKey val="0"/>
-          <c:showVal val="0"/>
-          <c:showCatName val="0"/>
-          <c:showSerName val="0"/>
-          <c:showPercent val="0"/>
-          <c:showBubbleSize val="0"/>
-        </c:dLbls>
-        <c:gapWidth val="219"/>
-        <c:overlap val="-27"/>
-        <c:axId val="1287539680"/>
-        <c:axId val="1287528448"/>
-      </c:barChart>
-      <c:catAx>
-        <c:axId val="1287539680"/>
-        <c:scaling>
-          <c:orientation val="minMax"/>
-        </c:scaling>
-        <c:delete val="0"/>
-        <c:axPos val="b"/>
-        <c:numFmt formatCode="General" sourceLinked="1"/>
-        <c:majorTickMark val="none"/>
-        <c:minorTickMark val="none"/>
-        <c:tickLblPos val="nextTo"/>
-        <c:spPr>
-          <a:noFill/>
-          <a:ln w="9525" cap="flat" cmpd="sng" algn="ctr">
-            <a:solidFill>
-              <a:schemeClr val="tx1">
-                <a:lumMod val="15000"/>
-                <a:lumOff val="85000"/>
-              </a:schemeClr>
-            </a:solidFill>
-            <a:round/>
-          </a:ln>
-          <a:effectLst/>
-        </c:spPr>
-        <c:txPr>
-          <a:bodyPr rot="-60000000" spcFirstLastPara="1" vertOverflow="ellipsis" vert="horz" wrap="square" anchor="ctr" anchorCtr="1"/>
-          <a:lstStyle/>
-          <a:p>
-            <a:pPr>
-              <a:defRPr sz="1197" b="0" i="0" u="none" strike="noStrike" kern="1200" baseline="0">
-                <a:solidFill>
-                  <a:schemeClr val="tx1">
-                    <a:lumMod val="65000"/>
-                    <a:lumOff val="35000"/>
-                  </a:schemeClr>
-                </a:solidFill>
-                <a:latin typeface="+mn-lt"/>
-                <a:ea typeface="+mn-ea"/>
-                <a:cs typeface="+mn-cs"/>
-              </a:defRPr>
-            </a:pPr>
-            <a:endParaRPr lang="en-US"/>
-          </a:p>
-        </c:txPr>
-        <c:crossAx val="1287528448"/>
-        <c:crosses val="autoZero"/>
-        <c:auto val="1"/>
-        <c:lblAlgn val="ctr"/>
-        <c:lblOffset val="100"/>
-        <c:noMultiLvlLbl val="0"/>
-      </c:catAx>
-      <c:valAx>
-        <c:axId val="1287528448"/>
-        <c:scaling>
-          <c:orientation val="minMax"/>
-        </c:scaling>
-        <c:delete val="0"/>
-        <c:axPos val="l"/>
-        <c:majorGridlines>
-          <c:spPr>
-            <a:ln w="9525" cap="flat" cmpd="sng" algn="ctr">
-              <a:solidFill>
-                <a:schemeClr val="tx1">
-                  <a:lumMod val="15000"/>
-                  <a:lumOff val="85000"/>
-                </a:schemeClr>
-              </a:solidFill>
-              <a:round/>
-            </a:ln>
-            <a:effectLst/>
-          </c:spPr>
-        </c:majorGridlines>
-        <c:numFmt formatCode="General" sourceLinked="1"/>
-        <c:majorTickMark val="none"/>
-        <c:minorTickMark val="none"/>
-        <c:tickLblPos val="nextTo"/>
-        <c:spPr>
-          <a:noFill/>
-          <a:ln>
-            <a:noFill/>
-          </a:ln>
-          <a:effectLst/>
-        </c:spPr>
-        <c:txPr>
-          <a:bodyPr rot="-60000000" spcFirstLastPara="1" vertOverflow="ellipsis" vert="horz" wrap="square" anchor="ctr" anchorCtr="1"/>
-          <a:lstStyle/>
-          <a:p>
-            <a:pPr>
-              <a:defRPr sz="1197" b="0" i="0" u="none" strike="noStrike" kern="1200" baseline="0">
-                <a:solidFill>
-                  <a:schemeClr val="tx1">
-                    <a:lumMod val="65000"/>
-                    <a:lumOff val="35000"/>
-                  </a:schemeClr>
-                </a:solidFill>
-                <a:latin typeface="+mn-lt"/>
-                <a:ea typeface="+mn-ea"/>
-                <a:cs typeface="+mn-cs"/>
-              </a:defRPr>
-            </a:pPr>
-            <a:endParaRPr lang="en-US"/>
-          </a:p>
-        </c:txPr>
-        <c:crossAx val="1287539680"/>
-        <c:crosses val="autoZero"/>
-        <c:crossBetween val="between"/>
-      </c:valAx>
-      <c:spPr>
-        <a:noFill/>
-        <a:ln>
-          <a:noFill/>
-        </a:ln>
-        <a:effectLst/>
-      </c:spPr>
-    </c:plotArea>
-    <c:legend>
-      <c:legendPos val="b"/>
-      <c:overlay val="0"/>
-      <c:spPr>
-        <a:noFill/>
-        <a:ln>
-          <a:noFill/>
-        </a:ln>
-        <a:effectLst/>
-      </c:spPr>
-      <c:txPr>
-        <a:bodyPr rot="0" spcFirstLastPara="1" vertOverflow="ellipsis" vert="horz" wrap="square" anchor="ctr" anchorCtr="1"/>
-        <a:lstStyle/>
-        <a:p>
-          <a:pPr>
-            <a:defRPr sz="1197" b="0" i="0" u="none" strike="noStrike" kern="1200" baseline="0">
-              <a:solidFill>
-                <a:schemeClr val="tx1">
-                  <a:lumMod val="65000"/>
-                  <a:lumOff val="35000"/>
-                </a:schemeClr>
-              </a:solidFill>
-              <a:latin typeface="+mn-lt"/>
-              <a:ea typeface="+mn-ea"/>
-              <a:cs typeface="+mn-cs"/>
-            </a:defRPr>
-          </a:pPr>
-          <a:endParaRPr lang="en-US"/>
-        </a:p>
-      </c:txPr>
-    </c:legend>
-    <c:plotVisOnly val="1"/>
-    <c:dispBlanksAs val="gap"/>
-    <c:extLst>
-      <c:ext xmlns:c16r3="http://schemas.microsoft.com/office/drawing/2017/03/chart" uri="{56B9EC1D-385E-4148-901F-78D8002777C0}">
-        <c16r3:dataDisplayOptions16>
-          <c16r3:dispNaAsBlank val="1"/>
-        </c16r3:dataDisplayOptions16>
-      </c:ext>
-    </c:extLst>
-    <c:showDLblsOverMax val="0"/>
-  </c:chart>
-  <c:spPr>
-    <a:noFill/>
-    <a:ln>
-      <a:noFill/>
-    </a:ln>
-    <a:effectLst/>
-  </c:spPr>
-  <c:txPr>
-    <a:bodyPr/>
-    <a:lstStyle/>
-    <a:p>
-      <a:pPr>
-        <a:defRPr/>
-      </a:pPr>
-      <a:endParaRPr lang="en-US"/>
-    </a:p>
-  </c:txPr>
-  <c:externalData r:id="rId3">
-    <c:autoUpdate val="0"/>
-  </c:externalData>
-</c:chartSpace>
-</file>
-
-<file path=ppt/charts/colors1.xml><?xml version="1.0" encoding="utf-8"?>
-<cs:colorStyle xmlns:cs="http://schemas.microsoft.com/office/drawing/2012/chartStyle" xmlns:a="http://schemas.openxmlformats.org/drawingml/2006/main" meth="cycle" id="10">
-  <a:schemeClr val="accent1"/>
-  <a:schemeClr val="accent2"/>
-  <a:schemeClr val="accent3"/>
-  <a:schemeClr val="accent4"/>
-  <a:schemeClr val="accent5"/>
-  <a:schemeClr val="accent6"/>
-  <cs:variation/>
-  <cs:variation>
-    <a:lumMod val="60000"/>
-  </cs:variation>
-  <cs:variation>
-    <a:lumMod val="80000"/>
-    <a:lumOff val="20000"/>
-  </cs:variation>
-  <cs:variation>
-    <a:lumMod val="80000"/>
-  </cs:variation>
-  <cs:variation>
-    <a:lumMod val="60000"/>
-    <a:lumOff val="40000"/>
-  </cs:variation>
-  <cs:variation>
-    <a:lumMod val="50000"/>
-  </cs:variation>
-  <cs:variation>
-    <a:lumMod val="70000"/>
-    <a:lumOff val="30000"/>
-  </cs:variation>
-  <cs:variation>
-    <a:lumMod val="70000"/>
-  </cs:variation>
-  <cs:variation>
-    <a:lumMod val="50000"/>
-    <a:lumOff val="50000"/>
-  </cs:variation>
-</cs:colorStyle>
-</file>
-
-<file path=ppt/charts/style1.xml><?xml version="1.0" encoding="utf-8"?>
-<cs:chartStyle xmlns:cs="http://schemas.microsoft.com/office/drawing/2012/chartStyle" xmlns:a="http://schemas.openxmlformats.org/drawingml/2006/main" id="201">
-  <cs:axisTitle>
-    <cs:lnRef idx="0"/>
-    <cs:fillRef idx="0"/>
-    <cs:effectRef idx="0"/>
-    <cs:fontRef idx="minor">
-      <a:schemeClr val="tx1">
-        <a:lumMod val="65000"/>
-        <a:lumOff val="35000"/>
-      </a:schemeClr>
-    </cs:fontRef>
-    <cs:defRPr sz="1330" kern="1200"/>
-  </cs:axisTitle>
-  <cs:categoryAxis>
-    <cs:lnRef idx="0"/>
-    <cs:fillRef idx="0"/>
-    <cs:effectRef idx="0"/>
-    <cs:fontRef idx="minor">
-      <a:schemeClr val="tx1">
-        <a:lumMod val="65000"/>
-        <a:lumOff val="35000"/>
-      </a:schemeClr>
-    </cs:fontRef>
-    <cs:spPr>
-      <a:ln w="9525" cap="flat" cmpd="sng" algn="ctr">
-        <a:solidFill>
-          <a:schemeClr val="tx1">
-            <a:lumMod val="15000"/>
-            <a:lumOff val="85000"/>
-          </a:schemeClr>
-        </a:solidFill>
-        <a:round/>
-      </a:ln>
-    </cs:spPr>
-    <cs:defRPr sz="1197" kern="1200"/>
-  </cs:categoryAxis>
-  <cs:chartArea mods="allowNoFillOverride allowNoLineOverride">
-    <cs:lnRef idx="0"/>
-    <cs:fillRef idx="0"/>
-    <cs:effectRef idx="0"/>
-    <cs:fontRef idx="minor">
-      <a:schemeClr val="tx1"/>
-    </cs:fontRef>
-    <cs:spPr>
-      <a:solidFill>
-        <a:schemeClr val="bg1"/>
-      </a:solidFill>
-      <a:ln w="9525" cap="flat" cmpd="sng" algn="ctr">
-        <a:solidFill>
-          <a:schemeClr val="tx1">
-            <a:lumMod val="15000"/>
-            <a:lumOff val="85000"/>
-          </a:schemeClr>
-        </a:solidFill>
-        <a:round/>
-      </a:ln>
-    </cs:spPr>
-    <cs:defRPr sz="1330" kern="1200"/>
-  </cs:chartArea>
-  <cs:dataLabel>
-    <cs:lnRef idx="0"/>
-    <cs:fillRef idx="0"/>
-    <cs:effectRef idx="0"/>
-    <cs:fontRef idx="minor">
-      <a:schemeClr val="tx1">
-        <a:lumMod val="75000"/>
-        <a:lumOff val="25000"/>
-      </a:schemeClr>
-    </cs:fontRef>
-    <cs:defRPr sz="1197" kern="1200"/>
-  </cs:dataLabel>
-  <cs:dataLabelCallout>
-    <cs:lnRef idx="0"/>
-    <cs:fillRef idx="0"/>
-    <cs:effectRef idx="0"/>
-    <cs:fontRef idx="minor">
-      <a:schemeClr val="dk1">
-        <a:lumMod val="65000"/>
-        <a:lumOff val="35000"/>
-      </a:schemeClr>
-    </cs:fontRef>
-    <cs:spPr>
-      <a:solidFill>
-        <a:schemeClr val="lt1"/>
-      </a:solidFill>
-      <a:ln>
-        <a:solidFill>
-          <a:schemeClr val="dk1">
-            <a:lumMod val="25000"/>
-            <a:lumOff val="75000"/>
-          </a:schemeClr>
-        </a:solidFill>
-      </a:ln>
-    </cs:spPr>
-    <cs:defRPr sz="1197" kern="1200"/>
-    <cs:bodyPr rot="0" spcFirstLastPara="1" vertOverflow="clip" horzOverflow="clip" vert="horz" wrap="square" lIns="36576" tIns="18288" rIns="36576" bIns="18288" anchor="ctr" anchorCtr="1">
-      <a:spAutoFit/>
-    </cs:bodyPr>
-  </cs:dataLabelCallout>
-  <cs:dataPoint>
-    <cs:lnRef idx="0"/>
-    <cs:fillRef idx="1">
-      <cs:styleClr val="auto"/>
-    </cs:fillRef>
-    <cs:effectRef idx="0"/>
-    <cs:fontRef idx="minor">
-      <a:schemeClr val="tx1"/>
-    </cs:fontRef>
-  </cs:dataPoint>
-  <cs:dataPoint3D>
-    <cs:lnRef idx="0"/>
-    <cs:fillRef idx="1">
-      <cs:styleClr val="auto"/>
-    </cs:fillRef>
-    <cs:effectRef idx="0"/>
-    <cs:fontRef idx="minor">
-      <a:schemeClr val="tx1"/>
-    </cs:fontRef>
-  </cs:dataPoint3D>
-  <cs:dataPointLine>
-    <cs:lnRef idx="0">
-      <cs:styleClr val="auto"/>
-    </cs:lnRef>
-    <cs:fillRef idx="1"/>
-    <cs:effectRef idx="0"/>
-    <cs:fontRef idx="minor">
-      <a:schemeClr val="tx1"/>
-    </cs:fontRef>
-    <cs:spPr>
-      <a:ln w="28575" cap="rnd">
-        <a:solidFill>
-          <a:schemeClr val="phClr"/>
-        </a:solidFill>
-        <a:round/>
-      </a:ln>
-    </cs:spPr>
-  </cs:dataPointLine>
-  <cs:dataPointMarker>
-    <cs:lnRef idx="0">
-      <cs:styleClr val="auto"/>
-    </cs:lnRef>
-    <cs:fillRef idx="1">
-      <cs:styleClr val="auto"/>
-    </cs:fillRef>
-    <cs:effectRef idx="0"/>
-    <cs:fontRef idx="minor">
-      <a:schemeClr val="tx1"/>
-    </cs:fontRef>
-    <cs:spPr>
-      <a:ln w="9525">
-        <a:solidFill>
-          <a:schemeClr val="phClr"/>
-        </a:solidFill>
-      </a:ln>
-    </cs:spPr>
-  </cs:dataPointMarker>
-  <cs:dataPointMarkerLayout symbol="circle" size="5"/>
-  <cs:dataPointWireframe>
-    <cs:lnRef idx="0">
-      <cs:styleClr val="auto"/>
-    </cs:lnRef>
-    <cs:fillRef idx="1"/>
-    <cs:effectRef idx="0"/>
-    <cs:fontRef idx="minor">
-      <a:schemeClr val="tx1"/>
-    </cs:fontRef>
-    <cs:spPr>
-      <a:ln w="9525" cap="rnd">
-        <a:solidFill>
-          <a:schemeClr val="phClr"/>
-        </a:solidFill>
-        <a:round/>
-      </a:ln>
-    </cs:spPr>
-  </cs:dataPointWireframe>
-  <cs:dataTable>
-    <cs:lnRef idx="0"/>
-    <cs:fillRef idx="0"/>
-    <cs:effectRef idx="0"/>
-    <cs:fontRef idx="minor">
-      <a:schemeClr val="tx1">
-        <a:lumMod val="65000"/>
-        <a:lumOff val="35000"/>
-      </a:schemeClr>
-    </cs:fontRef>
-    <cs:spPr>
-      <a:noFill/>
-      <a:ln w="9525" cap="flat" cmpd="sng" algn="ctr">
-        <a:solidFill>
-          <a:schemeClr val="tx1">
-            <a:lumMod val="15000"/>
-            <a:lumOff val="85000"/>
-          </a:schemeClr>
-        </a:solidFill>
-        <a:round/>
-      </a:ln>
-    </cs:spPr>
-    <cs:defRPr sz="1197" kern="1200"/>
-  </cs:dataTable>
-  <cs:downBar>
-    <cs:lnRef idx="0"/>
-    <cs:fillRef idx="0"/>
-    <cs:effectRef idx="0"/>
-    <cs:fontRef idx="minor">
-      <a:schemeClr val="dk1"/>
-    </cs:fontRef>
-    <cs:spPr>
-      <a:solidFill>
-        <a:schemeClr val="dk1">
-          <a:lumMod val="65000"/>
-          <a:lumOff val="35000"/>
-        </a:schemeClr>
-      </a:solidFill>
-      <a:ln w="9525">
-        <a:solidFill>
-          <a:schemeClr val="tx1">
-            <a:lumMod val="65000"/>
-            <a:lumOff val="35000"/>
-          </a:schemeClr>
-        </a:solidFill>
-      </a:ln>
-    </cs:spPr>
-  </cs:downBar>
-  <cs:dropLine>
-    <cs:lnRef idx="0"/>
-    <cs:fillRef idx="0"/>
-    <cs:effectRef idx="0"/>
-    <cs:fontRef idx="minor">
-      <a:schemeClr val="tx1"/>
-    </cs:fontRef>
-    <cs:spPr>
-      <a:ln w="9525" cap="flat" cmpd="sng" algn="ctr">
-        <a:solidFill>
-          <a:schemeClr val="tx1">
-            <a:lumMod val="35000"/>
-            <a:lumOff val="65000"/>
-          </a:schemeClr>
-        </a:solidFill>
-        <a:round/>
-      </a:ln>
-    </cs:spPr>
-  </cs:dropLine>
-  <cs:errorBar>
-    <cs:lnRef idx="0"/>
-    <cs:fillRef idx="0"/>
-    <cs:effectRef idx="0"/>
-    <cs:fontRef idx="minor">
-      <a:schemeClr val="tx1"/>
-    </cs:fontRef>
-    <cs:spPr>
-      <a:ln w="9525" cap="flat" cmpd="sng" algn="ctr">
-        <a:solidFill>
-          <a:schemeClr val="tx1">
-            <a:lumMod val="65000"/>
-            <a:lumOff val="35000"/>
-          </a:schemeClr>
-        </a:solidFill>
-        <a:round/>
-      </a:ln>
-    </cs:spPr>
-  </cs:errorBar>
-  <cs:floor>
-    <cs:lnRef idx="0"/>
-    <cs:fillRef idx="0"/>
-    <cs:effectRef idx="0"/>
-    <cs:fontRef idx="minor">
-      <a:schemeClr val="tx1"/>
-    </cs:fontRef>
-    <cs:spPr>
-      <a:noFill/>
-      <a:ln>
-        <a:noFill/>
-      </a:ln>
-    </cs:spPr>
-  </cs:floor>
-  <cs:gridlineMajor>
-    <cs:lnRef idx="0"/>
-    <cs:fillRef idx="0"/>
-    <cs:effectRef idx="0"/>
-    <cs:fontRef idx="minor">
-      <a:schemeClr val="tx1"/>
-    </cs:fontRef>
-    <cs:spPr>
-      <a:ln w="9525" cap="flat" cmpd="sng" algn="ctr">
-        <a:solidFill>
-          <a:schemeClr val="tx1">
-            <a:lumMod val="15000"/>
-            <a:lumOff val="85000"/>
-          </a:schemeClr>
-        </a:solidFill>
-        <a:round/>
-      </a:ln>
-    </cs:spPr>
-  </cs:gridlineMajor>
-  <cs:gridlineMinor>
-    <cs:lnRef idx="0"/>
-    <cs:fillRef idx="0"/>
-    <cs:effectRef idx="0"/>
-    <cs:fontRef idx="minor">
-      <a:schemeClr val="tx1"/>
-    </cs:fontRef>
-    <cs:spPr>
-      <a:ln w="9525" cap="flat" cmpd="sng" algn="ctr">
-        <a:solidFill>
-          <a:schemeClr val="tx1">
-            <a:lumMod val="5000"/>
-            <a:lumOff val="95000"/>
-          </a:schemeClr>
-        </a:solidFill>
-        <a:round/>
-      </a:ln>
-    </cs:spPr>
-  </cs:gridlineMinor>
-  <cs:hiLoLine>
-    <cs:lnRef idx="0"/>
-    <cs:fillRef idx="0"/>
-    <cs:effectRef idx="0"/>
-    <cs:fontRef idx="minor">
-      <a:schemeClr val="tx1"/>
-    </cs:fontRef>
-    <cs:spPr>
-      <a:ln w="9525" cap="flat" cmpd="sng" algn="ctr">
-        <a:solidFill>
-          <a:schemeClr val="tx1">
-            <a:lumMod val="75000"/>
-            <a:lumOff val="25000"/>
-          </a:schemeClr>
-        </a:solidFill>
-        <a:round/>
-      </a:ln>
-    </cs:spPr>
-  </cs:hiLoLine>
-  <cs:leaderLine>
-    <cs:lnRef idx="0"/>
-    <cs:fillRef idx="0"/>
-    <cs:effectRef idx="0"/>
-    <cs:fontRef idx="minor">
-      <a:schemeClr val="tx1"/>
-    </cs:fontRef>
-    <cs:spPr>
-      <a:ln w="9525" cap="flat" cmpd="sng" algn="ctr">
-        <a:solidFill>
-          <a:schemeClr val="tx1">
-            <a:lumMod val="35000"/>
-            <a:lumOff val="65000"/>
-          </a:schemeClr>
-        </a:solidFill>
-        <a:round/>
-      </a:ln>
-    </cs:spPr>
-  </cs:leaderLine>
-  <cs:legend>
-    <cs:lnRef idx="0"/>
-    <cs:fillRef idx="0"/>
-    <cs:effectRef idx="0"/>
-    <cs:fontRef idx="minor">
-      <a:schemeClr val="tx1">
-        <a:lumMod val="65000"/>
-        <a:lumOff val="35000"/>
-      </a:schemeClr>
-    </cs:fontRef>
-    <cs:defRPr sz="1197" kern="1200"/>
-  </cs:legend>
-  <cs:plotArea mods="allowNoFillOverride allowNoLineOverride">
-    <cs:lnRef idx="0"/>
-    <cs:fillRef idx="0"/>
-    <cs:effectRef idx="0"/>
-    <cs:fontRef idx="minor">
-      <a:schemeClr val="tx1"/>
-    </cs:fontRef>
-  </cs:plotArea>
-  <cs:plotArea3D mods="allowNoFillOverride allowNoLineOverride">
-    <cs:lnRef idx="0"/>
-    <cs:fillRef idx="0"/>
-    <cs:effectRef idx="0"/>
-    <cs:fontRef idx="minor">
-      <a:schemeClr val="tx1"/>
-    </cs:fontRef>
-  </cs:plotArea3D>
-  <cs:seriesAxis>
-    <cs:lnRef idx="0"/>
-    <cs:fillRef idx="0"/>
-    <cs:effectRef idx="0"/>
-    <cs:fontRef idx="minor">
-      <a:schemeClr val="tx1">
-        <a:lumMod val="65000"/>
-        <a:lumOff val="35000"/>
-      </a:schemeClr>
-    </cs:fontRef>
-    <cs:defRPr sz="1197" kern="1200"/>
-  </cs:seriesAxis>
-  <cs:seriesLine>
-    <cs:lnRef idx="0"/>
-    <cs:fillRef idx="0"/>
-    <cs:effectRef idx="0"/>
-    <cs:fontRef idx="minor">
-      <a:schemeClr val="tx1"/>
-    </cs:fontRef>
-    <cs:spPr>
-      <a:ln w="9525" cap="flat" cmpd="sng" algn="ctr">
-        <a:solidFill>
-          <a:schemeClr val="tx1">
-            <a:lumMod val="35000"/>
-            <a:lumOff val="65000"/>
-          </a:schemeClr>
-        </a:solidFill>
-        <a:round/>
-      </a:ln>
-    </cs:spPr>
-  </cs:seriesLine>
-  <cs:title>
-    <cs:lnRef idx="0"/>
-    <cs:fillRef idx="0"/>
-    <cs:effectRef idx="0"/>
-    <cs:fontRef idx="minor">
-      <a:schemeClr val="tx1">
-        <a:lumMod val="65000"/>
-        <a:lumOff val="35000"/>
-      </a:schemeClr>
-    </cs:fontRef>
-    <cs:defRPr sz="1862" b="0" kern="1200" spc="0" baseline="0"/>
-  </cs:title>
-  <cs:trendline>
-    <cs:lnRef idx="0">
-      <cs:styleClr val="auto"/>
-    </cs:lnRef>
-    <cs:fillRef idx="0"/>
-    <cs:effectRef idx="0"/>
-    <cs:fontRef idx="minor">
-      <a:schemeClr val="tx1"/>
-    </cs:fontRef>
-    <cs:spPr>
-      <a:ln w="19050" cap="rnd">
-        <a:solidFill>
-          <a:schemeClr val="phClr"/>
-        </a:solidFill>
-        <a:prstDash val="sysDot"/>
-      </a:ln>
-    </cs:spPr>
-  </cs:trendline>
-  <cs:trendlineLabel>
-    <cs:lnRef idx="0"/>
-    <cs:fillRef idx="0"/>
-    <cs:effectRef idx="0"/>
-    <cs:fontRef idx="minor">
-      <a:schemeClr val="tx1">
-        <a:lumMod val="65000"/>
-        <a:lumOff val="35000"/>
-      </a:schemeClr>
-    </cs:fontRef>
-    <cs:defRPr sz="1197" kern="1200"/>
-  </cs:trendlineLabel>
-  <cs:upBar>
-    <cs:lnRef idx="0"/>
-    <cs:fillRef idx="0"/>
-    <cs:effectRef idx="0"/>
-    <cs:fontRef idx="minor">
-      <a:schemeClr val="dk1"/>
-    </cs:fontRef>
-    <cs:spPr>
-      <a:solidFill>
-        <a:schemeClr val="lt1"/>
-      </a:solidFill>
-      <a:ln w="9525">
-        <a:solidFill>
-          <a:schemeClr val="tx1">
-            <a:lumMod val="15000"/>
-            <a:lumOff val="85000"/>
-          </a:schemeClr>
-        </a:solidFill>
-      </a:ln>
-    </cs:spPr>
-  </cs:upBar>
-  <cs:valueAxis>
-    <cs:lnRef idx="0"/>
-    <cs:fillRef idx="0"/>
-    <cs:effectRef idx="0"/>
-    <cs:fontRef idx="minor">
-      <a:schemeClr val="tx1">
-        <a:lumMod val="65000"/>
-        <a:lumOff val="35000"/>
-      </a:schemeClr>
-    </cs:fontRef>
-    <cs:defRPr sz="1197" kern="1200"/>
-  </cs:valueAxis>
-  <cs:wall>
-    <cs:lnRef idx="0"/>
-    <cs:fillRef idx="0"/>
-    <cs:effectRef idx="0"/>
-    <cs:fontRef idx="minor">
-      <a:schemeClr val="tx1"/>
-    </cs:fontRef>
-    <cs:spPr>
-      <a:noFill/>
-      <a:ln>
-        <a:noFill/>
-      </a:ln>
-    </cs:spPr>
-  </cs:wall>
-</cs:chartStyle>
 </file>
 
 <file path=ppt/handoutMasters/handoutMaster1.xml><?xml version="1.0" encoding="utf-8"?>
@@ -2647,7 +1646,7 @@
             <a:pPr rtl="0"/>
             <a:fld id="{1983A999-5E0E-42CA-8400-604AE921FF7C}" type="slidenum">
               <a:rPr lang="en-GB" smtClean="0"/>
-              <a:t>14</a:t>
+              <a:t>13</a:t>
             </a:fld>
             <a:endParaRPr lang="en-GB"/>
           </a:p>
@@ -14911,6 +13910,36 @@
           </a:p>
         </p:txBody>
       </p:sp>
+      <p:pic>
+        <p:nvPicPr>
+          <p:cNvPr id="7" name="Picture 6" descr="A green and black logo&#10;&#10;Description automatically generated">
+            <a:extLst>
+              <a:ext uri="{FF2B5EF4-FFF2-40B4-BE49-F238E27FC236}">
+                <a16:creationId xmlns:a16="http://schemas.microsoft.com/office/drawing/2014/main" id="{50A1427B-7A47-A094-0BEF-201966825CE0}"/>
+              </a:ext>
+            </a:extLst>
+          </p:cNvPr>
+          <p:cNvPicPr>
+            <a:picLocks noChangeAspect="1"/>
+          </p:cNvPicPr>
+          <p:nvPr/>
+        </p:nvPicPr>
+        <p:blipFill>
+          <a:blip r:embed="rId4"/>
+          <a:stretch>
+            <a:fillRect/>
+          </a:stretch>
+        </p:blipFill>
+        <p:spPr>
+          <a:xfrm>
+            <a:off x="10273998" y="495162"/>
+            <a:ext cx="1597466" cy="1748838"/>
+          </a:xfrm>
+          <a:prstGeom prst="rect">
+            <a:avLst/>
+          </a:prstGeom>
+        </p:spPr>
+      </p:pic>
     </p:spTree>
     <p:extLst>
       <p:ext uri="{BB962C8B-B14F-4D97-AF65-F5344CB8AC3E}">
@@ -15393,7 +14422,13 @@
   <p:cSld>
     <p:spTree>
       <p:nvGrpSpPr>
-        <p:cNvPr id="1" name=""/>
+        <p:cNvPr id="1" name="">
+          <a:extLst>
+            <a:ext uri="{FF2B5EF4-FFF2-40B4-BE49-F238E27FC236}">
+              <a16:creationId xmlns:a16="http://schemas.microsoft.com/office/drawing/2014/main" id="{43CF913D-FEA7-B1E3-CFCB-A116D39E85B4}"/>
+            </a:ext>
+          </a:extLst>
+        </p:cNvPr>
         <p:cNvGrpSpPr/>
         <p:nvPr/>
       </p:nvGrpSpPr>
@@ -15405,77 +14440,58 @@
           <a:chExt cx="0" cy="0"/>
         </a:xfrm>
       </p:grpSpPr>
-      <p:sp>
-        <p:nvSpPr>
-          <p:cNvPr id="7" name="Title 6">
-            <a:extLst>
-              <a:ext uri="{FF2B5EF4-FFF2-40B4-BE49-F238E27FC236}">
-                <a16:creationId xmlns:a16="http://schemas.microsoft.com/office/drawing/2014/main" id="{3E174092-82D3-44E0-8948-4096232ED0A7}"/>
-              </a:ext>
-            </a:extLst>
-          </p:cNvPr>
-          <p:cNvSpPr>
-            <a:spLocks noGrp="1"/>
-          </p:cNvSpPr>
-          <p:nvPr>
-            <p:ph type="title"/>
-          </p:nvPr>
-        </p:nvSpPr>
+      <p:pic>
+        <p:nvPicPr>
+          <p:cNvPr id="10" name="Picture Placeholder 7" descr="Data Points Digital background">
+            <a:extLst>
+              <a:ext uri="{FF2B5EF4-FFF2-40B4-BE49-F238E27FC236}">
+                <a16:creationId xmlns:a16="http://schemas.microsoft.com/office/drawing/2014/main" id="{2E4AC9F1-00A9-5B00-8582-C68AF9F0B892}"/>
+              </a:ext>
+            </a:extLst>
+          </p:cNvPr>
+          <p:cNvPicPr>
+            <a:picLocks noChangeAspect="1"/>
+          </p:cNvPicPr>
+          <p:nvPr/>
+        </p:nvPicPr>
+        <p:blipFill>
+          <a:blip r:embed="rId2">
+            <a:extLst>
+              <a:ext uri="{BEBA8EAE-BF5A-486C-A8C5-ECC9F3942E4B}">
+                <a14:imgProps xmlns:a14="http://schemas.microsoft.com/office/drawing/2010/main">
+                  <a14:imgLayer r:embed="rId3">
+                    <a14:imgEffect>
+                      <a14:brightnessContrast contrast="20000"/>
+                    </a14:imgEffect>
+                  </a14:imgLayer>
+                </a14:imgProps>
+              </a:ext>
+              <a:ext uri="{28A0092B-C50C-407E-A947-70E740481C1C}">
+                <a14:useLocalDpi xmlns:a14="http://schemas.microsoft.com/office/drawing/2010/main" val="0"/>
+              </a:ext>
+            </a:extLst>
+          </a:blip>
+          <a:srcRect/>
+          <a:stretch>
+            <a:fillRect/>
+          </a:stretch>
+        </p:blipFill>
         <p:spPr>
           <a:xfrm>
-            <a:off x="550862" y="549275"/>
-            <a:ext cx="11091600" cy="1332000"/>
+            <a:off x="0" y="-1992"/>
+            <a:ext cx="12192000" cy="6858000"/>
           </a:xfrm>
+          <a:prstGeom prst="rect">
+            <a:avLst/>
+          </a:prstGeom>
         </p:spPr>
-        <p:txBody>
-          <a:bodyPr rtlCol="0"/>
-          <a:lstStyle/>
-          <a:p>
-            <a:pPr rtl="0"/>
-            <a:r>
-              <a:rPr lang="en-GB"/>
-              <a:t>Chart</a:t>
-            </a:r>
-          </a:p>
-        </p:txBody>
-      </p:sp>
-      <p:graphicFrame>
-        <p:nvGraphicFramePr>
-          <p:cNvPr id="11" name="Content Placeholder 10" descr="Bar Chart Placeholder ">
-            <a:extLst>
-              <a:ext uri="{FF2B5EF4-FFF2-40B4-BE49-F238E27FC236}">
-                <a16:creationId xmlns:a16="http://schemas.microsoft.com/office/drawing/2014/main" id="{E4A6D503-95F0-4FD3-86D4-D1170C6E2B64}"/>
-              </a:ext>
-            </a:extLst>
-          </p:cNvPr>
-          <p:cNvGraphicFramePr>
-            <a:graphicFrameLocks noGrp="1"/>
-          </p:cNvGraphicFramePr>
-          <p:nvPr>
-            <p:ph idx="1"/>
-            <p:extLst>
-              <p:ext uri="{D42A27DB-BD31-4B8C-83A1-F6EECF244321}">
-                <p14:modId xmlns:p14="http://schemas.microsoft.com/office/powerpoint/2010/main" val="738191250"/>
-              </p:ext>
-            </p:extLst>
-          </p:nvPr>
-        </p:nvGraphicFramePr>
-        <p:xfrm>
-          <a:off x="550863" y="2112963"/>
-          <a:ext cx="11090275" cy="3979862"/>
-        </p:xfrm>
-        <a:graphic>
-          <a:graphicData uri="http://schemas.openxmlformats.org/drawingml/2006/chart">
-            <c:chart xmlns:c="http://schemas.openxmlformats.org/drawingml/2006/chart" xmlns:r="http://schemas.openxmlformats.org/officeDocument/2006/relationships" r:id="rId2"/>
-          </a:graphicData>
-        </a:graphic>
-      </p:graphicFrame>
-      <p:sp>
-        <p:nvSpPr>
-          <p:cNvPr id="4" name="Date Placeholder 3">
-            <a:extLst>
-              <a:ext uri="{FF2B5EF4-FFF2-40B4-BE49-F238E27FC236}">
-                <a16:creationId xmlns:a16="http://schemas.microsoft.com/office/drawing/2014/main" id="{E39EF484-38C8-4EDC-ACF5-695CFB216839}"/>
+      </p:pic>
+      <p:sp>
+        <p:nvSpPr>
+          <p:cNvPr id="7" name="Date Placeholder 6">
+            <a:extLst>
+              <a:ext uri="{FF2B5EF4-FFF2-40B4-BE49-F238E27FC236}">
+                <a16:creationId xmlns:a16="http://schemas.microsoft.com/office/drawing/2014/main" id="{51FD43DE-3D9A-2DF5-5678-CBBFBD826B60}"/>
               </a:ext>
             </a:extLst>
           </p:cNvPr>
@@ -15486,14 +14502,9 @@
             <p:ph type="dt" sz="half" idx="10"/>
           </p:nvPr>
         </p:nvSpPr>
-        <p:spPr>
-          <a:xfrm>
-            <a:off x="550863" y="6507212"/>
-            <a:ext cx="2628900" cy="153888"/>
-          </a:xfrm>
-        </p:spPr>
-        <p:txBody>
-          <a:bodyPr rtlCol="0"/>
+        <p:spPr/>
+        <p:txBody>
+          <a:bodyPr/>
           <a:lstStyle/>
           <a:p>
             <a:pPr rtl="0"/>
@@ -15514,10 +14525,10 @@
       </p:sp>
       <p:sp>
         <p:nvSpPr>
-          <p:cNvPr id="5" name="Footer Placeholder 4">
-            <a:extLst>
-              <a:ext uri="{FF2B5EF4-FFF2-40B4-BE49-F238E27FC236}">
-                <a16:creationId xmlns:a16="http://schemas.microsoft.com/office/drawing/2014/main" id="{AFD183D7-B16E-4A9D-BC4B-D1EC347BF97E}"/>
+          <p:cNvPr id="8" name="Footer Placeholder 7">
+            <a:extLst>
+              <a:ext uri="{FF2B5EF4-FFF2-40B4-BE49-F238E27FC236}">
+                <a16:creationId xmlns:a16="http://schemas.microsoft.com/office/drawing/2014/main" id="{DC9E154F-B480-DA06-58DD-D82BDCE5BECE}"/>
               </a:ext>
             </a:extLst>
           </p:cNvPr>
@@ -15528,14 +14539,9 @@
             <p:ph type="ftr" sz="quarter" idx="11"/>
           </p:nvPr>
         </p:nvSpPr>
-        <p:spPr>
-          <a:xfrm>
-            <a:off x="3359150" y="6507212"/>
-            <a:ext cx="6379210" cy="153888"/>
-          </a:xfrm>
-        </p:spPr>
-        <p:txBody>
-          <a:bodyPr rtlCol="0"/>
+        <p:spPr/>
+        <p:txBody>
+          <a:bodyPr/>
           <a:lstStyle/>
           <a:p>
             <a:pPr rtl="0"/>
@@ -15548,10 +14554,10 @@
       </p:sp>
       <p:sp>
         <p:nvSpPr>
-          <p:cNvPr id="6" name="Slide Number Placeholder 5">
-            <a:extLst>
-              <a:ext uri="{FF2B5EF4-FFF2-40B4-BE49-F238E27FC236}">
-                <a16:creationId xmlns:a16="http://schemas.microsoft.com/office/drawing/2014/main" id="{705C33DF-36C9-49E9-B48D-A320B179C4D4}"/>
+          <p:cNvPr id="9" name="Slide Number Placeholder 8">
+            <a:extLst>
+              <a:ext uri="{FF2B5EF4-FFF2-40B4-BE49-F238E27FC236}">
+                <a16:creationId xmlns:a16="http://schemas.microsoft.com/office/drawing/2014/main" id="{1E8C36B2-F86F-CFAD-409D-BC7DAF551252}"/>
               </a:ext>
             </a:extLst>
           </p:cNvPr>
@@ -15562,30 +14568,316 @@
             <p:ph type="sldNum" sz="quarter" idx="12"/>
           </p:nvPr>
         </p:nvSpPr>
-        <p:spPr>
-          <a:xfrm>
-            <a:off x="9948863" y="6507212"/>
-            <a:ext cx="1692274" cy="153888"/>
-          </a:xfrm>
-        </p:spPr>
-        <p:txBody>
-          <a:bodyPr rtlCol="0"/>
+        <p:spPr/>
+        <p:txBody>
+          <a:bodyPr/>
           <a:lstStyle/>
           <a:p>
             <a:pPr rtl="0"/>
             <a:fld id="{DBA1B0FB-D917-4C8C-928F-313BD683BF39}" type="slidenum">
               <a:rPr lang="en-GB" smtClean="0"/>
-              <a:pPr rtl="0"/>
               <a:t>11</a:t>
             </a:fld>
             <a:endParaRPr lang="en-GB"/>
           </a:p>
         </p:txBody>
       </p:sp>
+      <p:sp>
+        <p:nvSpPr>
+          <p:cNvPr id="11" name="Title 14">
+            <a:extLst>
+              <a:ext uri="{FF2B5EF4-FFF2-40B4-BE49-F238E27FC236}">
+                <a16:creationId xmlns:a16="http://schemas.microsoft.com/office/drawing/2014/main" id="{22590CA4-7AC3-5D02-83D0-F426D86914CC}"/>
+              </a:ext>
+            </a:extLst>
+          </p:cNvPr>
+          <p:cNvSpPr txBox="1">
+            <a:spLocks/>
+          </p:cNvSpPr>
+          <p:nvPr/>
+        </p:nvSpPr>
+        <p:spPr>
+          <a:xfrm>
+            <a:off x="550863" y="549275"/>
+            <a:ext cx="5437187" cy="2986234"/>
+          </a:xfrm>
+          <a:prstGeom prst="rect">
+            <a:avLst/>
+          </a:prstGeom>
+        </p:spPr>
+        <p:txBody>
+          <a:bodyPr vert="horz" wrap="square" lIns="0" tIns="0" rIns="0" bIns="0" rtlCol="0" anchor="b" anchorCtr="0">
+            <a:normAutofit/>
+          </a:bodyPr>
+          <a:lstStyle>
+            <a:lvl1pPr algn="l" defTabSz="914400" rtl="0" eaLnBrk="1" latinLnBrk="0" hangingPunct="1">
+              <a:lnSpc>
+                <a:spcPct val="90000"/>
+              </a:lnSpc>
+              <a:spcBef>
+                <a:spcPct val="0"/>
+              </a:spcBef>
+              <a:buNone/>
+              <a:defRPr lang="en-GB" sz="4800" kern="1200" dirty="0">
+                <a:solidFill>
+                  <a:schemeClr val="tx1"/>
+                </a:solidFill>
+                <a:latin typeface="+mj-lt"/>
+                <a:ea typeface="+mj-ea"/>
+                <a:cs typeface="+mj-cs"/>
+              </a:defRPr>
+            </a:lvl1pPr>
+          </a:lstStyle>
+          <a:p>
+            <a:pPr>
+              <a:lnSpc>
+                <a:spcPct val="100000"/>
+              </a:lnSpc>
+            </a:pPr>
+            <a:r>
+              <a:rPr lang="en-GB" sz="6400" dirty="0"/>
+              <a:t>Reflection</a:t>
+            </a:r>
+          </a:p>
+        </p:txBody>
+      </p:sp>
+      <p:sp>
+        <p:nvSpPr>
+          <p:cNvPr id="12" name="Subtitle 15">
+            <a:extLst>
+              <a:ext uri="{FF2B5EF4-FFF2-40B4-BE49-F238E27FC236}">
+                <a16:creationId xmlns:a16="http://schemas.microsoft.com/office/drawing/2014/main" id="{250BEBDF-08AD-243F-C667-8B0114EABC0B}"/>
+              </a:ext>
+            </a:extLst>
+          </p:cNvPr>
+          <p:cNvSpPr txBox="1">
+            <a:spLocks/>
+          </p:cNvSpPr>
+          <p:nvPr/>
+        </p:nvSpPr>
+        <p:spPr>
+          <a:xfrm>
+            <a:off x="550863" y="3718280"/>
+            <a:ext cx="5437187" cy="2265216"/>
+          </a:xfrm>
+          <a:prstGeom prst="rect">
+            <a:avLst/>
+          </a:prstGeom>
+        </p:spPr>
+        <p:txBody>
+          <a:bodyPr vert="horz" wrap="square" lIns="0" tIns="0" rIns="0" bIns="0" rtlCol="0" anchor="t">
+            <a:normAutofit/>
+          </a:bodyPr>
+          <a:lstStyle>
+            <a:lvl1pPr marL="0" indent="0" algn="l" defTabSz="914400" rtl="0" eaLnBrk="1" latinLnBrk="0" hangingPunct="1">
+              <a:lnSpc>
+                <a:spcPct val="110000"/>
+              </a:lnSpc>
+              <a:spcBef>
+                <a:spcPts val="1000"/>
+              </a:spcBef>
+              <a:spcAft>
+                <a:spcPts val="800"/>
+              </a:spcAft>
+              <a:buFont typeface="Arial" panose="020B0604020202020204" pitchFamily="34" charset="0"/>
+              <a:buNone/>
+              <a:defRPr sz="1400" b="0" kern="1200" cap="all" spc="200" baseline="0">
+                <a:solidFill>
+                  <a:schemeClr val="tx1"/>
+                </a:solidFill>
+                <a:latin typeface="+mn-lt"/>
+                <a:ea typeface="+mn-ea"/>
+                <a:cs typeface="+mn-cs"/>
+              </a:defRPr>
+            </a:lvl1pPr>
+            <a:lvl2pPr marL="457200" indent="0" algn="l" defTabSz="914400" rtl="0" eaLnBrk="1" latinLnBrk="0" hangingPunct="1">
+              <a:lnSpc>
+                <a:spcPct val="110000"/>
+              </a:lnSpc>
+              <a:spcBef>
+                <a:spcPts val="500"/>
+              </a:spcBef>
+              <a:spcAft>
+                <a:spcPts val="800"/>
+              </a:spcAft>
+              <a:buFont typeface="Arial" panose="020B0604020202020204" pitchFamily="34" charset="0"/>
+              <a:buNone/>
+              <a:defRPr sz="2000" b="1" kern="1200">
+                <a:solidFill>
+                  <a:schemeClr val="tx1">
+                    <a:alpha val="60000"/>
+                  </a:schemeClr>
+                </a:solidFill>
+                <a:latin typeface="+mn-lt"/>
+                <a:ea typeface="+mn-ea"/>
+                <a:cs typeface="+mn-cs"/>
+              </a:defRPr>
+            </a:lvl2pPr>
+            <a:lvl3pPr marL="914400" indent="0" algn="l" defTabSz="914400" rtl="0" eaLnBrk="1" latinLnBrk="0" hangingPunct="1">
+              <a:lnSpc>
+                <a:spcPct val="110000"/>
+              </a:lnSpc>
+              <a:spcBef>
+                <a:spcPts val="500"/>
+              </a:spcBef>
+              <a:spcAft>
+                <a:spcPts val="800"/>
+              </a:spcAft>
+              <a:buFont typeface="Arial" panose="020B0604020202020204" pitchFamily="34" charset="0"/>
+              <a:buNone/>
+              <a:defRPr sz="1800" b="1" kern="1200">
+                <a:solidFill>
+                  <a:schemeClr val="tx1">
+                    <a:alpha val="60000"/>
+                  </a:schemeClr>
+                </a:solidFill>
+                <a:latin typeface="+mn-lt"/>
+                <a:ea typeface="+mn-ea"/>
+                <a:cs typeface="+mn-cs"/>
+              </a:defRPr>
+            </a:lvl3pPr>
+            <a:lvl4pPr marL="1371600" indent="0" algn="l" defTabSz="914400" rtl="0" eaLnBrk="1" latinLnBrk="0" hangingPunct="1">
+              <a:lnSpc>
+                <a:spcPct val="110000"/>
+              </a:lnSpc>
+              <a:spcBef>
+                <a:spcPts val="500"/>
+              </a:spcBef>
+              <a:spcAft>
+                <a:spcPts val="800"/>
+              </a:spcAft>
+              <a:buFont typeface="Arial" panose="020B0604020202020204" pitchFamily="34" charset="0"/>
+              <a:buNone/>
+              <a:defRPr sz="1600" b="1" kern="1200">
+                <a:solidFill>
+                  <a:schemeClr val="tx1">
+                    <a:alpha val="60000"/>
+                  </a:schemeClr>
+                </a:solidFill>
+                <a:latin typeface="+mn-lt"/>
+                <a:ea typeface="+mn-ea"/>
+                <a:cs typeface="+mn-cs"/>
+              </a:defRPr>
+            </a:lvl4pPr>
+            <a:lvl5pPr marL="1828800" indent="0" algn="l" defTabSz="914400" rtl="0" eaLnBrk="1" latinLnBrk="0" hangingPunct="1">
+              <a:lnSpc>
+                <a:spcPct val="110000"/>
+              </a:lnSpc>
+              <a:spcBef>
+                <a:spcPts val="500"/>
+              </a:spcBef>
+              <a:spcAft>
+                <a:spcPts val="800"/>
+              </a:spcAft>
+              <a:buFont typeface="Arial" panose="020B0604020202020204" pitchFamily="34" charset="0"/>
+              <a:buNone/>
+              <a:defRPr sz="1600" b="1" kern="1200">
+                <a:solidFill>
+                  <a:schemeClr val="tx1">
+                    <a:alpha val="60000"/>
+                  </a:schemeClr>
+                </a:solidFill>
+                <a:latin typeface="+mn-lt"/>
+                <a:ea typeface="+mn-ea"/>
+                <a:cs typeface="+mn-cs"/>
+              </a:defRPr>
+            </a:lvl5pPr>
+            <a:lvl6pPr marL="2286000" indent="0" algn="l" defTabSz="914400" rtl="0" eaLnBrk="1" latinLnBrk="0" hangingPunct="1">
+              <a:lnSpc>
+                <a:spcPct val="90000"/>
+              </a:lnSpc>
+              <a:spcBef>
+                <a:spcPts val="500"/>
+              </a:spcBef>
+              <a:buFont typeface="Arial" panose="020B0604020202020204" pitchFamily="34" charset="0"/>
+              <a:buNone/>
+              <a:defRPr sz="1600" b="1" kern="1200">
+                <a:solidFill>
+                  <a:schemeClr val="tx1"/>
+                </a:solidFill>
+                <a:latin typeface="+mn-lt"/>
+                <a:ea typeface="+mn-ea"/>
+                <a:cs typeface="+mn-cs"/>
+              </a:defRPr>
+            </a:lvl6pPr>
+            <a:lvl7pPr marL="2743200" indent="0" algn="l" defTabSz="914400" rtl="0" eaLnBrk="1" latinLnBrk="0" hangingPunct="1">
+              <a:lnSpc>
+                <a:spcPct val="90000"/>
+              </a:lnSpc>
+              <a:spcBef>
+                <a:spcPts val="500"/>
+              </a:spcBef>
+              <a:buFont typeface="Arial" panose="020B0604020202020204" pitchFamily="34" charset="0"/>
+              <a:buNone/>
+              <a:defRPr sz="1600" b="1" kern="1200">
+                <a:solidFill>
+                  <a:schemeClr val="tx1"/>
+                </a:solidFill>
+                <a:latin typeface="+mn-lt"/>
+                <a:ea typeface="+mn-ea"/>
+                <a:cs typeface="+mn-cs"/>
+              </a:defRPr>
+            </a:lvl7pPr>
+            <a:lvl8pPr marL="3200400" indent="0" algn="l" defTabSz="914400" rtl="0" eaLnBrk="1" latinLnBrk="0" hangingPunct="1">
+              <a:lnSpc>
+                <a:spcPct val="90000"/>
+              </a:lnSpc>
+              <a:spcBef>
+                <a:spcPts val="500"/>
+              </a:spcBef>
+              <a:buFont typeface="Arial" panose="020B0604020202020204" pitchFamily="34" charset="0"/>
+              <a:buNone/>
+              <a:defRPr sz="1600" b="1" kern="1200">
+                <a:solidFill>
+                  <a:schemeClr val="tx1"/>
+                </a:solidFill>
+                <a:latin typeface="+mn-lt"/>
+                <a:ea typeface="+mn-ea"/>
+                <a:cs typeface="+mn-cs"/>
+              </a:defRPr>
+            </a:lvl8pPr>
+            <a:lvl9pPr marL="3657600" indent="0" algn="l" defTabSz="914400" rtl="0" eaLnBrk="1" latinLnBrk="0" hangingPunct="1">
+              <a:lnSpc>
+                <a:spcPct val="90000"/>
+              </a:lnSpc>
+              <a:spcBef>
+                <a:spcPts val="500"/>
+              </a:spcBef>
+              <a:buFont typeface="Arial" panose="020B0604020202020204" pitchFamily="34" charset="0"/>
+              <a:buNone/>
+              <a:defRPr sz="1600" b="1" kern="1200">
+                <a:solidFill>
+                  <a:schemeClr val="tx1"/>
+                </a:solidFill>
+                <a:latin typeface="+mn-lt"/>
+                <a:ea typeface="+mn-ea"/>
+                <a:cs typeface="+mn-cs"/>
+              </a:defRPr>
+            </a:lvl9pPr>
+          </a:lstStyle>
+          <a:p>
+            <a:pPr>
+              <a:lnSpc>
+                <a:spcPct val="100000"/>
+              </a:lnSpc>
+            </a:pPr>
+            <a:r>
+              <a:rPr lang="en-GB" sz="2400" cap="none" dirty="0">
+                <a:solidFill>
+                  <a:schemeClr val="tx1">
+                    <a:alpha val="60000"/>
+                  </a:schemeClr>
+                </a:solidFill>
+              </a:rPr>
+              <a:t>FUTURE CONCEPTS AND IDEAS</a:t>
+            </a:r>
+          </a:p>
+        </p:txBody>
+      </p:sp>
     </p:spTree>
     <p:extLst>
       <p:ext uri="{BB962C8B-B14F-4D97-AF65-F5344CB8AC3E}">
-        <p14:creationId xmlns:p14="http://schemas.microsoft.com/office/powerpoint/2010/main" val="3740286033"/>
+        <p14:creationId xmlns:p14="http://schemas.microsoft.com/office/powerpoint/2010/main" val="549296909"/>
       </p:ext>
     </p:extLst>
   </p:cSld>
@@ -15617,7 +14909,7 @@
           <p:cNvPr id="2" name="Title 1">
             <a:extLst>
               <a:ext uri="{FF2B5EF4-FFF2-40B4-BE49-F238E27FC236}">
-                <a16:creationId xmlns:a16="http://schemas.microsoft.com/office/drawing/2014/main" id="{FCB102D8-1D22-4940-AF19-07CF3A0DC5F4}"/>
+                <a16:creationId xmlns:a16="http://schemas.microsoft.com/office/drawing/2014/main" id="{9A10E2AF-7756-C25D-E9E2-FE8D54915204}"/>
               </a:ext>
             </a:extLst>
           </p:cNvPr>
@@ -15628,1524 +14920,96 @@
             <p:ph type="title"/>
           </p:nvPr>
         </p:nvSpPr>
-        <p:spPr>
-          <a:xfrm>
-            <a:off x="550862" y="549275"/>
-            <a:ext cx="11091600" cy="1332000"/>
-          </a:xfrm>
-        </p:spPr>
-        <p:txBody>
-          <a:bodyPr rtlCol="0"/>
+        <p:spPr/>
+        <p:txBody>
+          <a:bodyPr/>
           <a:lstStyle/>
           <a:p>
-            <a:pPr rtl="0"/>
+            <a:r>
+              <a:rPr lang="en-GB" dirty="0"/>
+              <a:t>Future Ideas</a:t>
+            </a:r>
+          </a:p>
+        </p:txBody>
+      </p:sp>
+      <p:sp>
+        <p:nvSpPr>
+          <p:cNvPr id="3" name="Text Placeholder 2">
+            <a:extLst>
+              <a:ext uri="{FF2B5EF4-FFF2-40B4-BE49-F238E27FC236}">
+                <a16:creationId xmlns:a16="http://schemas.microsoft.com/office/drawing/2014/main" id="{C7073906-6F0B-E487-6BA3-497A2C1015C8}"/>
+              </a:ext>
+            </a:extLst>
+          </p:cNvPr>
+          <p:cNvSpPr>
+            <a:spLocks noGrp="1"/>
+          </p:cNvSpPr>
+          <p:nvPr>
+            <p:ph type="body" idx="1"/>
+          </p:nvPr>
+        </p:nvSpPr>
+        <p:spPr/>
+        <p:txBody>
+          <a:bodyPr/>
+          <a:lstStyle/>
+          <a:p>
+            <a:r>
+              <a:rPr lang="en-GB" dirty="0"/>
+              <a:t>What are our future plans?</a:t>
+            </a:r>
+          </a:p>
+        </p:txBody>
+      </p:sp>
+      <p:sp>
+        <p:nvSpPr>
+          <p:cNvPr id="4" name="Content Placeholder 3">
+            <a:extLst>
+              <a:ext uri="{FF2B5EF4-FFF2-40B4-BE49-F238E27FC236}">
+                <a16:creationId xmlns:a16="http://schemas.microsoft.com/office/drawing/2014/main" id="{9E184547-54E9-6AA6-A655-663F78597F54}"/>
+              </a:ext>
+            </a:extLst>
+          </p:cNvPr>
+          <p:cNvSpPr>
+            <a:spLocks noGrp="1"/>
+          </p:cNvSpPr>
+          <p:nvPr>
+            <p:ph sz="half" idx="2"/>
+          </p:nvPr>
+        </p:nvSpPr>
+        <p:spPr/>
+        <p:txBody>
+          <a:bodyPr/>
+          <a:lstStyle/>
+          <a:p>
+            <a:r>
+              <a:rPr lang="en-GB" dirty="0"/>
+              <a:t>Implementing subscriptions into the website, and take it off </a:t>
+            </a:r>
             <a:r>
               <a:rPr lang="en-GB"/>
-              <a:t>Table</a:t>
-            </a:r>
-          </a:p>
-        </p:txBody>
-      </p:sp>
-      <p:graphicFrame>
-        <p:nvGraphicFramePr>
-          <p:cNvPr id="13" name="Table 13">
-            <a:extLst>
-              <a:ext uri="{FF2B5EF4-FFF2-40B4-BE49-F238E27FC236}">
-                <a16:creationId xmlns:a16="http://schemas.microsoft.com/office/drawing/2014/main" id="{914D6EE3-4782-45C1-A75C-003483879C97}"/>
-              </a:ext>
-            </a:extLst>
-          </p:cNvPr>
-          <p:cNvGraphicFramePr>
-            <a:graphicFrameLocks noGrp="1"/>
-          </p:cNvGraphicFramePr>
-          <p:nvPr>
-            <p:ph idx="1"/>
-            <p:extLst>
-              <p:ext uri="{D42A27DB-BD31-4B8C-83A1-F6EECF244321}">
-                <p14:modId xmlns:p14="http://schemas.microsoft.com/office/powerpoint/2010/main" val="2331562790"/>
-              </p:ext>
-            </p:extLst>
-          </p:nvPr>
-        </p:nvGraphicFramePr>
-        <p:xfrm>
-          <a:off x="550863" y="2112963"/>
-          <a:ext cx="11090275" cy="2466720"/>
-        </p:xfrm>
-        <a:graphic>
-          <a:graphicData uri="http://schemas.openxmlformats.org/drawingml/2006/table">
-            <a:tbl>
-              <a:tblPr firstRow="1" bandRow="1">
-                <a:tableStyleId>{7DF18680-E054-41AD-8BC1-D1AEF772440D}</a:tableStyleId>
-              </a:tblPr>
-              <a:tblGrid>
-                <a:gridCol w="2218055">
-                  <a:extLst>
-                    <a:ext uri="{9D8B030D-6E8A-4147-A177-3AD203B41FA5}">
-                      <a16:colId xmlns:a16="http://schemas.microsoft.com/office/drawing/2014/main" val="562691606"/>
-                    </a:ext>
-                  </a:extLst>
-                </a:gridCol>
-                <a:gridCol w="2218055">
-                  <a:extLst>
-                    <a:ext uri="{9D8B030D-6E8A-4147-A177-3AD203B41FA5}">
-                      <a16:colId xmlns:a16="http://schemas.microsoft.com/office/drawing/2014/main" val="3970149589"/>
-                    </a:ext>
-                  </a:extLst>
-                </a:gridCol>
-                <a:gridCol w="2218055">
-                  <a:extLst>
-                    <a:ext uri="{9D8B030D-6E8A-4147-A177-3AD203B41FA5}">
-                      <a16:colId xmlns:a16="http://schemas.microsoft.com/office/drawing/2014/main" val="1552287268"/>
-                    </a:ext>
-                  </a:extLst>
-                </a:gridCol>
-                <a:gridCol w="2218055">
-                  <a:extLst>
-                    <a:ext uri="{9D8B030D-6E8A-4147-A177-3AD203B41FA5}">
-                      <a16:colId xmlns:a16="http://schemas.microsoft.com/office/drawing/2014/main" val="3637583548"/>
-                    </a:ext>
-                  </a:extLst>
-                </a:gridCol>
-                <a:gridCol w="2218055">
-                  <a:extLst>
-                    <a:ext uri="{9D8B030D-6E8A-4147-A177-3AD203B41FA5}">
-                      <a16:colId xmlns:a16="http://schemas.microsoft.com/office/drawing/2014/main" val="1751413396"/>
-                    </a:ext>
-                  </a:extLst>
-                </a:gridCol>
-              </a:tblGrid>
-              <a:tr h="493344">
-                <a:tc>
-                  <a:txBody>
-                    <a:bodyPr/>
-                    <a:lstStyle/>
-                    <a:p>
-                      <a:pPr algn="ctr" rtl="0"/>
-                      <a:endParaRPr lang="en-GB" dirty="0"/>
-                    </a:p>
-                  </a:txBody>
-                  <a:tcPr anchor="ctr">
-                    <a:lnL w="9525" cap="flat" cmpd="sng" algn="ctr">
-                      <a:solidFill>
-                        <a:schemeClr val="tx1"/>
-                      </a:solidFill>
-                      <a:prstDash val="solid"/>
-                      <a:round/>
-                      <a:headEnd type="none" w="med" len="med"/>
-                      <a:tailEnd type="none" w="med" len="med"/>
-                    </a:lnL>
-                    <a:lnR w="9525" cap="flat" cmpd="sng" algn="ctr">
-                      <a:solidFill>
-                        <a:schemeClr val="tx1"/>
-                      </a:solidFill>
-                      <a:prstDash val="solid"/>
-                      <a:round/>
-                      <a:headEnd type="none" w="med" len="med"/>
-                      <a:tailEnd type="none" w="med" len="med"/>
-                    </a:lnR>
-                    <a:lnT w="9525" cap="flat" cmpd="sng" algn="ctr">
-                      <a:solidFill>
-                        <a:schemeClr val="tx1"/>
-                      </a:solidFill>
-                      <a:prstDash val="solid"/>
-                      <a:round/>
-                      <a:headEnd type="none" w="med" len="med"/>
-                      <a:tailEnd type="none" w="med" len="med"/>
-                    </a:lnT>
-                    <a:lnB w="9525" cap="flat" cmpd="sng" algn="ctr">
-                      <a:solidFill>
-                        <a:schemeClr val="tx1"/>
-                      </a:solidFill>
-                      <a:prstDash val="solid"/>
-                      <a:round/>
-                      <a:headEnd type="none" w="med" len="med"/>
-                      <a:tailEnd type="none" w="med" len="med"/>
-                    </a:lnB>
-                    <a:solidFill>
-                      <a:schemeClr val="accent2"/>
-                    </a:solidFill>
-                  </a:tcPr>
-                </a:tc>
-                <a:tc>
-                  <a:txBody>
-                    <a:bodyPr/>
-                    <a:lstStyle/>
-                    <a:p>
-                      <a:pPr algn="ctr" rtl="0"/>
-                      <a:r>
-                        <a:rPr lang="en-GB"/>
-                        <a:t>Category 1</a:t>
-                      </a:r>
-                    </a:p>
-                  </a:txBody>
-                  <a:tcPr anchor="ctr">
-                    <a:lnL w="9525" cap="flat" cmpd="sng" algn="ctr">
-                      <a:solidFill>
-                        <a:schemeClr val="tx1"/>
-                      </a:solidFill>
-                      <a:prstDash val="solid"/>
-                      <a:round/>
-                      <a:headEnd type="none" w="med" len="med"/>
-                      <a:tailEnd type="none" w="med" len="med"/>
-                    </a:lnL>
-                    <a:lnR w="9525" cap="flat" cmpd="sng" algn="ctr">
-                      <a:solidFill>
-                        <a:schemeClr val="tx1"/>
-                      </a:solidFill>
-                      <a:prstDash val="solid"/>
-                      <a:round/>
-                      <a:headEnd type="none" w="med" len="med"/>
-                      <a:tailEnd type="none" w="med" len="med"/>
-                    </a:lnR>
-                    <a:lnT w="9525" cap="flat" cmpd="sng" algn="ctr">
-                      <a:solidFill>
-                        <a:schemeClr val="tx1"/>
-                      </a:solidFill>
-                      <a:prstDash val="solid"/>
-                      <a:round/>
-                      <a:headEnd type="none" w="med" len="med"/>
-                      <a:tailEnd type="none" w="med" len="med"/>
-                    </a:lnT>
-                    <a:lnB w="9525" cap="flat" cmpd="sng" algn="ctr">
-                      <a:solidFill>
-                        <a:schemeClr val="tx1"/>
-                      </a:solidFill>
-                      <a:prstDash val="solid"/>
-                      <a:round/>
-                      <a:headEnd type="none" w="med" len="med"/>
-                      <a:tailEnd type="none" w="med" len="med"/>
-                    </a:lnB>
-                    <a:solidFill>
-                      <a:schemeClr val="accent2"/>
-                    </a:solidFill>
-                  </a:tcPr>
-                </a:tc>
-                <a:tc>
-                  <a:txBody>
-                    <a:bodyPr/>
-                    <a:lstStyle/>
-                    <a:p>
-                      <a:pPr algn="ctr" rtl="0"/>
-                      <a:r>
-                        <a:rPr lang="en-GB"/>
-                        <a:t>Category 2</a:t>
-                      </a:r>
-                    </a:p>
-                  </a:txBody>
-                  <a:tcPr anchor="ctr">
-                    <a:lnL w="9525" cap="flat" cmpd="sng" algn="ctr">
-                      <a:solidFill>
-                        <a:schemeClr val="tx1"/>
-                      </a:solidFill>
-                      <a:prstDash val="solid"/>
-                      <a:round/>
-                      <a:headEnd type="none" w="med" len="med"/>
-                      <a:tailEnd type="none" w="med" len="med"/>
-                    </a:lnL>
-                    <a:lnR w="9525" cap="flat" cmpd="sng" algn="ctr">
-                      <a:solidFill>
-                        <a:schemeClr val="tx1"/>
-                      </a:solidFill>
-                      <a:prstDash val="solid"/>
-                      <a:round/>
-                      <a:headEnd type="none" w="med" len="med"/>
-                      <a:tailEnd type="none" w="med" len="med"/>
-                    </a:lnR>
-                    <a:lnT w="9525" cap="flat" cmpd="sng" algn="ctr">
-                      <a:solidFill>
-                        <a:schemeClr val="tx1"/>
-                      </a:solidFill>
-                      <a:prstDash val="solid"/>
-                      <a:round/>
-                      <a:headEnd type="none" w="med" len="med"/>
-                      <a:tailEnd type="none" w="med" len="med"/>
-                    </a:lnT>
-                    <a:lnB w="9525" cap="flat" cmpd="sng" algn="ctr">
-                      <a:solidFill>
-                        <a:schemeClr val="tx1"/>
-                      </a:solidFill>
-                      <a:prstDash val="solid"/>
-                      <a:round/>
-                      <a:headEnd type="none" w="med" len="med"/>
-                      <a:tailEnd type="none" w="med" len="med"/>
-                    </a:lnB>
-                    <a:solidFill>
-                      <a:schemeClr val="accent2"/>
-                    </a:solidFill>
-                  </a:tcPr>
-                </a:tc>
-                <a:tc>
-                  <a:txBody>
-                    <a:bodyPr/>
-                    <a:lstStyle/>
-                    <a:p>
-                      <a:pPr algn="ctr" rtl="0"/>
-                      <a:r>
-                        <a:rPr lang="en-GB"/>
-                        <a:t>Category 3</a:t>
-                      </a:r>
-                    </a:p>
-                  </a:txBody>
-                  <a:tcPr anchor="ctr">
-                    <a:lnL w="9525" cap="flat" cmpd="sng" algn="ctr">
-                      <a:solidFill>
-                        <a:schemeClr val="tx1"/>
-                      </a:solidFill>
-                      <a:prstDash val="solid"/>
-                      <a:round/>
-                      <a:headEnd type="none" w="med" len="med"/>
-                      <a:tailEnd type="none" w="med" len="med"/>
-                    </a:lnL>
-                    <a:lnR w="9525" cap="flat" cmpd="sng" algn="ctr">
-                      <a:solidFill>
-                        <a:schemeClr val="tx1"/>
-                      </a:solidFill>
-                      <a:prstDash val="solid"/>
-                      <a:round/>
-                      <a:headEnd type="none" w="med" len="med"/>
-                      <a:tailEnd type="none" w="med" len="med"/>
-                    </a:lnR>
-                    <a:lnT w="9525" cap="flat" cmpd="sng" algn="ctr">
-                      <a:solidFill>
-                        <a:schemeClr val="tx1"/>
-                      </a:solidFill>
-                      <a:prstDash val="solid"/>
-                      <a:round/>
-                      <a:headEnd type="none" w="med" len="med"/>
-                      <a:tailEnd type="none" w="med" len="med"/>
-                    </a:lnT>
-                    <a:lnB w="9525" cap="flat" cmpd="sng" algn="ctr">
-                      <a:solidFill>
-                        <a:schemeClr val="tx1"/>
-                      </a:solidFill>
-                      <a:prstDash val="solid"/>
-                      <a:round/>
-                      <a:headEnd type="none" w="med" len="med"/>
-                      <a:tailEnd type="none" w="med" len="med"/>
-                    </a:lnB>
-                    <a:solidFill>
-                      <a:schemeClr val="accent2"/>
-                    </a:solidFill>
-                  </a:tcPr>
-                </a:tc>
-                <a:tc>
-                  <a:txBody>
-                    <a:bodyPr/>
-                    <a:lstStyle/>
-                    <a:p>
-                      <a:pPr algn="ctr" rtl="0"/>
-                      <a:r>
-                        <a:rPr lang="en-GB"/>
-                        <a:t>Category 4</a:t>
-                      </a:r>
-                    </a:p>
-                  </a:txBody>
-                  <a:tcPr anchor="ctr">
-                    <a:lnL w="9525" cap="flat" cmpd="sng" algn="ctr">
-                      <a:solidFill>
-                        <a:schemeClr val="tx1"/>
-                      </a:solidFill>
-                      <a:prstDash val="solid"/>
-                      <a:round/>
-                      <a:headEnd type="none" w="med" len="med"/>
-                      <a:tailEnd type="none" w="med" len="med"/>
-                    </a:lnL>
-                    <a:lnR w="9525" cap="flat" cmpd="sng" algn="ctr">
-                      <a:solidFill>
-                        <a:schemeClr val="tx1"/>
-                      </a:solidFill>
-                      <a:prstDash val="solid"/>
-                      <a:round/>
-                      <a:headEnd type="none" w="med" len="med"/>
-                      <a:tailEnd type="none" w="med" len="med"/>
-                    </a:lnR>
-                    <a:lnT w="9525" cap="flat" cmpd="sng" algn="ctr">
-                      <a:solidFill>
-                        <a:schemeClr val="tx1"/>
-                      </a:solidFill>
-                      <a:prstDash val="solid"/>
-                      <a:round/>
-                      <a:headEnd type="none" w="med" len="med"/>
-                      <a:tailEnd type="none" w="med" len="med"/>
-                    </a:lnT>
-                    <a:lnB w="9525" cap="flat" cmpd="sng" algn="ctr">
-                      <a:solidFill>
-                        <a:schemeClr val="tx1"/>
-                      </a:solidFill>
-                      <a:prstDash val="solid"/>
-                      <a:round/>
-                      <a:headEnd type="none" w="med" len="med"/>
-                      <a:tailEnd type="none" w="med" len="med"/>
-                    </a:lnB>
-                    <a:solidFill>
-                      <a:schemeClr val="accent2"/>
-                    </a:solidFill>
-                  </a:tcPr>
-                </a:tc>
-                <a:extLst>
-                  <a:ext uri="{0D108BD9-81ED-4DB2-BD59-A6C34878D82A}">
-                    <a16:rowId xmlns:a16="http://schemas.microsoft.com/office/drawing/2014/main" val="2193002138"/>
-                  </a:ext>
-                </a:extLst>
-              </a:tr>
-              <a:tr h="493344">
-                <a:tc>
-                  <a:txBody>
-                    <a:bodyPr/>
-                    <a:lstStyle/>
-                    <a:p>
-                      <a:pPr algn="ctr" rtl="0"/>
-                      <a:r>
-                        <a:rPr lang="en-GB">
-                          <a:solidFill>
-                            <a:schemeClr val="tx1"/>
-                          </a:solidFill>
-                        </a:rPr>
-                        <a:t>Item 1</a:t>
-                      </a:r>
-                    </a:p>
-                  </a:txBody>
-                  <a:tcPr anchor="ctr">
-                    <a:lnL w="9525" cap="flat" cmpd="sng" algn="ctr">
-                      <a:solidFill>
-                        <a:schemeClr val="tx1"/>
-                      </a:solidFill>
-                      <a:prstDash val="solid"/>
-                      <a:round/>
-                      <a:headEnd type="none" w="med" len="med"/>
-                      <a:tailEnd type="none" w="med" len="med"/>
-                    </a:lnL>
-                    <a:lnR w="9525" cap="flat" cmpd="sng" algn="ctr">
-                      <a:solidFill>
-                        <a:schemeClr val="tx1"/>
-                      </a:solidFill>
-                      <a:prstDash val="solid"/>
-                      <a:round/>
-                      <a:headEnd type="none" w="med" len="med"/>
-                      <a:tailEnd type="none" w="med" len="med"/>
-                    </a:lnR>
-                    <a:lnT w="9525" cap="flat" cmpd="sng" algn="ctr">
-                      <a:solidFill>
-                        <a:schemeClr val="tx1"/>
-                      </a:solidFill>
-                      <a:prstDash val="solid"/>
-                      <a:round/>
-                      <a:headEnd type="none" w="med" len="med"/>
-                      <a:tailEnd type="none" w="med" len="med"/>
-                    </a:lnT>
-                    <a:lnB w="9525" cap="flat" cmpd="sng" algn="ctr">
-                      <a:solidFill>
-                        <a:schemeClr val="tx1"/>
-                      </a:solidFill>
-                      <a:prstDash val="solid"/>
-                      <a:round/>
-                      <a:headEnd type="none" w="med" len="med"/>
-                      <a:tailEnd type="none" w="med" len="med"/>
-                    </a:lnB>
-                    <a:noFill/>
-                  </a:tcPr>
-                </a:tc>
-                <a:tc>
-                  <a:txBody>
-                    <a:bodyPr/>
-                    <a:lstStyle/>
-                    <a:p>
-                      <a:pPr algn="ctr" rtl="0"/>
-                      <a:r>
-                        <a:rPr lang="en-GB">
-                          <a:solidFill>
-                            <a:schemeClr val="tx1"/>
-                          </a:solidFill>
-                        </a:rPr>
-                        <a:t>4.5</a:t>
-                      </a:r>
-                    </a:p>
-                  </a:txBody>
-                  <a:tcPr anchor="ctr">
-                    <a:lnL w="9525" cap="flat" cmpd="sng" algn="ctr">
-                      <a:solidFill>
-                        <a:schemeClr val="tx1"/>
-                      </a:solidFill>
-                      <a:prstDash val="solid"/>
-                      <a:round/>
-                      <a:headEnd type="none" w="med" len="med"/>
-                      <a:tailEnd type="none" w="med" len="med"/>
-                    </a:lnL>
-                    <a:lnR w="9525" cap="flat" cmpd="sng" algn="ctr">
-                      <a:solidFill>
-                        <a:schemeClr val="tx1"/>
-                      </a:solidFill>
-                      <a:prstDash val="solid"/>
-                      <a:round/>
-                      <a:headEnd type="none" w="med" len="med"/>
-                      <a:tailEnd type="none" w="med" len="med"/>
-                    </a:lnR>
-                    <a:lnT w="9525" cap="flat" cmpd="sng" algn="ctr">
-                      <a:solidFill>
-                        <a:schemeClr val="tx1"/>
-                      </a:solidFill>
-                      <a:prstDash val="solid"/>
-                      <a:round/>
-                      <a:headEnd type="none" w="med" len="med"/>
-                      <a:tailEnd type="none" w="med" len="med"/>
-                    </a:lnT>
-                    <a:lnB w="9525" cap="flat" cmpd="sng" algn="ctr">
-                      <a:solidFill>
-                        <a:schemeClr val="tx1"/>
-                      </a:solidFill>
-                      <a:prstDash val="solid"/>
-                      <a:round/>
-                      <a:headEnd type="none" w="med" len="med"/>
-                      <a:tailEnd type="none" w="med" len="med"/>
-                    </a:lnB>
-                    <a:noFill/>
-                  </a:tcPr>
-                </a:tc>
-                <a:tc>
-                  <a:txBody>
-                    <a:bodyPr/>
-                    <a:lstStyle/>
-                    <a:p>
-                      <a:pPr algn="ctr" rtl="0"/>
-                      <a:r>
-                        <a:rPr lang="en-GB">
-                          <a:solidFill>
-                            <a:schemeClr val="tx1"/>
-                          </a:solidFill>
-                        </a:rPr>
-                        <a:t>2.3</a:t>
-                      </a:r>
-                    </a:p>
-                  </a:txBody>
-                  <a:tcPr anchor="ctr">
-                    <a:lnL w="9525" cap="flat" cmpd="sng" algn="ctr">
-                      <a:solidFill>
-                        <a:schemeClr val="tx1"/>
-                      </a:solidFill>
-                      <a:prstDash val="solid"/>
-                      <a:round/>
-                      <a:headEnd type="none" w="med" len="med"/>
-                      <a:tailEnd type="none" w="med" len="med"/>
-                    </a:lnL>
-                    <a:lnR w="9525" cap="flat" cmpd="sng" algn="ctr">
-                      <a:solidFill>
-                        <a:schemeClr val="tx1"/>
-                      </a:solidFill>
-                      <a:prstDash val="solid"/>
-                      <a:round/>
-                      <a:headEnd type="none" w="med" len="med"/>
-                      <a:tailEnd type="none" w="med" len="med"/>
-                    </a:lnR>
-                    <a:lnT w="9525" cap="flat" cmpd="sng" algn="ctr">
-                      <a:solidFill>
-                        <a:schemeClr val="tx1"/>
-                      </a:solidFill>
-                      <a:prstDash val="solid"/>
-                      <a:round/>
-                      <a:headEnd type="none" w="med" len="med"/>
-                      <a:tailEnd type="none" w="med" len="med"/>
-                    </a:lnT>
-                    <a:lnB w="9525" cap="flat" cmpd="sng" algn="ctr">
-                      <a:solidFill>
-                        <a:schemeClr val="tx1"/>
-                      </a:solidFill>
-                      <a:prstDash val="solid"/>
-                      <a:round/>
-                      <a:headEnd type="none" w="med" len="med"/>
-                      <a:tailEnd type="none" w="med" len="med"/>
-                    </a:lnB>
-                    <a:noFill/>
-                  </a:tcPr>
-                </a:tc>
-                <a:tc>
-                  <a:txBody>
-                    <a:bodyPr/>
-                    <a:lstStyle/>
-                    <a:p>
-                      <a:pPr algn="ctr" rtl="0"/>
-                      <a:r>
-                        <a:rPr lang="en-GB">
-                          <a:solidFill>
-                            <a:schemeClr val="tx1"/>
-                          </a:solidFill>
-                        </a:rPr>
-                        <a:t>1.7</a:t>
-                      </a:r>
-                    </a:p>
-                  </a:txBody>
-                  <a:tcPr anchor="ctr">
-                    <a:lnL w="9525" cap="flat" cmpd="sng" algn="ctr">
-                      <a:solidFill>
-                        <a:schemeClr val="tx1"/>
-                      </a:solidFill>
-                      <a:prstDash val="solid"/>
-                      <a:round/>
-                      <a:headEnd type="none" w="med" len="med"/>
-                      <a:tailEnd type="none" w="med" len="med"/>
-                    </a:lnL>
-                    <a:lnR w="9525" cap="flat" cmpd="sng" algn="ctr">
-                      <a:solidFill>
-                        <a:schemeClr val="tx1"/>
-                      </a:solidFill>
-                      <a:prstDash val="solid"/>
-                      <a:round/>
-                      <a:headEnd type="none" w="med" len="med"/>
-                      <a:tailEnd type="none" w="med" len="med"/>
-                    </a:lnR>
-                    <a:lnT w="9525" cap="flat" cmpd="sng" algn="ctr">
-                      <a:solidFill>
-                        <a:schemeClr val="tx1"/>
-                      </a:solidFill>
-                      <a:prstDash val="solid"/>
-                      <a:round/>
-                      <a:headEnd type="none" w="med" len="med"/>
-                      <a:tailEnd type="none" w="med" len="med"/>
-                    </a:lnT>
-                    <a:lnB w="9525" cap="flat" cmpd="sng" algn="ctr">
-                      <a:solidFill>
-                        <a:schemeClr val="tx1"/>
-                      </a:solidFill>
-                      <a:prstDash val="solid"/>
-                      <a:round/>
-                      <a:headEnd type="none" w="med" len="med"/>
-                      <a:tailEnd type="none" w="med" len="med"/>
-                    </a:lnB>
-                    <a:noFill/>
-                  </a:tcPr>
-                </a:tc>
-                <a:tc>
-                  <a:txBody>
-                    <a:bodyPr/>
-                    <a:lstStyle/>
-                    <a:p>
-                      <a:pPr algn="ctr" rtl="0"/>
-                      <a:r>
-                        <a:rPr lang="en-GB">
-                          <a:solidFill>
-                            <a:schemeClr val="tx1"/>
-                          </a:solidFill>
-                        </a:rPr>
-                        <a:t>5</a:t>
-                      </a:r>
-                    </a:p>
-                  </a:txBody>
-                  <a:tcPr anchor="ctr">
-                    <a:lnL w="9525" cap="flat" cmpd="sng" algn="ctr">
-                      <a:solidFill>
-                        <a:schemeClr val="tx1"/>
-                      </a:solidFill>
-                      <a:prstDash val="solid"/>
-                      <a:round/>
-                      <a:headEnd type="none" w="med" len="med"/>
-                      <a:tailEnd type="none" w="med" len="med"/>
-                    </a:lnL>
-                    <a:lnR w="9525" cap="flat" cmpd="sng" algn="ctr">
-                      <a:solidFill>
-                        <a:schemeClr val="tx1"/>
-                      </a:solidFill>
-                      <a:prstDash val="solid"/>
-                      <a:round/>
-                      <a:headEnd type="none" w="med" len="med"/>
-                      <a:tailEnd type="none" w="med" len="med"/>
-                    </a:lnR>
-                    <a:lnT w="9525" cap="flat" cmpd="sng" algn="ctr">
-                      <a:solidFill>
-                        <a:schemeClr val="tx1"/>
-                      </a:solidFill>
-                      <a:prstDash val="solid"/>
-                      <a:round/>
-                      <a:headEnd type="none" w="med" len="med"/>
-                      <a:tailEnd type="none" w="med" len="med"/>
-                    </a:lnT>
-                    <a:lnB w="9525" cap="flat" cmpd="sng" algn="ctr">
-                      <a:solidFill>
-                        <a:schemeClr val="tx1"/>
-                      </a:solidFill>
-                      <a:prstDash val="solid"/>
-                      <a:round/>
-                      <a:headEnd type="none" w="med" len="med"/>
-                      <a:tailEnd type="none" w="med" len="med"/>
-                    </a:lnB>
-                    <a:noFill/>
-                  </a:tcPr>
-                </a:tc>
-                <a:extLst>
-                  <a:ext uri="{0D108BD9-81ED-4DB2-BD59-A6C34878D82A}">
-                    <a16:rowId xmlns:a16="http://schemas.microsoft.com/office/drawing/2014/main" val="3922611538"/>
-                  </a:ext>
-                </a:extLst>
-              </a:tr>
-              <a:tr h="493344">
-                <a:tc>
-                  <a:txBody>
-                    <a:bodyPr/>
-                    <a:lstStyle/>
-                    <a:p>
-                      <a:pPr algn="ctr" rtl="0"/>
-                      <a:r>
-                        <a:rPr lang="en-GB">
-                          <a:solidFill>
-                            <a:schemeClr val="tx1"/>
-                          </a:solidFill>
-                        </a:rPr>
-                        <a:t>Item 2</a:t>
-                      </a:r>
-                    </a:p>
-                  </a:txBody>
-                  <a:tcPr anchor="ctr">
-                    <a:lnL w="9525" cap="flat" cmpd="sng" algn="ctr">
-                      <a:solidFill>
-                        <a:schemeClr val="tx1"/>
-                      </a:solidFill>
-                      <a:prstDash val="solid"/>
-                      <a:round/>
-                      <a:headEnd type="none" w="med" len="med"/>
-                      <a:tailEnd type="none" w="med" len="med"/>
-                    </a:lnL>
-                    <a:lnR w="9525" cap="flat" cmpd="sng" algn="ctr">
-                      <a:solidFill>
-                        <a:schemeClr val="tx1"/>
-                      </a:solidFill>
-                      <a:prstDash val="solid"/>
-                      <a:round/>
-                      <a:headEnd type="none" w="med" len="med"/>
-                      <a:tailEnd type="none" w="med" len="med"/>
-                    </a:lnR>
-                    <a:lnT w="9525" cap="flat" cmpd="sng" algn="ctr">
-                      <a:solidFill>
-                        <a:schemeClr val="tx1"/>
-                      </a:solidFill>
-                      <a:prstDash val="solid"/>
-                      <a:round/>
-                      <a:headEnd type="none" w="med" len="med"/>
-                      <a:tailEnd type="none" w="med" len="med"/>
-                    </a:lnT>
-                    <a:lnB w="9525" cap="flat" cmpd="sng" algn="ctr">
-                      <a:solidFill>
-                        <a:schemeClr val="tx1"/>
-                      </a:solidFill>
-                      <a:prstDash val="solid"/>
-                      <a:round/>
-                      <a:headEnd type="none" w="med" len="med"/>
-                      <a:tailEnd type="none" w="med" len="med"/>
-                    </a:lnB>
-                    <a:noFill/>
-                  </a:tcPr>
-                </a:tc>
-                <a:tc>
-                  <a:txBody>
-                    <a:bodyPr/>
-                    <a:lstStyle/>
-                    <a:p>
-                      <a:pPr algn="ctr" rtl="0"/>
-                      <a:r>
-                        <a:rPr lang="en-GB">
-                          <a:solidFill>
-                            <a:schemeClr val="tx1"/>
-                          </a:solidFill>
-                        </a:rPr>
-                        <a:t>3.2</a:t>
-                      </a:r>
-                    </a:p>
-                  </a:txBody>
-                  <a:tcPr anchor="ctr">
-                    <a:lnL w="9525" cap="flat" cmpd="sng" algn="ctr">
-                      <a:solidFill>
-                        <a:schemeClr val="tx1"/>
-                      </a:solidFill>
-                      <a:prstDash val="solid"/>
-                      <a:round/>
-                      <a:headEnd type="none" w="med" len="med"/>
-                      <a:tailEnd type="none" w="med" len="med"/>
-                    </a:lnL>
-                    <a:lnR w="9525" cap="flat" cmpd="sng" algn="ctr">
-                      <a:solidFill>
-                        <a:schemeClr val="tx1"/>
-                      </a:solidFill>
-                      <a:prstDash val="solid"/>
-                      <a:round/>
-                      <a:headEnd type="none" w="med" len="med"/>
-                      <a:tailEnd type="none" w="med" len="med"/>
-                    </a:lnR>
-                    <a:lnT w="9525" cap="flat" cmpd="sng" algn="ctr">
-                      <a:solidFill>
-                        <a:schemeClr val="tx1"/>
-                      </a:solidFill>
-                      <a:prstDash val="solid"/>
-                      <a:round/>
-                      <a:headEnd type="none" w="med" len="med"/>
-                      <a:tailEnd type="none" w="med" len="med"/>
-                    </a:lnT>
-                    <a:lnB w="9525" cap="flat" cmpd="sng" algn="ctr">
-                      <a:solidFill>
-                        <a:schemeClr val="tx1"/>
-                      </a:solidFill>
-                      <a:prstDash val="solid"/>
-                      <a:round/>
-                      <a:headEnd type="none" w="med" len="med"/>
-                      <a:tailEnd type="none" w="med" len="med"/>
-                    </a:lnB>
-                    <a:noFill/>
-                  </a:tcPr>
-                </a:tc>
-                <a:tc>
-                  <a:txBody>
-                    <a:bodyPr/>
-                    <a:lstStyle/>
-                    <a:p>
-                      <a:pPr algn="ctr" rtl="0"/>
-                      <a:r>
-                        <a:rPr lang="en-GB">
-                          <a:solidFill>
-                            <a:schemeClr val="tx1"/>
-                          </a:solidFill>
-                        </a:rPr>
-                        <a:t>5.1</a:t>
-                      </a:r>
-                    </a:p>
-                  </a:txBody>
-                  <a:tcPr anchor="ctr">
-                    <a:lnL w="9525" cap="flat" cmpd="sng" algn="ctr">
-                      <a:solidFill>
-                        <a:schemeClr val="tx1"/>
-                      </a:solidFill>
-                      <a:prstDash val="solid"/>
-                      <a:round/>
-                      <a:headEnd type="none" w="med" len="med"/>
-                      <a:tailEnd type="none" w="med" len="med"/>
-                    </a:lnL>
-                    <a:lnR w="9525" cap="flat" cmpd="sng" algn="ctr">
-                      <a:solidFill>
-                        <a:schemeClr val="tx1"/>
-                      </a:solidFill>
-                      <a:prstDash val="solid"/>
-                      <a:round/>
-                      <a:headEnd type="none" w="med" len="med"/>
-                      <a:tailEnd type="none" w="med" len="med"/>
-                    </a:lnR>
-                    <a:lnT w="9525" cap="flat" cmpd="sng" algn="ctr">
-                      <a:solidFill>
-                        <a:schemeClr val="tx1"/>
-                      </a:solidFill>
-                      <a:prstDash val="solid"/>
-                      <a:round/>
-                      <a:headEnd type="none" w="med" len="med"/>
-                      <a:tailEnd type="none" w="med" len="med"/>
-                    </a:lnT>
-                    <a:lnB w="9525" cap="flat" cmpd="sng" algn="ctr">
-                      <a:solidFill>
-                        <a:schemeClr val="tx1"/>
-                      </a:solidFill>
-                      <a:prstDash val="solid"/>
-                      <a:round/>
-                      <a:headEnd type="none" w="med" len="med"/>
-                      <a:tailEnd type="none" w="med" len="med"/>
-                    </a:lnB>
-                    <a:noFill/>
-                  </a:tcPr>
-                </a:tc>
-                <a:tc>
-                  <a:txBody>
-                    <a:bodyPr/>
-                    <a:lstStyle/>
-                    <a:p>
-                      <a:pPr algn="ctr" rtl="0"/>
-                      <a:r>
-                        <a:rPr lang="en-GB">
-                          <a:solidFill>
-                            <a:schemeClr val="tx1"/>
-                          </a:solidFill>
-                        </a:rPr>
-                        <a:t>4.4</a:t>
-                      </a:r>
-                    </a:p>
-                  </a:txBody>
-                  <a:tcPr anchor="ctr">
-                    <a:lnL w="9525" cap="flat" cmpd="sng" algn="ctr">
-                      <a:solidFill>
-                        <a:schemeClr val="tx1"/>
-                      </a:solidFill>
-                      <a:prstDash val="solid"/>
-                      <a:round/>
-                      <a:headEnd type="none" w="med" len="med"/>
-                      <a:tailEnd type="none" w="med" len="med"/>
-                    </a:lnL>
-                    <a:lnR w="9525" cap="flat" cmpd="sng" algn="ctr">
-                      <a:solidFill>
-                        <a:schemeClr val="tx1"/>
-                      </a:solidFill>
-                      <a:prstDash val="solid"/>
-                      <a:round/>
-                      <a:headEnd type="none" w="med" len="med"/>
-                      <a:tailEnd type="none" w="med" len="med"/>
-                    </a:lnR>
-                    <a:lnT w="9525" cap="flat" cmpd="sng" algn="ctr">
-                      <a:solidFill>
-                        <a:schemeClr val="tx1"/>
-                      </a:solidFill>
-                      <a:prstDash val="solid"/>
-                      <a:round/>
-                      <a:headEnd type="none" w="med" len="med"/>
-                      <a:tailEnd type="none" w="med" len="med"/>
-                    </a:lnT>
-                    <a:lnB w="9525" cap="flat" cmpd="sng" algn="ctr">
-                      <a:solidFill>
-                        <a:schemeClr val="tx1"/>
-                      </a:solidFill>
-                      <a:prstDash val="solid"/>
-                      <a:round/>
-                      <a:headEnd type="none" w="med" len="med"/>
-                      <a:tailEnd type="none" w="med" len="med"/>
-                    </a:lnB>
-                    <a:noFill/>
-                  </a:tcPr>
-                </a:tc>
-                <a:tc>
-                  <a:txBody>
-                    <a:bodyPr/>
-                    <a:lstStyle/>
-                    <a:p>
-                      <a:pPr algn="ctr" rtl="0"/>
-                      <a:r>
-                        <a:rPr lang="en-GB">
-                          <a:solidFill>
-                            <a:schemeClr val="tx1"/>
-                          </a:solidFill>
-                        </a:rPr>
-                        <a:t>3</a:t>
-                      </a:r>
-                    </a:p>
-                  </a:txBody>
-                  <a:tcPr anchor="ctr">
-                    <a:lnL w="9525" cap="flat" cmpd="sng" algn="ctr">
-                      <a:solidFill>
-                        <a:schemeClr val="tx1"/>
-                      </a:solidFill>
-                      <a:prstDash val="solid"/>
-                      <a:round/>
-                      <a:headEnd type="none" w="med" len="med"/>
-                      <a:tailEnd type="none" w="med" len="med"/>
-                    </a:lnL>
-                    <a:lnR w="9525" cap="flat" cmpd="sng" algn="ctr">
-                      <a:solidFill>
-                        <a:schemeClr val="tx1"/>
-                      </a:solidFill>
-                      <a:prstDash val="solid"/>
-                      <a:round/>
-                      <a:headEnd type="none" w="med" len="med"/>
-                      <a:tailEnd type="none" w="med" len="med"/>
-                    </a:lnR>
-                    <a:lnT w="9525" cap="flat" cmpd="sng" algn="ctr">
-                      <a:solidFill>
-                        <a:schemeClr val="tx1"/>
-                      </a:solidFill>
-                      <a:prstDash val="solid"/>
-                      <a:round/>
-                      <a:headEnd type="none" w="med" len="med"/>
-                      <a:tailEnd type="none" w="med" len="med"/>
-                    </a:lnT>
-                    <a:lnB w="9525" cap="flat" cmpd="sng" algn="ctr">
-                      <a:solidFill>
-                        <a:schemeClr val="tx1"/>
-                      </a:solidFill>
-                      <a:prstDash val="solid"/>
-                      <a:round/>
-                      <a:headEnd type="none" w="med" len="med"/>
-                      <a:tailEnd type="none" w="med" len="med"/>
-                    </a:lnB>
-                    <a:noFill/>
-                  </a:tcPr>
-                </a:tc>
-                <a:extLst>
-                  <a:ext uri="{0D108BD9-81ED-4DB2-BD59-A6C34878D82A}">
-                    <a16:rowId xmlns:a16="http://schemas.microsoft.com/office/drawing/2014/main" val="1580915798"/>
-                  </a:ext>
-                </a:extLst>
-              </a:tr>
-              <a:tr h="493344">
-                <a:tc>
-                  <a:txBody>
-                    <a:bodyPr/>
-                    <a:lstStyle/>
-                    <a:p>
-                      <a:pPr algn="ctr" rtl="0"/>
-                      <a:r>
-                        <a:rPr lang="en-GB">
-                          <a:solidFill>
-                            <a:schemeClr val="tx1"/>
-                          </a:solidFill>
-                        </a:rPr>
-                        <a:t>Item 3</a:t>
-                      </a:r>
-                    </a:p>
-                  </a:txBody>
-                  <a:tcPr anchor="ctr">
-                    <a:lnL w="9525" cap="flat" cmpd="sng" algn="ctr">
-                      <a:solidFill>
-                        <a:schemeClr val="tx1"/>
-                      </a:solidFill>
-                      <a:prstDash val="solid"/>
-                      <a:round/>
-                      <a:headEnd type="none" w="med" len="med"/>
-                      <a:tailEnd type="none" w="med" len="med"/>
-                    </a:lnL>
-                    <a:lnR w="9525" cap="flat" cmpd="sng" algn="ctr">
-                      <a:solidFill>
-                        <a:schemeClr val="tx1"/>
-                      </a:solidFill>
-                      <a:prstDash val="solid"/>
-                      <a:round/>
-                      <a:headEnd type="none" w="med" len="med"/>
-                      <a:tailEnd type="none" w="med" len="med"/>
-                    </a:lnR>
-                    <a:lnT w="9525" cap="flat" cmpd="sng" algn="ctr">
-                      <a:solidFill>
-                        <a:schemeClr val="tx1"/>
-                      </a:solidFill>
-                      <a:prstDash val="solid"/>
-                      <a:round/>
-                      <a:headEnd type="none" w="med" len="med"/>
-                      <a:tailEnd type="none" w="med" len="med"/>
-                    </a:lnT>
-                    <a:lnB w="9525" cap="flat" cmpd="sng" algn="ctr">
-                      <a:solidFill>
-                        <a:schemeClr val="tx1"/>
-                      </a:solidFill>
-                      <a:prstDash val="solid"/>
-                      <a:round/>
-                      <a:headEnd type="none" w="med" len="med"/>
-                      <a:tailEnd type="none" w="med" len="med"/>
-                    </a:lnB>
-                    <a:noFill/>
-                  </a:tcPr>
-                </a:tc>
-                <a:tc>
-                  <a:txBody>
-                    <a:bodyPr/>
-                    <a:lstStyle/>
-                    <a:p>
-                      <a:pPr algn="ctr" rtl="0"/>
-                      <a:r>
-                        <a:rPr lang="en-GB">
-                          <a:solidFill>
-                            <a:schemeClr val="tx1"/>
-                          </a:solidFill>
-                        </a:rPr>
-                        <a:t>2.1</a:t>
-                      </a:r>
-                    </a:p>
-                  </a:txBody>
-                  <a:tcPr anchor="ctr">
-                    <a:lnL w="9525" cap="flat" cmpd="sng" algn="ctr">
-                      <a:solidFill>
-                        <a:schemeClr val="tx1"/>
-                      </a:solidFill>
-                      <a:prstDash val="solid"/>
-                      <a:round/>
-                      <a:headEnd type="none" w="med" len="med"/>
-                      <a:tailEnd type="none" w="med" len="med"/>
-                    </a:lnL>
-                    <a:lnR w="9525" cap="flat" cmpd="sng" algn="ctr">
-                      <a:solidFill>
-                        <a:schemeClr val="tx1"/>
-                      </a:solidFill>
-                      <a:prstDash val="solid"/>
-                      <a:round/>
-                      <a:headEnd type="none" w="med" len="med"/>
-                      <a:tailEnd type="none" w="med" len="med"/>
-                    </a:lnR>
-                    <a:lnT w="9525" cap="flat" cmpd="sng" algn="ctr">
-                      <a:solidFill>
-                        <a:schemeClr val="tx1"/>
-                      </a:solidFill>
-                      <a:prstDash val="solid"/>
-                      <a:round/>
-                      <a:headEnd type="none" w="med" len="med"/>
-                      <a:tailEnd type="none" w="med" len="med"/>
-                    </a:lnT>
-                    <a:lnB w="9525" cap="flat" cmpd="sng" algn="ctr">
-                      <a:solidFill>
-                        <a:schemeClr val="tx1"/>
-                      </a:solidFill>
-                      <a:prstDash val="solid"/>
-                      <a:round/>
-                      <a:headEnd type="none" w="med" len="med"/>
-                      <a:tailEnd type="none" w="med" len="med"/>
-                    </a:lnB>
-                    <a:noFill/>
-                  </a:tcPr>
-                </a:tc>
-                <a:tc>
-                  <a:txBody>
-                    <a:bodyPr/>
-                    <a:lstStyle/>
-                    <a:p>
-                      <a:pPr algn="ctr" rtl="0"/>
-                      <a:r>
-                        <a:rPr lang="en-GB">
-                          <a:solidFill>
-                            <a:schemeClr val="tx1"/>
-                          </a:solidFill>
-                        </a:rPr>
-                        <a:t>1.7</a:t>
-                      </a:r>
-                    </a:p>
-                  </a:txBody>
-                  <a:tcPr anchor="ctr">
-                    <a:lnL w="9525" cap="flat" cmpd="sng" algn="ctr">
-                      <a:solidFill>
-                        <a:schemeClr val="tx1"/>
-                      </a:solidFill>
-                      <a:prstDash val="solid"/>
-                      <a:round/>
-                      <a:headEnd type="none" w="med" len="med"/>
-                      <a:tailEnd type="none" w="med" len="med"/>
-                    </a:lnL>
-                    <a:lnR w="9525" cap="flat" cmpd="sng" algn="ctr">
-                      <a:solidFill>
-                        <a:schemeClr val="tx1"/>
-                      </a:solidFill>
-                      <a:prstDash val="solid"/>
-                      <a:round/>
-                      <a:headEnd type="none" w="med" len="med"/>
-                      <a:tailEnd type="none" w="med" len="med"/>
-                    </a:lnR>
-                    <a:lnT w="9525" cap="flat" cmpd="sng" algn="ctr">
-                      <a:solidFill>
-                        <a:schemeClr val="tx1"/>
-                      </a:solidFill>
-                      <a:prstDash val="solid"/>
-                      <a:round/>
-                      <a:headEnd type="none" w="med" len="med"/>
-                      <a:tailEnd type="none" w="med" len="med"/>
-                    </a:lnT>
-                    <a:lnB w="9525" cap="flat" cmpd="sng" algn="ctr">
-                      <a:solidFill>
-                        <a:schemeClr val="tx1"/>
-                      </a:solidFill>
-                      <a:prstDash val="solid"/>
-                      <a:round/>
-                      <a:headEnd type="none" w="med" len="med"/>
-                      <a:tailEnd type="none" w="med" len="med"/>
-                    </a:lnB>
-                    <a:noFill/>
-                  </a:tcPr>
-                </a:tc>
-                <a:tc>
-                  <a:txBody>
-                    <a:bodyPr/>
-                    <a:lstStyle/>
-                    <a:p>
-                      <a:pPr algn="ctr" rtl="0"/>
-                      <a:r>
-                        <a:rPr lang="en-GB">
-                          <a:solidFill>
-                            <a:schemeClr val="tx1"/>
-                          </a:solidFill>
-                        </a:rPr>
-                        <a:t>2.5</a:t>
-                      </a:r>
-                    </a:p>
-                  </a:txBody>
-                  <a:tcPr anchor="ctr">
-                    <a:lnL w="9525" cap="flat" cmpd="sng" algn="ctr">
-                      <a:solidFill>
-                        <a:schemeClr val="tx1"/>
-                      </a:solidFill>
-                      <a:prstDash val="solid"/>
-                      <a:round/>
-                      <a:headEnd type="none" w="med" len="med"/>
-                      <a:tailEnd type="none" w="med" len="med"/>
-                    </a:lnL>
-                    <a:lnR w="9525" cap="flat" cmpd="sng" algn="ctr">
-                      <a:solidFill>
-                        <a:schemeClr val="tx1"/>
-                      </a:solidFill>
-                      <a:prstDash val="solid"/>
-                      <a:round/>
-                      <a:headEnd type="none" w="med" len="med"/>
-                      <a:tailEnd type="none" w="med" len="med"/>
-                    </a:lnR>
-                    <a:lnT w="9525" cap="flat" cmpd="sng" algn="ctr">
-                      <a:solidFill>
-                        <a:schemeClr val="tx1"/>
-                      </a:solidFill>
-                      <a:prstDash val="solid"/>
-                      <a:round/>
-                      <a:headEnd type="none" w="med" len="med"/>
-                      <a:tailEnd type="none" w="med" len="med"/>
-                    </a:lnT>
-                    <a:lnB w="9525" cap="flat" cmpd="sng" algn="ctr">
-                      <a:solidFill>
-                        <a:schemeClr val="tx1"/>
-                      </a:solidFill>
-                      <a:prstDash val="solid"/>
-                      <a:round/>
-                      <a:headEnd type="none" w="med" len="med"/>
-                      <a:tailEnd type="none" w="med" len="med"/>
-                    </a:lnB>
-                    <a:noFill/>
-                  </a:tcPr>
-                </a:tc>
-                <a:tc>
-                  <a:txBody>
-                    <a:bodyPr/>
-                    <a:lstStyle/>
-                    <a:p>
-                      <a:pPr algn="ctr" rtl="0"/>
-                      <a:r>
-                        <a:rPr lang="en-GB">
-                          <a:solidFill>
-                            <a:schemeClr val="tx1"/>
-                          </a:solidFill>
-                        </a:rPr>
-                        <a:t>2.8</a:t>
-                      </a:r>
-                    </a:p>
-                  </a:txBody>
-                  <a:tcPr anchor="ctr">
-                    <a:lnL w="9525" cap="flat" cmpd="sng" algn="ctr">
-                      <a:solidFill>
-                        <a:schemeClr val="tx1"/>
-                      </a:solidFill>
-                      <a:prstDash val="solid"/>
-                      <a:round/>
-                      <a:headEnd type="none" w="med" len="med"/>
-                      <a:tailEnd type="none" w="med" len="med"/>
-                    </a:lnL>
-                    <a:lnR w="9525" cap="flat" cmpd="sng" algn="ctr">
-                      <a:solidFill>
-                        <a:schemeClr val="tx1"/>
-                      </a:solidFill>
-                      <a:prstDash val="solid"/>
-                      <a:round/>
-                      <a:headEnd type="none" w="med" len="med"/>
-                      <a:tailEnd type="none" w="med" len="med"/>
-                    </a:lnR>
-                    <a:lnT w="9525" cap="flat" cmpd="sng" algn="ctr">
-                      <a:solidFill>
-                        <a:schemeClr val="tx1"/>
-                      </a:solidFill>
-                      <a:prstDash val="solid"/>
-                      <a:round/>
-                      <a:headEnd type="none" w="med" len="med"/>
-                      <a:tailEnd type="none" w="med" len="med"/>
-                    </a:lnT>
-                    <a:lnB w="9525" cap="flat" cmpd="sng" algn="ctr">
-                      <a:solidFill>
-                        <a:schemeClr val="tx1"/>
-                      </a:solidFill>
-                      <a:prstDash val="solid"/>
-                      <a:round/>
-                      <a:headEnd type="none" w="med" len="med"/>
-                      <a:tailEnd type="none" w="med" len="med"/>
-                    </a:lnB>
-                    <a:noFill/>
-                  </a:tcPr>
-                </a:tc>
-                <a:extLst>
-                  <a:ext uri="{0D108BD9-81ED-4DB2-BD59-A6C34878D82A}">
-                    <a16:rowId xmlns:a16="http://schemas.microsoft.com/office/drawing/2014/main" val="3796691047"/>
-                  </a:ext>
-                </a:extLst>
-              </a:tr>
-              <a:tr h="493344">
-                <a:tc>
-                  <a:txBody>
-                    <a:bodyPr/>
-                    <a:lstStyle/>
-                    <a:p>
-                      <a:pPr algn="ctr" rtl="0"/>
-                      <a:r>
-                        <a:rPr lang="en-GB">
-                          <a:solidFill>
-                            <a:schemeClr val="tx1"/>
-                          </a:solidFill>
-                        </a:rPr>
-                        <a:t>Item 4</a:t>
-                      </a:r>
-                    </a:p>
-                  </a:txBody>
-                  <a:tcPr anchor="ctr">
-                    <a:lnL w="9525" cap="flat" cmpd="sng" algn="ctr">
-                      <a:solidFill>
-                        <a:schemeClr val="tx1"/>
-                      </a:solidFill>
-                      <a:prstDash val="solid"/>
-                      <a:round/>
-                      <a:headEnd type="none" w="med" len="med"/>
-                      <a:tailEnd type="none" w="med" len="med"/>
-                    </a:lnL>
-                    <a:lnR w="9525" cap="flat" cmpd="sng" algn="ctr">
-                      <a:solidFill>
-                        <a:schemeClr val="tx1"/>
-                      </a:solidFill>
-                      <a:prstDash val="solid"/>
-                      <a:round/>
-                      <a:headEnd type="none" w="med" len="med"/>
-                      <a:tailEnd type="none" w="med" len="med"/>
-                    </a:lnR>
-                    <a:lnT w="9525" cap="flat" cmpd="sng" algn="ctr">
-                      <a:solidFill>
-                        <a:schemeClr val="tx1"/>
-                      </a:solidFill>
-                      <a:prstDash val="solid"/>
-                      <a:round/>
-                      <a:headEnd type="none" w="med" len="med"/>
-                      <a:tailEnd type="none" w="med" len="med"/>
-                    </a:lnT>
-                    <a:lnB w="9525" cap="flat" cmpd="sng" algn="ctr">
-                      <a:solidFill>
-                        <a:schemeClr val="tx1"/>
-                      </a:solidFill>
-                      <a:prstDash val="solid"/>
-                      <a:round/>
-                      <a:headEnd type="none" w="med" len="med"/>
-                      <a:tailEnd type="none" w="med" len="med"/>
-                    </a:lnB>
-                    <a:noFill/>
-                  </a:tcPr>
-                </a:tc>
-                <a:tc>
-                  <a:txBody>
-                    <a:bodyPr/>
-                    <a:lstStyle/>
-                    <a:p>
-                      <a:pPr algn="ctr" rtl="0"/>
-                      <a:r>
-                        <a:rPr lang="en-GB">
-                          <a:solidFill>
-                            <a:schemeClr val="tx1"/>
-                          </a:solidFill>
-                        </a:rPr>
-                        <a:t>4.5</a:t>
-                      </a:r>
-                    </a:p>
-                  </a:txBody>
-                  <a:tcPr anchor="ctr">
-                    <a:lnL w="9525" cap="flat" cmpd="sng" algn="ctr">
-                      <a:solidFill>
-                        <a:schemeClr val="tx1"/>
-                      </a:solidFill>
-                      <a:prstDash val="solid"/>
-                      <a:round/>
-                      <a:headEnd type="none" w="med" len="med"/>
-                      <a:tailEnd type="none" w="med" len="med"/>
-                    </a:lnL>
-                    <a:lnR w="9525" cap="flat" cmpd="sng" algn="ctr">
-                      <a:solidFill>
-                        <a:schemeClr val="tx1"/>
-                      </a:solidFill>
-                      <a:prstDash val="solid"/>
-                      <a:round/>
-                      <a:headEnd type="none" w="med" len="med"/>
-                      <a:tailEnd type="none" w="med" len="med"/>
-                    </a:lnR>
-                    <a:lnT w="9525" cap="flat" cmpd="sng" algn="ctr">
-                      <a:solidFill>
-                        <a:schemeClr val="tx1"/>
-                      </a:solidFill>
-                      <a:prstDash val="solid"/>
-                      <a:round/>
-                      <a:headEnd type="none" w="med" len="med"/>
-                      <a:tailEnd type="none" w="med" len="med"/>
-                    </a:lnT>
-                    <a:lnB w="9525" cap="flat" cmpd="sng" algn="ctr">
-                      <a:solidFill>
-                        <a:schemeClr val="tx1"/>
-                      </a:solidFill>
-                      <a:prstDash val="solid"/>
-                      <a:round/>
-                      <a:headEnd type="none" w="med" len="med"/>
-                      <a:tailEnd type="none" w="med" len="med"/>
-                    </a:lnB>
-                    <a:noFill/>
-                  </a:tcPr>
-                </a:tc>
-                <a:tc>
-                  <a:txBody>
-                    <a:bodyPr/>
-                    <a:lstStyle/>
-                    <a:p>
-                      <a:pPr algn="ctr" rtl="0"/>
-                      <a:r>
-                        <a:rPr lang="en-GB">
-                          <a:solidFill>
-                            <a:schemeClr val="tx1"/>
-                          </a:solidFill>
-                        </a:rPr>
-                        <a:t>2.2</a:t>
-                      </a:r>
-                    </a:p>
-                  </a:txBody>
-                  <a:tcPr anchor="ctr">
-                    <a:lnL w="9525" cap="flat" cmpd="sng" algn="ctr">
-                      <a:solidFill>
-                        <a:schemeClr val="tx1"/>
-                      </a:solidFill>
-                      <a:prstDash val="solid"/>
-                      <a:round/>
-                      <a:headEnd type="none" w="med" len="med"/>
-                      <a:tailEnd type="none" w="med" len="med"/>
-                    </a:lnL>
-                    <a:lnR w="9525" cap="flat" cmpd="sng" algn="ctr">
-                      <a:solidFill>
-                        <a:schemeClr val="tx1"/>
-                      </a:solidFill>
-                      <a:prstDash val="solid"/>
-                      <a:round/>
-                      <a:headEnd type="none" w="med" len="med"/>
-                      <a:tailEnd type="none" w="med" len="med"/>
-                    </a:lnR>
-                    <a:lnT w="9525" cap="flat" cmpd="sng" algn="ctr">
-                      <a:solidFill>
-                        <a:schemeClr val="tx1"/>
-                      </a:solidFill>
-                      <a:prstDash val="solid"/>
-                      <a:round/>
-                      <a:headEnd type="none" w="med" len="med"/>
-                      <a:tailEnd type="none" w="med" len="med"/>
-                    </a:lnT>
-                    <a:lnB w="9525" cap="flat" cmpd="sng" algn="ctr">
-                      <a:solidFill>
-                        <a:schemeClr val="tx1"/>
-                      </a:solidFill>
-                      <a:prstDash val="solid"/>
-                      <a:round/>
-                      <a:headEnd type="none" w="med" len="med"/>
-                      <a:tailEnd type="none" w="med" len="med"/>
-                    </a:lnB>
-                    <a:noFill/>
-                  </a:tcPr>
-                </a:tc>
-                <a:tc>
-                  <a:txBody>
-                    <a:bodyPr/>
-                    <a:lstStyle/>
-                    <a:p>
-                      <a:pPr algn="ctr" rtl="0"/>
-                      <a:r>
-                        <a:rPr lang="en-GB">
-                          <a:solidFill>
-                            <a:schemeClr val="tx1"/>
-                          </a:solidFill>
-                        </a:rPr>
-                        <a:t>1.7</a:t>
-                      </a:r>
-                    </a:p>
-                  </a:txBody>
-                  <a:tcPr anchor="ctr">
-                    <a:lnL w="9525" cap="flat" cmpd="sng" algn="ctr">
-                      <a:solidFill>
-                        <a:schemeClr val="tx1"/>
-                      </a:solidFill>
-                      <a:prstDash val="solid"/>
-                      <a:round/>
-                      <a:headEnd type="none" w="med" len="med"/>
-                      <a:tailEnd type="none" w="med" len="med"/>
-                    </a:lnL>
-                    <a:lnR w="9525" cap="flat" cmpd="sng" algn="ctr">
-                      <a:solidFill>
-                        <a:schemeClr val="tx1"/>
-                      </a:solidFill>
-                      <a:prstDash val="solid"/>
-                      <a:round/>
-                      <a:headEnd type="none" w="med" len="med"/>
-                      <a:tailEnd type="none" w="med" len="med"/>
-                    </a:lnR>
-                    <a:lnT w="9525" cap="flat" cmpd="sng" algn="ctr">
-                      <a:solidFill>
-                        <a:schemeClr val="tx1"/>
-                      </a:solidFill>
-                      <a:prstDash val="solid"/>
-                      <a:round/>
-                      <a:headEnd type="none" w="med" len="med"/>
-                      <a:tailEnd type="none" w="med" len="med"/>
-                    </a:lnT>
-                    <a:lnB w="9525" cap="flat" cmpd="sng" algn="ctr">
-                      <a:solidFill>
-                        <a:schemeClr val="tx1"/>
-                      </a:solidFill>
-                      <a:prstDash val="solid"/>
-                      <a:round/>
-                      <a:headEnd type="none" w="med" len="med"/>
-                      <a:tailEnd type="none" w="med" len="med"/>
-                    </a:lnB>
-                    <a:noFill/>
-                  </a:tcPr>
-                </a:tc>
-                <a:tc>
-                  <a:txBody>
-                    <a:bodyPr/>
-                    <a:lstStyle/>
-                    <a:p>
-                      <a:pPr algn="ctr" rtl="0"/>
-                      <a:r>
-                        <a:rPr lang="en-GB">
-                          <a:solidFill>
-                            <a:schemeClr val="tx1"/>
-                          </a:solidFill>
-                        </a:rPr>
-                        <a:t>7</a:t>
-                      </a:r>
-                    </a:p>
-                  </a:txBody>
-                  <a:tcPr anchor="ctr">
-                    <a:lnL w="9525" cap="flat" cmpd="sng" algn="ctr">
-                      <a:solidFill>
-                        <a:schemeClr val="tx1"/>
-                      </a:solidFill>
-                      <a:prstDash val="solid"/>
-                      <a:round/>
-                      <a:headEnd type="none" w="med" len="med"/>
-                      <a:tailEnd type="none" w="med" len="med"/>
-                    </a:lnL>
-                    <a:lnR w="9525" cap="flat" cmpd="sng" algn="ctr">
-                      <a:solidFill>
-                        <a:schemeClr val="tx1"/>
-                      </a:solidFill>
-                      <a:prstDash val="solid"/>
-                      <a:round/>
-                      <a:headEnd type="none" w="med" len="med"/>
-                      <a:tailEnd type="none" w="med" len="med"/>
-                    </a:lnR>
-                    <a:lnT w="9525" cap="flat" cmpd="sng" algn="ctr">
-                      <a:solidFill>
-                        <a:schemeClr val="tx1"/>
-                      </a:solidFill>
-                      <a:prstDash val="solid"/>
-                      <a:round/>
-                      <a:headEnd type="none" w="med" len="med"/>
-                      <a:tailEnd type="none" w="med" len="med"/>
-                    </a:lnT>
-                    <a:lnB w="9525" cap="flat" cmpd="sng" algn="ctr">
-                      <a:solidFill>
-                        <a:schemeClr val="tx1"/>
-                      </a:solidFill>
-                      <a:prstDash val="solid"/>
-                      <a:round/>
-                      <a:headEnd type="none" w="med" len="med"/>
-                      <a:tailEnd type="none" w="med" len="med"/>
-                    </a:lnB>
-                    <a:noFill/>
-                  </a:tcPr>
-                </a:tc>
-                <a:extLst>
-                  <a:ext uri="{0D108BD9-81ED-4DB2-BD59-A6C34878D82A}">
-                    <a16:rowId xmlns:a16="http://schemas.microsoft.com/office/drawing/2014/main" val="3721269701"/>
-                  </a:ext>
-                </a:extLst>
-              </a:tr>
-            </a:tbl>
-          </a:graphicData>
-        </a:graphic>
-      </p:graphicFrame>
-      <p:sp>
-        <p:nvSpPr>
-          <p:cNvPr id="14" name="Date Placeholder 13">
-            <a:extLst>
-              <a:ext uri="{FF2B5EF4-FFF2-40B4-BE49-F238E27FC236}">
-                <a16:creationId xmlns:a16="http://schemas.microsoft.com/office/drawing/2014/main" id="{DC738669-5750-45EA-9715-A0041D4C569B}"/>
+              <a:t>from savings</a:t>
+            </a:r>
+          </a:p>
+          <a:p>
+            <a:r>
+              <a:rPr lang="en-GB" dirty="0"/>
+              <a:t>Research and record inflation rates and interest rates</a:t>
+            </a:r>
+          </a:p>
+          <a:p>
+            <a:r>
+              <a:rPr lang="en-GB" dirty="0"/>
+              <a:t>Generate an AI to predict the future growth of the user’s savings</a:t>
+            </a:r>
+          </a:p>
+        </p:txBody>
+      </p:sp>
+      <p:sp>
+        <p:nvSpPr>
+          <p:cNvPr id="7" name="Date Placeholder 6">
+            <a:extLst>
+              <a:ext uri="{FF2B5EF4-FFF2-40B4-BE49-F238E27FC236}">
+                <a16:creationId xmlns:a16="http://schemas.microsoft.com/office/drawing/2014/main" id="{FC964D91-D96E-961C-C0AD-47C21B54E671}"/>
               </a:ext>
             </a:extLst>
           </p:cNvPr>
@@ -17156,14 +15020,9 @@
             <p:ph type="dt" sz="half" idx="10"/>
           </p:nvPr>
         </p:nvSpPr>
-        <p:spPr>
-          <a:xfrm>
-            <a:off x="550863" y="6507212"/>
-            <a:ext cx="2628900" cy="153888"/>
-          </a:xfrm>
-        </p:spPr>
-        <p:txBody>
-          <a:bodyPr rtlCol="0"/>
+        <p:spPr/>
+        <p:txBody>
+          <a:bodyPr/>
           <a:lstStyle/>
           <a:p>
             <a:pPr rtl="0"/>
@@ -17176,10 +15035,10 @@
       </p:sp>
       <p:sp>
         <p:nvSpPr>
-          <p:cNvPr id="15" name="Footer Placeholder 14">
-            <a:extLst>
-              <a:ext uri="{FF2B5EF4-FFF2-40B4-BE49-F238E27FC236}">
-                <a16:creationId xmlns:a16="http://schemas.microsoft.com/office/drawing/2014/main" id="{CD05A243-8080-4F6D-8538-65CDDF891BA6}"/>
+          <p:cNvPr id="8" name="Footer Placeholder 7">
+            <a:extLst>
+              <a:ext uri="{FF2B5EF4-FFF2-40B4-BE49-F238E27FC236}">
+                <a16:creationId xmlns:a16="http://schemas.microsoft.com/office/drawing/2014/main" id="{D227078E-1FF2-8CAB-46DB-3318023AC94E}"/>
               </a:ext>
             </a:extLst>
           </p:cNvPr>
@@ -17190,14 +15049,9 @@
             <p:ph type="ftr" sz="quarter" idx="11"/>
           </p:nvPr>
         </p:nvSpPr>
-        <p:spPr>
-          <a:xfrm>
-            <a:off x="3359150" y="6507212"/>
-            <a:ext cx="6379210" cy="153888"/>
-          </a:xfrm>
-        </p:spPr>
-        <p:txBody>
-          <a:bodyPr rtlCol="0"/>
+        <p:spPr/>
+        <p:txBody>
+          <a:bodyPr/>
           <a:lstStyle/>
           <a:p>
             <a:pPr rtl="0"/>
@@ -17210,10 +15064,10 @@
       </p:sp>
       <p:sp>
         <p:nvSpPr>
-          <p:cNvPr id="16" name="Slide Number Placeholder 15">
-            <a:extLst>
-              <a:ext uri="{FF2B5EF4-FFF2-40B4-BE49-F238E27FC236}">
-                <a16:creationId xmlns:a16="http://schemas.microsoft.com/office/drawing/2014/main" id="{3F8A62C8-5437-4C47-AC0F-0605F84CBA57}"/>
+          <p:cNvPr id="9" name="Slide Number Placeholder 8">
+            <a:extLst>
+              <a:ext uri="{FF2B5EF4-FFF2-40B4-BE49-F238E27FC236}">
+                <a16:creationId xmlns:a16="http://schemas.microsoft.com/office/drawing/2014/main" id="{45CF9CB5-67BB-6CC9-341B-5F643FD8C38B}"/>
               </a:ext>
             </a:extLst>
           </p:cNvPr>
@@ -17224,20 +15078,14 @@
             <p:ph type="sldNum" sz="quarter" idx="12"/>
           </p:nvPr>
         </p:nvSpPr>
-        <p:spPr>
-          <a:xfrm>
-            <a:off x="9948863" y="6507212"/>
-            <a:ext cx="1692274" cy="153888"/>
-          </a:xfrm>
-        </p:spPr>
-        <p:txBody>
-          <a:bodyPr rtlCol="0"/>
+        <p:spPr/>
+        <p:txBody>
+          <a:bodyPr/>
           <a:lstStyle/>
           <a:p>
             <a:pPr rtl="0"/>
             <a:fld id="{DBA1B0FB-D917-4C8C-928F-313BD683BF39}" type="slidenum">
               <a:rPr lang="en-GB" smtClean="0"/>
-              <a:pPr rtl="0"/>
               <a:t>12</a:t>
             </a:fld>
             <a:endParaRPr lang="en-GB"/>
@@ -17247,7 +15095,7 @@
     </p:spTree>
     <p:extLst>
       <p:ext uri="{BB962C8B-B14F-4D97-AF65-F5344CB8AC3E}">
-        <p14:creationId xmlns:p14="http://schemas.microsoft.com/office/powerpoint/2010/main" val="2496947791"/>
+        <p14:creationId xmlns:p14="http://schemas.microsoft.com/office/powerpoint/2010/main" val="3389824434"/>
       </p:ext>
     </p:extLst>
   </p:cSld>
@@ -17276,506 +15124,6 @@
       </p:grpSpPr>
       <p:sp>
         <p:nvSpPr>
-          <p:cNvPr id="7" name="Title 6">
-            <a:extLst>
-              <a:ext uri="{FF2B5EF4-FFF2-40B4-BE49-F238E27FC236}">
-                <a16:creationId xmlns:a16="http://schemas.microsoft.com/office/drawing/2014/main" id="{47788B34-4190-4916-9048-47720EA5ABF1}"/>
-              </a:ext>
-            </a:extLst>
-          </p:cNvPr>
-          <p:cNvSpPr>
-            <a:spLocks noGrp="1"/>
-          </p:cNvSpPr>
-          <p:nvPr>
-            <p:ph type="title"/>
-          </p:nvPr>
-        </p:nvSpPr>
-        <p:spPr>
-          <a:xfrm>
-            <a:off x="550862" y="549275"/>
-            <a:ext cx="11097551" cy="1332000"/>
-          </a:xfrm>
-        </p:spPr>
-        <p:txBody>
-          <a:bodyPr rtlCol="0"/>
-          <a:lstStyle/>
-          <a:p>
-            <a:pPr rtl="0"/>
-            <a:r>
-              <a:rPr lang="en-GB"/>
-              <a:t>Content 2 </a:t>
-            </a:r>
-          </a:p>
-        </p:txBody>
-      </p:sp>
-      <p:sp>
-        <p:nvSpPr>
-          <p:cNvPr id="8" name="Text Placeholder 7">
-            <a:extLst>
-              <a:ext uri="{FF2B5EF4-FFF2-40B4-BE49-F238E27FC236}">
-                <a16:creationId xmlns:a16="http://schemas.microsoft.com/office/drawing/2014/main" id="{ABA415A0-3B77-43FB-A408-5F1DA4B0AAFA}"/>
-              </a:ext>
-            </a:extLst>
-          </p:cNvPr>
-          <p:cNvSpPr>
-            <a:spLocks noGrp="1"/>
-          </p:cNvSpPr>
-          <p:nvPr>
-            <p:ph type="body" idx="1"/>
-          </p:nvPr>
-        </p:nvSpPr>
-        <p:spPr>
-          <a:xfrm>
-            <a:off x="550864" y="1731375"/>
-            <a:ext cx="3563936" cy="535354"/>
-          </a:xfrm>
-        </p:spPr>
-        <p:txBody>
-          <a:bodyPr rtlCol="0"/>
-          <a:lstStyle/>
-          <a:p>
-            <a:pPr rtl="0"/>
-            <a:r>
-              <a:rPr lang="en-GB"/>
-              <a:t>Subtitle</a:t>
-            </a:r>
-          </a:p>
-        </p:txBody>
-      </p:sp>
-      <p:sp>
-        <p:nvSpPr>
-          <p:cNvPr id="9" name="Content Placeholder 8">
-            <a:extLst>
-              <a:ext uri="{FF2B5EF4-FFF2-40B4-BE49-F238E27FC236}">
-                <a16:creationId xmlns:a16="http://schemas.microsoft.com/office/drawing/2014/main" id="{8598ECEC-4413-4244-8F21-0076EC511806}"/>
-              </a:ext>
-            </a:extLst>
-          </p:cNvPr>
-          <p:cNvSpPr>
-            <a:spLocks noGrp="1"/>
-          </p:cNvSpPr>
-          <p:nvPr>
-            <p:ph sz="half" idx="2"/>
-          </p:nvPr>
-        </p:nvSpPr>
-        <p:spPr>
-          <a:xfrm>
-            <a:off x="559476" y="2432304"/>
-            <a:ext cx="3563936" cy="3515555"/>
-          </a:xfrm>
-        </p:spPr>
-        <p:txBody>
-          <a:bodyPr rtlCol="0">
-            <a:noAutofit/>
-          </a:bodyPr>
-          <a:lstStyle/>
-          <a:p>
-            <a:pPr lvl="0" rtl="0">
-              <a:lnSpc>
-                <a:spcPct val="100000"/>
-              </a:lnSpc>
-            </a:pPr>
-            <a:r>
-              <a:rPr lang="en-GB" sz="1700" dirty="0"/>
-              <a:t>Add text, images, art, and videos. </a:t>
-            </a:r>
-          </a:p>
-          <a:p>
-            <a:pPr lvl="0" rtl="0">
-              <a:lnSpc>
-                <a:spcPct val="100000"/>
-              </a:lnSpc>
-            </a:pPr>
-            <a:r>
-              <a:rPr lang="en-GB" sz="1700" dirty="0"/>
-              <a:t>Add transitions, animations, and motion. </a:t>
-            </a:r>
-          </a:p>
-          <a:p>
-            <a:pPr lvl="0" rtl="0">
-              <a:lnSpc>
-                <a:spcPct val="100000"/>
-              </a:lnSpc>
-            </a:pPr>
-            <a:r>
-              <a:rPr lang="en-GB" sz="1700" dirty="0"/>
-              <a:t>Save to OneDrive, to get to your presentations from your computer, tablet, or phone. </a:t>
-            </a:r>
-          </a:p>
-          <a:p>
-            <a:pPr rtl="0">
-              <a:lnSpc>
-                <a:spcPct val="100000"/>
-              </a:lnSpc>
-            </a:pPr>
-            <a:r>
-              <a:rPr lang="en-GB" sz="1700" dirty="0"/>
-              <a:t>Open the Design Ideas pane for instant slide makeovers. </a:t>
-            </a:r>
-          </a:p>
-          <a:p>
-            <a:pPr rtl="0">
-              <a:lnSpc>
-                <a:spcPct val="100000"/>
-              </a:lnSpc>
-            </a:pPr>
-            <a:r>
-              <a:rPr lang="en-GB" sz="1700" dirty="0"/>
-              <a:t>When we have design ideas, we’ll show them to you right there. </a:t>
-            </a:r>
-          </a:p>
-          <a:p>
-            <a:pPr lvl="0" rtl="0">
-              <a:lnSpc>
-                <a:spcPct val="100000"/>
-              </a:lnSpc>
-            </a:pPr>
-            <a:endParaRPr lang="en-GB" sz="1700" dirty="0"/>
-          </a:p>
-          <a:p>
-            <a:pPr rtl="0">
-              <a:lnSpc>
-                <a:spcPct val="100000"/>
-              </a:lnSpc>
-            </a:pPr>
-            <a:endParaRPr lang="en-GB" sz="1700" dirty="0"/>
-          </a:p>
-        </p:txBody>
-      </p:sp>
-      <p:sp>
-        <p:nvSpPr>
-          <p:cNvPr id="12" name="Text Placeholder 11">
-            <a:extLst>
-              <a:ext uri="{FF2B5EF4-FFF2-40B4-BE49-F238E27FC236}">
-                <a16:creationId xmlns:a16="http://schemas.microsoft.com/office/drawing/2014/main" id="{3A63626D-0E6E-4023-ABFC-A744C9862159}"/>
-              </a:ext>
-            </a:extLst>
-          </p:cNvPr>
-          <p:cNvSpPr>
-            <a:spLocks noGrp="1"/>
-          </p:cNvSpPr>
-          <p:nvPr>
-            <p:ph type="body" sz="quarter" idx="13"/>
-          </p:nvPr>
-        </p:nvSpPr>
-        <p:spPr>
-          <a:xfrm>
-            <a:off x="4341573" y="1731375"/>
-            <a:ext cx="3566160" cy="535354"/>
-          </a:xfrm>
-        </p:spPr>
-        <p:txBody>
-          <a:bodyPr rtlCol="0"/>
-          <a:lstStyle/>
-          <a:p>
-            <a:pPr rtl="0"/>
-            <a:r>
-              <a:rPr lang="en-GB"/>
-              <a:t>subtitle</a:t>
-            </a:r>
-          </a:p>
-        </p:txBody>
-      </p:sp>
-      <p:sp>
-        <p:nvSpPr>
-          <p:cNvPr id="13" name="Content Placeholder 12">
-            <a:extLst>
-              <a:ext uri="{FF2B5EF4-FFF2-40B4-BE49-F238E27FC236}">
-                <a16:creationId xmlns:a16="http://schemas.microsoft.com/office/drawing/2014/main" id="{258E9390-685C-4BAD-BFAD-EC56E81C4745}"/>
-              </a:ext>
-            </a:extLst>
-          </p:cNvPr>
-          <p:cNvSpPr>
-            <a:spLocks noGrp="1"/>
-          </p:cNvSpPr>
-          <p:nvPr>
-            <p:ph sz="quarter" idx="14"/>
-          </p:nvPr>
-        </p:nvSpPr>
-        <p:spPr>
-          <a:xfrm>
-            <a:off x="4341573" y="2427370"/>
-            <a:ext cx="3508755" cy="3515555"/>
-          </a:xfrm>
-        </p:spPr>
-        <p:txBody>
-          <a:bodyPr rtlCol="0">
-            <a:normAutofit lnSpcReduction="10000"/>
-          </a:bodyPr>
-          <a:lstStyle/>
-          <a:p>
-            <a:pPr lvl="0" rtl="0"/>
-            <a:r>
-              <a:rPr lang="en-GB" dirty="0"/>
-              <a:t>Add text, images, art, and videos. </a:t>
-            </a:r>
-          </a:p>
-          <a:p>
-            <a:pPr lvl="0" rtl="0"/>
-            <a:r>
-              <a:rPr lang="en-GB" dirty="0"/>
-              <a:t>Add transitions, animations, and motion. </a:t>
-            </a:r>
-          </a:p>
-          <a:p>
-            <a:pPr lvl="0" rtl="0"/>
-            <a:r>
-              <a:rPr lang="en-GB" dirty="0"/>
-              <a:t>Save to OneDrive, to get to your presentations from your computer, tablet, or phone. </a:t>
-            </a:r>
-          </a:p>
-          <a:p>
-            <a:pPr rtl="0"/>
-            <a:r>
-              <a:rPr lang="en-GB" dirty="0"/>
-              <a:t>Open the Design Ideas pane for instant slide makeovers. </a:t>
-            </a:r>
-          </a:p>
-          <a:p>
-            <a:pPr rtl="0"/>
-            <a:r>
-              <a:rPr lang="en-GB" dirty="0"/>
-              <a:t>When we have design ideas, we’ll show them to you right there.</a:t>
-            </a:r>
-          </a:p>
-        </p:txBody>
-      </p:sp>
-      <p:sp>
-        <p:nvSpPr>
-          <p:cNvPr id="10" name="Text Placeholder 9">
-            <a:extLst>
-              <a:ext uri="{FF2B5EF4-FFF2-40B4-BE49-F238E27FC236}">
-                <a16:creationId xmlns:a16="http://schemas.microsoft.com/office/drawing/2014/main" id="{34A9BC34-CFDB-4D7A-8D6C-1CE608D0909F}"/>
-              </a:ext>
-            </a:extLst>
-          </p:cNvPr>
-          <p:cNvSpPr>
-            <a:spLocks noGrp="1"/>
-          </p:cNvSpPr>
-          <p:nvPr>
-            <p:ph type="body" sz="quarter" idx="3"/>
-          </p:nvPr>
-        </p:nvSpPr>
-        <p:spPr>
-          <a:xfrm>
-            <a:off x="8139659" y="1731375"/>
-            <a:ext cx="3566160" cy="535354"/>
-          </a:xfrm>
-        </p:spPr>
-        <p:txBody>
-          <a:bodyPr rtlCol="0"/>
-          <a:lstStyle/>
-          <a:p>
-            <a:pPr rtl="0"/>
-            <a:r>
-              <a:rPr lang="en-GB"/>
-              <a:t>subtitle</a:t>
-            </a:r>
-            <a:endParaRPr lang="en-GB" dirty="0"/>
-          </a:p>
-        </p:txBody>
-      </p:sp>
-      <p:sp>
-        <p:nvSpPr>
-          <p:cNvPr id="11" name="Content Placeholder 10">
-            <a:extLst>
-              <a:ext uri="{FF2B5EF4-FFF2-40B4-BE49-F238E27FC236}">
-                <a16:creationId xmlns:a16="http://schemas.microsoft.com/office/drawing/2014/main" id="{1D014E48-5DD9-49CE-AD5B-0FEF69204F68}"/>
-              </a:ext>
-            </a:extLst>
-          </p:cNvPr>
-          <p:cNvSpPr>
-            <a:spLocks noGrp="1"/>
-          </p:cNvSpPr>
-          <p:nvPr>
-            <p:ph sz="quarter" idx="4"/>
-          </p:nvPr>
-        </p:nvSpPr>
-        <p:spPr>
-          <a:xfrm>
-            <a:off x="8139659" y="2427370"/>
-            <a:ext cx="3508755" cy="3515555"/>
-          </a:xfrm>
-        </p:spPr>
-        <p:txBody>
-          <a:bodyPr rtlCol="0">
-            <a:normAutofit lnSpcReduction="10000"/>
-          </a:bodyPr>
-          <a:lstStyle/>
-          <a:p>
-            <a:pPr lvl="0" rtl="0"/>
-            <a:r>
-              <a:rPr lang="en-GB"/>
-              <a:t>Add text, images, art, and videos. </a:t>
-            </a:r>
-          </a:p>
-          <a:p>
-            <a:pPr lvl="0" rtl="0"/>
-            <a:r>
-              <a:rPr lang="en-GB"/>
-              <a:t>Add transitions, animations, and motion. </a:t>
-            </a:r>
-          </a:p>
-          <a:p>
-            <a:pPr lvl="0" rtl="0"/>
-            <a:r>
-              <a:rPr lang="en-GB"/>
-              <a:t>Save to OneDrive, to get to your presentations from your computer, tablet, or phone. </a:t>
-            </a:r>
-          </a:p>
-          <a:p>
-            <a:pPr rtl="0"/>
-            <a:r>
-              <a:rPr lang="en-GB"/>
-              <a:t>Open the Design Ideas pane for instant slide makeovers. </a:t>
-            </a:r>
-          </a:p>
-          <a:p>
-            <a:pPr rtl="0"/>
-            <a:r>
-              <a:rPr lang="en-GB"/>
-              <a:t>When we have design ideas, we’ll show them to you right there.</a:t>
-            </a:r>
-          </a:p>
-        </p:txBody>
-      </p:sp>
-      <p:sp>
-        <p:nvSpPr>
-          <p:cNvPr id="14" name="Date Placeholder 13">
-            <a:extLst>
-              <a:ext uri="{FF2B5EF4-FFF2-40B4-BE49-F238E27FC236}">
-                <a16:creationId xmlns:a16="http://schemas.microsoft.com/office/drawing/2014/main" id="{D236478C-E242-44E0-8357-C72C9B588CA7}"/>
-              </a:ext>
-            </a:extLst>
-          </p:cNvPr>
-          <p:cNvSpPr>
-            <a:spLocks noGrp="1"/>
-          </p:cNvSpPr>
-          <p:nvPr>
-            <p:ph type="dt" sz="half" idx="10"/>
-          </p:nvPr>
-        </p:nvSpPr>
-        <p:spPr>
-          <a:xfrm>
-            <a:off x="550863" y="6507212"/>
-            <a:ext cx="2628900" cy="153888"/>
-          </a:xfrm>
-        </p:spPr>
-        <p:txBody>
-          <a:bodyPr rtlCol="0"/>
-          <a:lstStyle/>
-          <a:p>
-            <a:pPr rtl="0"/>
-            <a:r>
-              <a:rPr lang="en-GB"/>
-              <a:t>Tuesday, February 2, 20XX</a:t>
-            </a:r>
-            <a:endParaRPr lang="en-GB" dirty="0"/>
-          </a:p>
-        </p:txBody>
-      </p:sp>
-      <p:sp>
-        <p:nvSpPr>
-          <p:cNvPr id="15" name="Footer Placeholder 14">
-            <a:extLst>
-              <a:ext uri="{FF2B5EF4-FFF2-40B4-BE49-F238E27FC236}">
-                <a16:creationId xmlns:a16="http://schemas.microsoft.com/office/drawing/2014/main" id="{65A6DC02-681E-4AF7-AC6E-57CDDB2FBA28}"/>
-              </a:ext>
-            </a:extLst>
-          </p:cNvPr>
-          <p:cNvSpPr>
-            <a:spLocks noGrp="1"/>
-          </p:cNvSpPr>
-          <p:nvPr>
-            <p:ph type="ftr" sz="quarter" idx="11"/>
-          </p:nvPr>
-        </p:nvSpPr>
-        <p:spPr>
-          <a:xfrm>
-            <a:off x="3359150" y="6507212"/>
-            <a:ext cx="6379210" cy="153888"/>
-          </a:xfrm>
-        </p:spPr>
-        <p:txBody>
-          <a:bodyPr rtlCol="0"/>
-          <a:lstStyle/>
-          <a:p>
-            <a:pPr rtl="0"/>
-            <a:r>
-              <a:rPr lang="en-GB"/>
-              <a:t>Sample Footer Text</a:t>
-            </a:r>
-          </a:p>
-        </p:txBody>
-      </p:sp>
-      <p:sp>
-        <p:nvSpPr>
-          <p:cNvPr id="16" name="Slide Number Placeholder 15">
-            <a:extLst>
-              <a:ext uri="{FF2B5EF4-FFF2-40B4-BE49-F238E27FC236}">
-                <a16:creationId xmlns:a16="http://schemas.microsoft.com/office/drawing/2014/main" id="{CF0A8666-4477-461C-A79D-E91232EE973E}"/>
-              </a:ext>
-            </a:extLst>
-          </p:cNvPr>
-          <p:cNvSpPr>
-            <a:spLocks noGrp="1"/>
-          </p:cNvSpPr>
-          <p:nvPr>
-            <p:ph type="sldNum" sz="quarter" idx="12"/>
-          </p:nvPr>
-        </p:nvSpPr>
-        <p:spPr>
-          <a:xfrm>
-            <a:off x="9948863" y="6507212"/>
-            <a:ext cx="1692274" cy="153888"/>
-          </a:xfrm>
-        </p:spPr>
-        <p:txBody>
-          <a:bodyPr rtlCol="0"/>
-          <a:lstStyle/>
-          <a:p>
-            <a:pPr rtl="0"/>
-            <a:fld id="{DBA1B0FB-D917-4C8C-928F-313BD683BF39}" type="slidenum">
-              <a:rPr lang="en-GB" smtClean="0"/>
-              <a:pPr rtl="0"/>
-              <a:t>13</a:t>
-            </a:fld>
-            <a:endParaRPr lang="en-GB"/>
-          </a:p>
-        </p:txBody>
-      </p:sp>
-    </p:spTree>
-    <p:extLst>
-      <p:ext uri="{BB962C8B-B14F-4D97-AF65-F5344CB8AC3E}">
-        <p14:creationId xmlns:p14="http://schemas.microsoft.com/office/powerpoint/2010/main" val="1420547054"/>
-      </p:ext>
-    </p:extLst>
-  </p:cSld>
-  <p:clrMapOvr>
-    <a:masterClrMapping/>
-  </p:clrMapOvr>
-</p:sld>
-</file>
-
-<file path=ppt/slides/slide14.xml><?xml version="1.0" encoding="utf-8"?>
-<p:sld xmlns:a="http://schemas.openxmlformats.org/drawingml/2006/main" xmlns:r="http://schemas.openxmlformats.org/officeDocument/2006/relationships" xmlns:p="http://schemas.openxmlformats.org/presentationml/2006/main">
-  <p:cSld>
-    <p:spTree>
-      <p:nvGrpSpPr>
-        <p:cNvPr id="1" name=""/>
-        <p:cNvGrpSpPr/>
-        <p:nvPr/>
-      </p:nvGrpSpPr>
-      <p:grpSpPr>
-        <a:xfrm>
-          <a:off x="0" y="0"/>
-          <a:ext cx="0" cy="0"/>
-          <a:chOff x="0" y="0"/>
-          <a:chExt cx="0" cy="0"/>
-        </a:xfrm>
-      </p:grpSpPr>
-      <p:sp>
-        <p:nvSpPr>
           <p:cNvPr id="11" name="Title 10">
             <a:extLst>
               <a:ext uri="{FF2B5EF4-FFF2-40B4-BE49-F238E27FC236}">
@@ -17860,8 +15208,8 @@
         </p:nvSpPr>
         <p:spPr>
           <a:xfrm>
-            <a:off x="5262411" y="4508500"/>
-            <a:ext cx="6221412" cy="1563688"/>
+            <a:off x="5262411" y="4212225"/>
+            <a:ext cx="6221412" cy="1959975"/>
           </a:xfrm>
         </p:spPr>
         <p:txBody>
@@ -17981,7 +15329,7 @@
             <a:fld id="{DBA1B0FB-D917-4C8C-928F-313BD683BF39}" type="slidenum">
               <a:rPr lang="en-GB" smtClean="0"/>
               <a:pPr rtl="0"/>
-              <a:t>14</a:t>
+              <a:t>13</a:t>
             </a:fld>
             <a:endParaRPr lang="en-GB"/>
           </a:p>
@@ -18000,7 +15348,7 @@
 </p:sld>
 </file>
 
-<file path=ppt/slides/slide15.xml><?xml version="1.0" encoding="utf-8"?>
+<file path=ppt/slides/slide14.xml><?xml version="1.0" encoding="utf-8"?>
 <p:sld xmlns:a="http://schemas.openxmlformats.org/drawingml/2006/main" xmlns:r="http://schemas.openxmlformats.org/officeDocument/2006/relationships" xmlns:p="http://schemas.openxmlformats.org/presentationml/2006/main">
   <p:cSld>
     <p:spTree>
@@ -18094,7 +15442,7 @@
             </a:r>
             <a:r>
               <a:rPr lang="en-GB" dirty="0"/>
-              <a:t> , 2024</a:t>
+              <a:t>, 2024</a:t>
             </a:r>
           </a:p>
         </p:txBody>
@@ -18163,7 +15511,7 @@
             <a:fld id="{DBA1B0FB-D917-4C8C-928F-313BD683BF39}" type="slidenum">
               <a:rPr lang="en-GB" smtClean="0"/>
               <a:pPr rtl="0"/>
-              <a:t>15</a:t>
+              <a:t>14</a:t>
             </a:fld>
             <a:endParaRPr lang="en-GB"/>
           </a:p>
@@ -18182,7 +15530,7 @@
 </p:sld>
 </file>
 
-<file path=ppt/slides/slide16.xml><?xml version="1.0" encoding="utf-8"?>
+<file path=ppt/slides/slide15.xml><?xml version="1.0" encoding="utf-8"?>
 <p:sld xmlns:a="http://schemas.openxmlformats.org/drawingml/2006/main" xmlns:r="http://schemas.openxmlformats.org/officeDocument/2006/relationships" xmlns:p="http://schemas.openxmlformats.org/presentationml/2006/main">
   <p:cSld>
     <p:spTree>
@@ -18407,12 +15755,42 @@
             <a:fld id="{DBA1B0FB-D917-4C8C-928F-313BD683BF39}" type="slidenum">
               <a:rPr lang="en-GB" smtClean="0"/>
               <a:pPr rtl="0"/>
-              <a:t>16</a:t>
+              <a:t>15</a:t>
             </a:fld>
             <a:endParaRPr lang="en-GB"/>
           </a:p>
         </p:txBody>
       </p:sp>
+      <p:pic>
+        <p:nvPicPr>
+          <p:cNvPr id="3" name="Picture 2" descr="A green and black logo&#10;&#10;Description automatically generated">
+            <a:extLst>
+              <a:ext uri="{FF2B5EF4-FFF2-40B4-BE49-F238E27FC236}">
+                <a16:creationId xmlns:a16="http://schemas.microsoft.com/office/drawing/2014/main" id="{D245F444-5220-5E91-E282-ECAC797607EC}"/>
+              </a:ext>
+            </a:extLst>
+          </p:cNvPr>
+          <p:cNvPicPr>
+            <a:picLocks noChangeAspect="1"/>
+          </p:cNvPicPr>
+          <p:nvPr/>
+        </p:nvPicPr>
+        <p:blipFill>
+          <a:blip r:embed="rId4"/>
+          <a:stretch>
+            <a:fillRect/>
+          </a:stretch>
+        </p:blipFill>
+        <p:spPr>
+          <a:xfrm>
+            <a:off x="550864" y="196901"/>
+            <a:ext cx="1692578" cy="1852964"/>
+          </a:xfrm>
+          <a:prstGeom prst="rect">
+            <a:avLst/>
+          </a:prstGeom>
+        </p:spPr>
+      </p:pic>
     </p:spTree>
     <p:extLst>
       <p:ext uri="{BB962C8B-B14F-4D97-AF65-F5344CB8AC3E}">
@@ -22298,40 +19676,31 @@
           <a:lstStyle/>
           <a:p>
             <a:r>
-              <a:rPr lang="en-GB" dirty="0"/>
-              <a:t>We decided to use the web development environment </a:t>
-            </a:r>
-            <a:r>
-              <a:rPr lang="en-GB" b="1" dirty="0"/>
+              <a:rPr lang="en-GB" sz="2000" dirty="0"/>
+              <a:t>We chose to use </a:t>
+            </a:r>
+            <a:r>
+              <a:rPr lang="en-GB" sz="2000" b="1" dirty="0"/>
               <a:t>React</a:t>
             </a:r>
             <a:r>
-              <a:rPr lang="en-GB" dirty="0"/>
-              <a:t>, where we have coded in </a:t>
-            </a:r>
-            <a:r>
-              <a:rPr lang="en-GB" b="1" dirty="0"/>
-              <a:t>JavaScript</a:t>
-            </a:r>
-            <a:r>
-              <a:rPr lang="en-GB" dirty="0"/>
-              <a:t> for the front-end of the website.</a:t>
-            </a:r>
-          </a:p>
-          <a:p>
-            <a:r>
-              <a:rPr lang="en-GB" dirty="0"/>
-              <a:t>We have also used </a:t>
-            </a:r>
-            <a:r>
-              <a:rPr lang="en-GB" b="1" dirty="0"/>
-              <a:t>Java </a:t>
-            </a:r>
-            <a:r>
-              <a:rPr lang="en-GB" dirty="0"/>
-              <a:t>for the back-end of the project.</a:t>
-            </a:r>
-            <a:endParaRPr lang="en-GB" b="1" dirty="0"/>
+              <a:rPr lang="en-GB" sz="2000" dirty="0"/>
+              <a:t> for the front-end development of our website. React, a popular JavaScript library, allowed us to create a dynamic and responsive user interface while taking advantage of its component-based architecture for reusable and modular code. JavaScript served as the primary language for implementing the front-end features.</a:t>
+            </a:r>
+          </a:p>
+          <a:p>
+            <a:r>
+              <a:rPr lang="en-GB" sz="2000" dirty="0"/>
+              <a:t>For the back-end, we used </a:t>
+            </a:r>
+            <a:r>
+              <a:rPr lang="en-GB" sz="2000" b="1" dirty="0"/>
+              <a:t>Java</a:t>
+            </a:r>
+            <a:r>
+              <a:rPr lang="en-GB" sz="2000" dirty="0"/>
+              <a:t>, which is well-suited for building robust and scalable server-side applications. Java helped us handle server requests, manage data, and ensure smooth communication between the back-end and front-end through APIs. This combination allowed us to build a functional, efficient, and user-friendly website.</a:t>
+            </a:r>
           </a:p>
         </p:txBody>
       </p:sp>
@@ -24580,6 +21949,15 @@
 </file>
 
 <file path=customXml/item1.xml><?xml version="1.0" encoding="utf-8"?>
+<?mso-contentType ?>
+<FormTemplates xmlns="http://schemas.microsoft.com/sharepoint/v3/contenttype/forms">
+  <Display>DocumentLibraryForm</Display>
+  <Edit>DocumentLibraryForm</Edit>
+  <New>DocumentLibraryForm</New>
+</FormTemplates>
+</file>
+
+<file path=customXml/item2.xml><?xml version="1.0" encoding="utf-8"?>
 <p:properties xmlns:p="http://schemas.microsoft.com/office/2006/metadata/properties" xmlns:xsi="http://www.w3.org/2001/XMLSchema-instance" xmlns:pc="http://schemas.microsoft.com/office/infopath/2007/PartnerControls">
   <documentManagement>
     <_ip_UnifiedCompliancePolicyUIAction xmlns="http://schemas.microsoft.com/sharepoint/v3" xsi:nil="true"/>
@@ -24596,15 +21974,6 @@
     <MediaServiceKeyPoints xmlns="71af3243-3dd4-4a8d-8c0d-dd76da1f02a5" xsi:nil="true"/>
   </documentManagement>
 </p:properties>
-</file>
-
-<file path=customXml/item2.xml><?xml version="1.0" encoding="utf-8"?>
-<?mso-contentType ?>
-<FormTemplates xmlns="http://schemas.microsoft.com/sharepoint/v3/contenttype/forms">
-  <Display>DocumentLibraryForm</Display>
-  <Edit>DocumentLibraryForm</Edit>
-  <New>DocumentLibraryForm</New>
-</FormTemplates>
 </file>
 
 <file path=customXml/item3.xml><?xml version="1.0" encoding="utf-8"?>
@@ -24884,6 +22253,14 @@
 </file>
 
 <file path=customXml/itemProps1.xml><?xml version="1.0" encoding="utf-8"?>
+<ds:datastoreItem xmlns:ds="http://schemas.openxmlformats.org/officeDocument/2006/customXml" ds:itemID="{904751AB-E840-446F-8D49-E697067EC887}">
+  <ds:schemaRefs>
+    <ds:schemaRef ds:uri="http://schemas.microsoft.com/sharepoint/v3/contenttype/forms"/>
+  </ds:schemaRefs>
+</ds:datastoreItem>
+</file>
+
+<file path=customXml/itemProps2.xml><?xml version="1.0" encoding="utf-8"?>
 <ds:datastoreItem xmlns:ds="http://schemas.openxmlformats.org/officeDocument/2006/customXml" ds:itemID="{50811A92-D464-4AC4-A396-BA73B10CEEAC}">
   <ds:schemaRefs>
     <ds:schemaRef ds:uri="http://schemas.microsoft.com/office/2006/metadata/properties"/>
@@ -24891,14 +22268,6 @@
     <ds:schemaRef ds:uri="http://schemas.microsoft.com/sharepoint/v3"/>
     <ds:schemaRef ds:uri="71af3243-3dd4-4a8d-8c0d-dd76da1f02a5"/>
     <ds:schemaRef ds:uri="230e9df3-be65-4c73-a93b-d1236ebd677e"/>
-  </ds:schemaRefs>
-</ds:datastoreItem>
-</file>
-
-<file path=customXml/itemProps2.xml><?xml version="1.0" encoding="utf-8"?>
-<ds:datastoreItem xmlns:ds="http://schemas.openxmlformats.org/officeDocument/2006/customXml" ds:itemID="{904751AB-E840-446F-8D49-E697067EC887}">
-  <ds:schemaRefs>
-    <ds:schemaRef ds:uri="http://schemas.microsoft.com/sharepoint/v3/contenttype/forms"/>
   </ds:schemaRefs>
 </ds:datastoreItem>
 </file>

--- a/res/Smart Budget Presentation.pptx
+++ b/res/Smart Budget Presentation.pptx
@@ -22,8 +22,8 @@
     <p:sldId id="394" r:id="rId13"/>
     <p:sldId id="393" r:id="rId14"/>
     <p:sldId id="399" r:id="rId15"/>
-    <p:sldId id="400" r:id="rId16"/>
-    <p:sldId id="321" r:id="rId17"/>
+    <p:sldId id="321" r:id="rId16"/>
+    <p:sldId id="400" r:id="rId17"/>
     <p:sldId id="398" r:id="rId18"/>
     <p:sldId id="391" r:id="rId19"/>
   </p:sldIdLst>
@@ -1646,7 +1646,7 @@
             <a:pPr rtl="0"/>
             <a:fld id="{1983A999-5E0E-42CA-8400-604AE921FF7C}" type="slidenum">
               <a:rPr lang="en-GB" smtClean="0"/>
-              <a:t>13</a:t>
+              <a:t>12</a:t>
             </a:fld>
             <a:endParaRPr lang="en-GB"/>
           </a:p>
@@ -14906,10 +14906,10 @@
       </p:grpSpPr>
       <p:sp>
         <p:nvSpPr>
-          <p:cNvPr id="2" name="Title 1">
-            <a:extLst>
-              <a:ext uri="{FF2B5EF4-FFF2-40B4-BE49-F238E27FC236}">
-                <a16:creationId xmlns:a16="http://schemas.microsoft.com/office/drawing/2014/main" id="{9A10E2AF-7756-C25D-E9E2-FE8D54915204}"/>
+          <p:cNvPr id="11" name="Title 10">
+            <a:extLst>
+              <a:ext uri="{FF2B5EF4-FFF2-40B4-BE49-F238E27FC236}">
+                <a16:creationId xmlns:a16="http://schemas.microsoft.com/office/drawing/2014/main" id="{581E8936-2270-47FE-94A4-398CB123EF90}"/>
               </a:ext>
             </a:extLst>
           </p:cNvPr>
@@ -14920,24 +14920,105 @@
             <p:ph type="title"/>
           </p:nvPr>
         </p:nvSpPr>
-        <p:spPr/>
-        <p:txBody>
-          <a:bodyPr/>
+        <p:spPr>
+          <a:xfrm>
+            <a:off x="550863" y="4508500"/>
+            <a:ext cx="4500562" cy="1562959"/>
+          </a:xfrm>
+        </p:spPr>
+        <p:txBody>
+          <a:bodyPr rtlCol="0"/>
           <a:lstStyle/>
           <a:p>
+            <a:pPr rtl="0"/>
+            <a:r>
+              <a:rPr lang="en-GB"/>
+              <a:t>Summary</a:t>
+            </a:r>
+          </a:p>
+        </p:txBody>
+      </p:sp>
+      <p:pic>
+        <p:nvPicPr>
+          <p:cNvPr id="16" name="Picture Placeholder 15" descr="Data Points Digital background">
+            <a:extLst>
+              <a:ext uri="{FF2B5EF4-FFF2-40B4-BE49-F238E27FC236}">
+                <a16:creationId xmlns:a16="http://schemas.microsoft.com/office/drawing/2014/main" id="{361E9ADB-7377-4CF1-9AE4-AEFBDEBEEEEC}"/>
+              </a:ext>
+            </a:extLst>
+          </p:cNvPr>
+          <p:cNvPicPr>
+            <a:picLocks noGrp="1" noChangeAspect="1"/>
+          </p:cNvPicPr>
+          <p:nvPr>
+            <p:ph type="pic" sz="quarter" idx="13"/>
+          </p:nvPr>
+        </p:nvPicPr>
+        <p:blipFill rotWithShape="1">
+          <a:blip r:embed="rId3" cstate="screen">
+            <a:extLst>
+              <a:ext uri="{28A0092B-C50C-407E-A947-70E740481C1C}">
+                <a14:useLocalDpi xmlns:a14="http://schemas.microsoft.com/office/drawing/2010/main" val="0"/>
+              </a:ext>
+            </a:extLst>
+          </a:blip>
+          <a:srcRect/>
+          <a:stretch/>
+        </p:blipFill>
+        <p:spPr>
+          <a:xfrm>
+            <a:off x="0" y="0"/>
+            <a:ext cx="12192000" cy="3776472"/>
+          </a:xfrm>
+        </p:spPr>
+      </p:pic>
+      <p:sp>
+        <p:nvSpPr>
+          <p:cNvPr id="13" name="Content Placeholder 12">
+            <a:extLst>
+              <a:ext uri="{FF2B5EF4-FFF2-40B4-BE49-F238E27FC236}">
+                <a16:creationId xmlns:a16="http://schemas.microsoft.com/office/drawing/2014/main" id="{C0287FEC-3826-4868-8D93-52429C6156F5}"/>
+              </a:ext>
+            </a:extLst>
+          </p:cNvPr>
+          <p:cNvSpPr>
+            <a:spLocks noGrp="1"/>
+          </p:cNvSpPr>
+          <p:nvPr>
+            <p:ph sz="quarter" idx="15"/>
+          </p:nvPr>
+        </p:nvSpPr>
+        <p:spPr>
+          <a:xfrm>
+            <a:off x="5262411" y="4212225"/>
+            <a:ext cx="6221412" cy="1959975"/>
+          </a:xfrm>
+        </p:spPr>
+        <p:txBody>
+          <a:bodyPr rtlCol="0">
+            <a:normAutofit lnSpcReduction="10000"/>
+          </a:bodyPr>
+          <a:lstStyle/>
+          <a:p>
+            <a:pPr rtl="0"/>
             <a:r>
               <a:rPr lang="en-GB" dirty="0"/>
-              <a:t>Future Ideas</a:t>
-            </a:r>
-          </a:p>
-        </p:txBody>
-      </p:sp>
-      <p:sp>
-        <p:nvSpPr>
-          <p:cNvPr id="3" name="Text Placeholder 2">
-            <a:extLst>
-              <a:ext uri="{FF2B5EF4-FFF2-40B4-BE49-F238E27FC236}">
-                <a16:creationId xmlns:a16="http://schemas.microsoft.com/office/drawing/2014/main" id="{C7073906-6F0B-E487-6BA3-497A2C1015C8}"/>
+              <a:t>So far in the 6 hours we’ve had, we have developed a website that can open subpages, where you are able to input your transactions and your savings, which they’ll be displayed in the respective tables and an Overview page where it displays how many months you will need to wait before you have </a:t>
+            </a:r>
+            <a:r>
+              <a:rPr lang="en-GB"/>
+              <a:t>enough for all of your savings. </a:t>
+            </a:r>
+            <a:endParaRPr lang="en-GB" dirty="0"/>
+          </a:p>
+        </p:txBody>
+      </p:sp>
+      <p:sp>
+        <p:nvSpPr>
+          <p:cNvPr id="4" name="Date Placeholder 3">
+            <a:extLst>
+              <a:ext uri="{FF2B5EF4-FFF2-40B4-BE49-F238E27FC236}">
+                <a16:creationId xmlns:a16="http://schemas.microsoft.com/office/drawing/2014/main" id="{0C329F70-04F7-4C70-BCF8-D4371F54EF2F}"/>
               </a:ext>
             </a:extLst>
           </p:cNvPr>
@@ -14945,27 +15026,41 @@
             <a:spLocks noGrp="1"/>
           </p:cNvSpPr>
           <p:nvPr>
-            <p:ph type="body" idx="1"/>
-          </p:nvPr>
-        </p:nvSpPr>
-        <p:spPr/>
-        <p:txBody>
-          <a:bodyPr/>
+            <p:ph type="dt" sz="half" idx="10"/>
+          </p:nvPr>
+        </p:nvSpPr>
+        <p:spPr>
+          <a:xfrm>
+            <a:off x="550863" y="6507212"/>
+            <a:ext cx="2628900" cy="153888"/>
+          </a:xfrm>
+        </p:spPr>
+        <p:txBody>
+          <a:bodyPr rtlCol="0"/>
           <a:lstStyle/>
           <a:p>
+            <a:pPr rtl="0"/>
             <a:r>
               <a:rPr lang="en-GB" dirty="0"/>
-              <a:t>What are our future plans?</a:t>
-            </a:r>
-          </a:p>
-        </p:txBody>
-      </p:sp>
-      <p:sp>
-        <p:nvSpPr>
-          <p:cNvPr id="4" name="Content Placeholder 3">
-            <a:extLst>
-              <a:ext uri="{FF2B5EF4-FFF2-40B4-BE49-F238E27FC236}">
-                <a16:creationId xmlns:a16="http://schemas.microsoft.com/office/drawing/2014/main" id="{9E184547-54E9-6AA6-A655-663F78597F54}"/>
+              <a:t>Tuesday, November 27</a:t>
+            </a:r>
+            <a:r>
+              <a:rPr lang="en-GB" baseline="30000" dirty="0"/>
+              <a:t>th</a:t>
+            </a:r>
+            <a:r>
+              <a:rPr lang="en-GB" dirty="0"/>
+              <a:t>, 2024</a:t>
+            </a:r>
+          </a:p>
+        </p:txBody>
+      </p:sp>
+      <p:sp>
+        <p:nvSpPr>
+          <p:cNvPr id="5" name="Footer Placeholder 4">
+            <a:extLst>
+              <a:ext uri="{FF2B5EF4-FFF2-40B4-BE49-F238E27FC236}">
+                <a16:creationId xmlns:a16="http://schemas.microsoft.com/office/drawing/2014/main" id="{06A3302E-502D-4151-81C9-5FD6AF9596D6}"/>
               </a:ext>
             </a:extLst>
           </p:cNvPr>
@@ -14973,85 +15068,17 @@
             <a:spLocks noGrp="1"/>
           </p:cNvSpPr>
           <p:nvPr>
-            <p:ph sz="half" idx="2"/>
-          </p:nvPr>
-        </p:nvSpPr>
-        <p:spPr/>
-        <p:txBody>
-          <a:bodyPr/>
-          <a:lstStyle/>
-          <a:p>
-            <a:r>
-              <a:rPr lang="en-GB" dirty="0"/>
-              <a:t>Implementing subscriptions into the website, and take it off </a:t>
-            </a:r>
-            <a:r>
-              <a:rPr lang="en-GB"/>
-              <a:t>from savings</a:t>
-            </a:r>
-          </a:p>
-          <a:p>
-            <a:r>
-              <a:rPr lang="en-GB" dirty="0"/>
-              <a:t>Research and record inflation rates and interest rates</a:t>
-            </a:r>
-          </a:p>
-          <a:p>
-            <a:r>
-              <a:rPr lang="en-GB" dirty="0"/>
-              <a:t>Generate an AI to predict the future growth of the user’s savings</a:t>
-            </a:r>
-          </a:p>
-        </p:txBody>
-      </p:sp>
-      <p:sp>
-        <p:nvSpPr>
-          <p:cNvPr id="7" name="Date Placeholder 6">
-            <a:extLst>
-              <a:ext uri="{FF2B5EF4-FFF2-40B4-BE49-F238E27FC236}">
-                <a16:creationId xmlns:a16="http://schemas.microsoft.com/office/drawing/2014/main" id="{FC964D91-D96E-961C-C0AD-47C21B54E671}"/>
-              </a:ext>
-            </a:extLst>
-          </p:cNvPr>
-          <p:cNvSpPr>
-            <a:spLocks noGrp="1"/>
-          </p:cNvSpPr>
-          <p:nvPr>
-            <p:ph type="dt" sz="half" idx="10"/>
-          </p:nvPr>
-        </p:nvSpPr>
-        <p:spPr/>
-        <p:txBody>
-          <a:bodyPr/>
-          <a:lstStyle/>
-          <a:p>
-            <a:pPr rtl="0"/>
-            <a:r>
-              <a:rPr lang="en-GB"/>
-              <a:t>Tuesday, February 2, 20XX</a:t>
-            </a:r>
-          </a:p>
-        </p:txBody>
-      </p:sp>
-      <p:sp>
-        <p:nvSpPr>
-          <p:cNvPr id="8" name="Footer Placeholder 7">
-            <a:extLst>
-              <a:ext uri="{FF2B5EF4-FFF2-40B4-BE49-F238E27FC236}">
-                <a16:creationId xmlns:a16="http://schemas.microsoft.com/office/drawing/2014/main" id="{D227078E-1FF2-8CAB-46DB-3318023AC94E}"/>
-              </a:ext>
-            </a:extLst>
-          </p:cNvPr>
-          <p:cNvSpPr>
-            <a:spLocks noGrp="1"/>
-          </p:cNvSpPr>
-          <p:nvPr>
             <p:ph type="ftr" sz="quarter" idx="11"/>
           </p:nvPr>
         </p:nvSpPr>
-        <p:spPr/>
-        <p:txBody>
-          <a:bodyPr/>
+        <p:spPr>
+          <a:xfrm>
+            <a:off x="3359150" y="6507212"/>
+            <a:ext cx="6379210" cy="153888"/>
+          </a:xfrm>
+        </p:spPr>
+        <p:txBody>
+          <a:bodyPr rtlCol="0"/>
           <a:lstStyle/>
           <a:p>
             <a:pPr rtl="0"/>
@@ -15064,10 +15091,10 @@
       </p:sp>
       <p:sp>
         <p:nvSpPr>
-          <p:cNvPr id="9" name="Slide Number Placeholder 8">
-            <a:extLst>
-              <a:ext uri="{FF2B5EF4-FFF2-40B4-BE49-F238E27FC236}">
-                <a16:creationId xmlns:a16="http://schemas.microsoft.com/office/drawing/2014/main" id="{45CF9CB5-67BB-6CC9-341B-5F643FD8C38B}"/>
+          <p:cNvPr id="6" name="Slide Number Placeholder 5">
+            <a:extLst>
+              <a:ext uri="{FF2B5EF4-FFF2-40B4-BE49-F238E27FC236}">
+                <a16:creationId xmlns:a16="http://schemas.microsoft.com/office/drawing/2014/main" id="{9ED907F8-C614-4D59-A03F-BF9CD5E35703}"/>
               </a:ext>
             </a:extLst>
           </p:cNvPr>
@@ -15078,14 +15105,20 @@
             <p:ph type="sldNum" sz="quarter" idx="12"/>
           </p:nvPr>
         </p:nvSpPr>
-        <p:spPr/>
-        <p:txBody>
-          <a:bodyPr/>
+        <p:spPr>
+          <a:xfrm>
+            <a:off x="9948863" y="6507212"/>
+            <a:ext cx="1692274" cy="153888"/>
+          </a:xfrm>
+        </p:spPr>
+        <p:txBody>
+          <a:bodyPr rtlCol="0"/>
           <a:lstStyle/>
           <a:p>
             <a:pPr rtl="0"/>
             <a:fld id="{DBA1B0FB-D917-4C8C-928F-313BD683BF39}" type="slidenum">
               <a:rPr lang="en-GB" smtClean="0"/>
+              <a:pPr rtl="0"/>
               <a:t>12</a:t>
             </a:fld>
             <a:endParaRPr lang="en-GB"/>
@@ -15095,7 +15128,7 @@
     </p:spTree>
     <p:extLst>
       <p:ext uri="{BB962C8B-B14F-4D97-AF65-F5344CB8AC3E}">
-        <p14:creationId xmlns:p14="http://schemas.microsoft.com/office/powerpoint/2010/main" val="3389824434"/>
+        <p14:creationId xmlns:p14="http://schemas.microsoft.com/office/powerpoint/2010/main" val="3521561301"/>
       </p:ext>
     </p:extLst>
   </p:cSld>
@@ -15124,10 +15157,10 @@
       </p:grpSpPr>
       <p:sp>
         <p:nvSpPr>
-          <p:cNvPr id="11" name="Title 10">
-            <a:extLst>
-              <a:ext uri="{FF2B5EF4-FFF2-40B4-BE49-F238E27FC236}">
-                <a16:creationId xmlns:a16="http://schemas.microsoft.com/office/drawing/2014/main" id="{581E8936-2270-47FE-94A4-398CB123EF90}"/>
+          <p:cNvPr id="2" name="Title 1">
+            <a:extLst>
+              <a:ext uri="{FF2B5EF4-FFF2-40B4-BE49-F238E27FC236}">
+                <a16:creationId xmlns:a16="http://schemas.microsoft.com/office/drawing/2014/main" id="{9A10E2AF-7756-C25D-E9E2-FE8D54915204}"/>
               </a:ext>
             </a:extLst>
           </p:cNvPr>
@@ -15138,64 +15171,125 @@
             <p:ph type="title"/>
           </p:nvPr>
         </p:nvSpPr>
-        <p:spPr>
-          <a:xfrm>
-            <a:off x="550863" y="4508500"/>
-            <a:ext cx="4500562" cy="1562959"/>
-          </a:xfrm>
-        </p:spPr>
-        <p:txBody>
-          <a:bodyPr rtlCol="0"/>
+        <p:spPr/>
+        <p:txBody>
+          <a:bodyPr/>
           <a:lstStyle/>
           <a:p>
+            <a:r>
+              <a:rPr lang="en-GB" dirty="0"/>
+              <a:t>Future Ideas</a:t>
+            </a:r>
+          </a:p>
+        </p:txBody>
+      </p:sp>
+      <p:sp>
+        <p:nvSpPr>
+          <p:cNvPr id="3" name="Text Placeholder 2">
+            <a:extLst>
+              <a:ext uri="{FF2B5EF4-FFF2-40B4-BE49-F238E27FC236}">
+                <a16:creationId xmlns:a16="http://schemas.microsoft.com/office/drawing/2014/main" id="{C7073906-6F0B-E487-6BA3-497A2C1015C8}"/>
+              </a:ext>
+            </a:extLst>
+          </p:cNvPr>
+          <p:cNvSpPr>
+            <a:spLocks noGrp="1"/>
+          </p:cNvSpPr>
+          <p:nvPr>
+            <p:ph type="body" idx="1"/>
+          </p:nvPr>
+        </p:nvSpPr>
+        <p:spPr/>
+        <p:txBody>
+          <a:bodyPr/>
+          <a:lstStyle/>
+          <a:p>
+            <a:r>
+              <a:rPr lang="en-GB" dirty="0"/>
+              <a:t>What are our future plans?</a:t>
+            </a:r>
+          </a:p>
+        </p:txBody>
+      </p:sp>
+      <p:sp>
+        <p:nvSpPr>
+          <p:cNvPr id="4" name="Content Placeholder 3">
+            <a:extLst>
+              <a:ext uri="{FF2B5EF4-FFF2-40B4-BE49-F238E27FC236}">
+                <a16:creationId xmlns:a16="http://schemas.microsoft.com/office/drawing/2014/main" id="{9E184547-54E9-6AA6-A655-663F78597F54}"/>
+              </a:ext>
+            </a:extLst>
+          </p:cNvPr>
+          <p:cNvSpPr>
+            <a:spLocks noGrp="1"/>
+          </p:cNvSpPr>
+          <p:nvPr>
+            <p:ph sz="half" idx="2"/>
+          </p:nvPr>
+        </p:nvSpPr>
+        <p:spPr/>
+        <p:txBody>
+          <a:bodyPr/>
+          <a:lstStyle/>
+          <a:p>
+            <a:r>
+              <a:rPr lang="en-GB" dirty="0"/>
+              <a:t>Implementing subscriptions into the website, and take it off </a:t>
+            </a:r>
+            <a:r>
+              <a:rPr lang="en-GB"/>
+              <a:t>from savings</a:t>
+            </a:r>
+          </a:p>
+          <a:p>
+            <a:r>
+              <a:rPr lang="en-GB" dirty="0"/>
+              <a:t>Research and record inflation rates and interest rates</a:t>
+            </a:r>
+          </a:p>
+          <a:p>
+            <a:r>
+              <a:rPr lang="en-GB" dirty="0"/>
+              <a:t>Generate an AI to predict the future growth of the user’s savings</a:t>
+            </a:r>
+          </a:p>
+        </p:txBody>
+      </p:sp>
+      <p:sp>
+        <p:nvSpPr>
+          <p:cNvPr id="7" name="Date Placeholder 6">
+            <a:extLst>
+              <a:ext uri="{FF2B5EF4-FFF2-40B4-BE49-F238E27FC236}">
+                <a16:creationId xmlns:a16="http://schemas.microsoft.com/office/drawing/2014/main" id="{FC964D91-D96E-961C-C0AD-47C21B54E671}"/>
+              </a:ext>
+            </a:extLst>
+          </p:cNvPr>
+          <p:cNvSpPr>
+            <a:spLocks noGrp="1"/>
+          </p:cNvSpPr>
+          <p:nvPr>
+            <p:ph type="dt" sz="half" idx="10"/>
+          </p:nvPr>
+        </p:nvSpPr>
+        <p:spPr/>
+        <p:txBody>
+          <a:bodyPr/>
+          <a:lstStyle/>
+          <a:p>
             <a:pPr rtl="0"/>
             <a:r>
               <a:rPr lang="en-GB"/>
-              <a:t>Summary</a:t>
-            </a:r>
-          </a:p>
-        </p:txBody>
-      </p:sp>
-      <p:pic>
-        <p:nvPicPr>
-          <p:cNvPr id="16" name="Picture Placeholder 15" descr="Data Points Digital background">
-            <a:extLst>
-              <a:ext uri="{FF2B5EF4-FFF2-40B4-BE49-F238E27FC236}">
-                <a16:creationId xmlns:a16="http://schemas.microsoft.com/office/drawing/2014/main" id="{361E9ADB-7377-4CF1-9AE4-AEFBDEBEEEEC}"/>
-              </a:ext>
-            </a:extLst>
-          </p:cNvPr>
-          <p:cNvPicPr>
-            <a:picLocks noGrp="1" noChangeAspect="1"/>
-          </p:cNvPicPr>
-          <p:nvPr>
-            <p:ph type="pic" sz="quarter" idx="13"/>
-          </p:nvPr>
-        </p:nvPicPr>
-        <p:blipFill rotWithShape="1">
-          <a:blip r:embed="rId3" cstate="screen">
-            <a:extLst>
-              <a:ext uri="{28A0092B-C50C-407E-A947-70E740481C1C}">
-                <a14:useLocalDpi xmlns:a14="http://schemas.microsoft.com/office/drawing/2010/main" val="0"/>
-              </a:ext>
-            </a:extLst>
-          </a:blip>
-          <a:srcRect/>
-          <a:stretch/>
-        </p:blipFill>
-        <p:spPr>
-          <a:xfrm>
-            <a:off x="0" y="0"/>
-            <a:ext cx="12192000" cy="3776472"/>
-          </a:xfrm>
-        </p:spPr>
-      </p:pic>
-      <p:sp>
-        <p:nvSpPr>
-          <p:cNvPr id="13" name="Content Placeholder 12">
-            <a:extLst>
-              <a:ext uri="{FF2B5EF4-FFF2-40B4-BE49-F238E27FC236}">
-                <a16:creationId xmlns:a16="http://schemas.microsoft.com/office/drawing/2014/main" id="{C0287FEC-3826-4868-8D93-52429C6156F5}"/>
+              <a:t>Tuesday, February 2, 20XX</a:t>
+            </a:r>
+          </a:p>
+        </p:txBody>
+      </p:sp>
+      <p:sp>
+        <p:nvSpPr>
+          <p:cNvPr id="8" name="Footer Placeholder 7">
+            <a:extLst>
+              <a:ext uri="{FF2B5EF4-FFF2-40B4-BE49-F238E27FC236}">
+                <a16:creationId xmlns:a16="http://schemas.microsoft.com/office/drawing/2014/main" id="{D227078E-1FF2-8CAB-46DB-3318023AC94E}"/>
               </a:ext>
             </a:extLst>
           </p:cNvPr>
@@ -15203,92 +15297,12 @@
             <a:spLocks noGrp="1"/>
           </p:cNvSpPr>
           <p:nvPr>
-            <p:ph sz="quarter" idx="15"/>
-          </p:nvPr>
-        </p:nvSpPr>
-        <p:spPr>
-          <a:xfrm>
-            <a:off x="5262411" y="4212225"/>
-            <a:ext cx="6221412" cy="1959975"/>
-          </a:xfrm>
-        </p:spPr>
-        <p:txBody>
-          <a:bodyPr rtlCol="0">
-            <a:normAutofit/>
-          </a:bodyPr>
-          <a:lstStyle/>
-          <a:p>
-            <a:pPr rtl="0"/>
-            <a:endParaRPr lang="en-GB" dirty="0"/>
-          </a:p>
-        </p:txBody>
-      </p:sp>
-      <p:sp>
-        <p:nvSpPr>
-          <p:cNvPr id="4" name="Date Placeholder 3">
-            <a:extLst>
-              <a:ext uri="{FF2B5EF4-FFF2-40B4-BE49-F238E27FC236}">
-                <a16:creationId xmlns:a16="http://schemas.microsoft.com/office/drawing/2014/main" id="{0C329F70-04F7-4C70-BCF8-D4371F54EF2F}"/>
-              </a:ext>
-            </a:extLst>
-          </p:cNvPr>
-          <p:cNvSpPr>
-            <a:spLocks noGrp="1"/>
-          </p:cNvSpPr>
-          <p:nvPr>
-            <p:ph type="dt" sz="half" idx="10"/>
-          </p:nvPr>
-        </p:nvSpPr>
-        <p:spPr>
-          <a:xfrm>
-            <a:off x="550863" y="6507212"/>
-            <a:ext cx="2628900" cy="153888"/>
-          </a:xfrm>
-        </p:spPr>
-        <p:txBody>
-          <a:bodyPr rtlCol="0"/>
-          <a:lstStyle/>
-          <a:p>
-            <a:pPr rtl="0"/>
-            <a:r>
-              <a:rPr lang="en-GB" dirty="0"/>
-              <a:t>Tuesday, November 27</a:t>
-            </a:r>
-            <a:r>
-              <a:rPr lang="en-GB" baseline="30000" dirty="0"/>
-              <a:t>th</a:t>
-            </a:r>
-            <a:r>
-              <a:rPr lang="en-GB" dirty="0"/>
-              <a:t>, 2024</a:t>
-            </a:r>
-          </a:p>
-        </p:txBody>
-      </p:sp>
-      <p:sp>
-        <p:nvSpPr>
-          <p:cNvPr id="5" name="Footer Placeholder 4">
-            <a:extLst>
-              <a:ext uri="{FF2B5EF4-FFF2-40B4-BE49-F238E27FC236}">
-                <a16:creationId xmlns:a16="http://schemas.microsoft.com/office/drawing/2014/main" id="{06A3302E-502D-4151-81C9-5FD6AF9596D6}"/>
-              </a:ext>
-            </a:extLst>
-          </p:cNvPr>
-          <p:cNvSpPr>
-            <a:spLocks noGrp="1"/>
-          </p:cNvSpPr>
-          <p:nvPr>
             <p:ph type="ftr" sz="quarter" idx="11"/>
           </p:nvPr>
         </p:nvSpPr>
-        <p:spPr>
-          <a:xfrm>
-            <a:off x="3359150" y="6507212"/>
-            <a:ext cx="6379210" cy="153888"/>
-          </a:xfrm>
-        </p:spPr>
-        <p:txBody>
-          <a:bodyPr rtlCol="0"/>
+        <p:spPr/>
+        <p:txBody>
+          <a:bodyPr/>
           <a:lstStyle/>
           <a:p>
             <a:pPr rtl="0"/>
@@ -15301,10 +15315,10 @@
       </p:sp>
       <p:sp>
         <p:nvSpPr>
-          <p:cNvPr id="6" name="Slide Number Placeholder 5">
-            <a:extLst>
-              <a:ext uri="{FF2B5EF4-FFF2-40B4-BE49-F238E27FC236}">
-                <a16:creationId xmlns:a16="http://schemas.microsoft.com/office/drawing/2014/main" id="{9ED907F8-C614-4D59-A03F-BF9CD5E35703}"/>
+          <p:cNvPr id="9" name="Slide Number Placeholder 8">
+            <a:extLst>
+              <a:ext uri="{FF2B5EF4-FFF2-40B4-BE49-F238E27FC236}">
+                <a16:creationId xmlns:a16="http://schemas.microsoft.com/office/drawing/2014/main" id="{45CF9CB5-67BB-6CC9-341B-5F643FD8C38B}"/>
               </a:ext>
             </a:extLst>
           </p:cNvPr>
@@ -15315,20 +15329,14 @@
             <p:ph type="sldNum" sz="quarter" idx="12"/>
           </p:nvPr>
         </p:nvSpPr>
-        <p:spPr>
-          <a:xfrm>
-            <a:off x="9948863" y="6507212"/>
-            <a:ext cx="1692274" cy="153888"/>
-          </a:xfrm>
-        </p:spPr>
-        <p:txBody>
-          <a:bodyPr rtlCol="0"/>
+        <p:spPr/>
+        <p:txBody>
+          <a:bodyPr/>
           <a:lstStyle/>
           <a:p>
             <a:pPr rtl="0"/>
             <a:fld id="{DBA1B0FB-D917-4C8C-928F-313BD683BF39}" type="slidenum">
               <a:rPr lang="en-GB" smtClean="0"/>
-              <a:pPr rtl="0"/>
               <a:t>13</a:t>
             </a:fld>
             <a:endParaRPr lang="en-GB"/>
@@ -15338,7 +15346,7 @@
     </p:spTree>
     <p:extLst>
       <p:ext uri="{BB962C8B-B14F-4D97-AF65-F5344CB8AC3E}">
-        <p14:creationId xmlns:p14="http://schemas.microsoft.com/office/powerpoint/2010/main" val="3521561301"/>
+        <p14:creationId xmlns:p14="http://schemas.microsoft.com/office/powerpoint/2010/main" val="3389824434"/>
       </p:ext>
     </p:extLst>
   </p:cSld>
@@ -16090,7 +16098,7 @@
             <a:pPr rtl="0"/>
             <a:r>
               <a:rPr lang="en-GB" dirty="0"/>
-              <a:t>Sample Footer Text</a:t>
+              <a:t>Bottom Text</a:t>
             </a:r>
           </a:p>
         </p:txBody>
@@ -16266,8 +16274,8 @@
           <a:p>
             <a:pPr rtl="0"/>
             <a:r>
-              <a:rPr lang="en-GB"/>
-              <a:t>Sample Footer Text</a:t>
+              <a:rPr lang="en-GB" dirty="0"/>
+              <a:t>Bottom Text</a:t>
             </a:r>
           </a:p>
         </p:txBody>
@@ -17640,8 +17648,8 @@
           <a:p>
             <a:pPr rtl="0"/>
             <a:r>
-              <a:rPr lang="en-GB"/>
-              <a:t>Sample Footer Text</a:t>
+              <a:rPr lang="en-GB" dirty="0"/>
+              <a:t>Bottom Text</a:t>
             </a:r>
           </a:p>
         </p:txBody>
@@ -19699,7 +19707,15 @@
             </a:r>
             <a:r>
               <a:rPr lang="en-GB" sz="2000" dirty="0"/>
-              <a:t>, which is well-suited for building robust and scalable server-side applications. Java helped us handle server requests, manage data, and ensure smooth communication between the back-end and front-end through APIs. This combination allowed us to build a functional, efficient, and user-friendly website.</a:t>
+              <a:t>, (</a:t>
+            </a:r>
+            <a:r>
+              <a:rPr lang="en-GB" sz="2000" b="1" dirty="0"/>
+              <a:t>Spring-boot)</a:t>
+            </a:r>
+            <a:r>
+              <a:rPr lang="en-GB" sz="2000" dirty="0"/>
+              <a:t> which is well-suited for building robust and scalable server-side applications. Java helped us handle server requests, manage data, and ensure smooth communication between the back-end and front-end through APIs. This combination allowed us to build a functional, efficient, and user-friendly website.</a:t>
             </a:r>
           </a:p>
         </p:txBody>
@@ -21949,15 +21965,6 @@
 </file>
 
 <file path=customXml/item1.xml><?xml version="1.0" encoding="utf-8"?>
-<?mso-contentType ?>
-<FormTemplates xmlns="http://schemas.microsoft.com/sharepoint/v3/contenttype/forms">
-  <Display>DocumentLibraryForm</Display>
-  <Edit>DocumentLibraryForm</Edit>
-  <New>DocumentLibraryForm</New>
-</FormTemplates>
-</file>
-
-<file path=customXml/item2.xml><?xml version="1.0" encoding="utf-8"?>
 <p:properties xmlns:p="http://schemas.microsoft.com/office/2006/metadata/properties" xmlns:xsi="http://www.w3.org/2001/XMLSchema-instance" xmlns:pc="http://schemas.microsoft.com/office/infopath/2007/PartnerControls">
   <documentManagement>
     <_ip_UnifiedCompliancePolicyUIAction xmlns="http://schemas.microsoft.com/sharepoint/v3" xsi:nil="true"/>
@@ -21974,6 +21981,15 @@
     <MediaServiceKeyPoints xmlns="71af3243-3dd4-4a8d-8c0d-dd76da1f02a5" xsi:nil="true"/>
   </documentManagement>
 </p:properties>
+</file>
+
+<file path=customXml/item2.xml><?xml version="1.0" encoding="utf-8"?>
+<?mso-contentType ?>
+<FormTemplates xmlns="http://schemas.microsoft.com/sharepoint/v3/contenttype/forms">
+  <Display>DocumentLibraryForm</Display>
+  <Edit>DocumentLibraryForm</Edit>
+  <New>DocumentLibraryForm</New>
+</FormTemplates>
 </file>
 
 <file path=customXml/item3.xml><?xml version="1.0" encoding="utf-8"?>
@@ -22253,14 +22269,6 @@
 </file>
 
 <file path=customXml/itemProps1.xml><?xml version="1.0" encoding="utf-8"?>
-<ds:datastoreItem xmlns:ds="http://schemas.openxmlformats.org/officeDocument/2006/customXml" ds:itemID="{904751AB-E840-446F-8D49-E697067EC887}">
-  <ds:schemaRefs>
-    <ds:schemaRef ds:uri="http://schemas.microsoft.com/sharepoint/v3/contenttype/forms"/>
-  </ds:schemaRefs>
-</ds:datastoreItem>
-</file>
-
-<file path=customXml/itemProps2.xml><?xml version="1.0" encoding="utf-8"?>
 <ds:datastoreItem xmlns:ds="http://schemas.openxmlformats.org/officeDocument/2006/customXml" ds:itemID="{50811A92-D464-4AC4-A396-BA73B10CEEAC}">
   <ds:schemaRefs>
     <ds:schemaRef ds:uri="http://schemas.microsoft.com/office/2006/metadata/properties"/>
@@ -22268,6 +22276,14 @@
     <ds:schemaRef ds:uri="http://schemas.microsoft.com/sharepoint/v3"/>
     <ds:schemaRef ds:uri="71af3243-3dd4-4a8d-8c0d-dd76da1f02a5"/>
     <ds:schemaRef ds:uri="230e9df3-be65-4c73-a93b-d1236ebd677e"/>
+  </ds:schemaRefs>
+</ds:datastoreItem>
+</file>
+
+<file path=customXml/itemProps2.xml><?xml version="1.0" encoding="utf-8"?>
+<ds:datastoreItem xmlns:ds="http://schemas.openxmlformats.org/officeDocument/2006/customXml" ds:itemID="{904751AB-E840-446F-8D49-E697067EC887}">
+  <ds:schemaRefs>
+    <ds:schemaRef ds:uri="http://schemas.microsoft.com/sharepoint/v3/contenttype/forms"/>
   </ds:schemaRefs>
 </ds:datastoreItem>
 </file>
